--- a/4_Presentation/Blood_glucose_prediction.pptx
+++ b/4_Presentation/Blood_glucose_prediction.pptx
@@ -5,20 +5,25 @@
     <p:sldMasterId id="2147483673" r:id="rId1"/>
   </p:sldMasterIdLst>
   <p:notesMasterIdLst>
-    <p:notesMasterId r:id="rId13"/>
+    <p:notesMasterId r:id="rId18"/>
   </p:notesMasterIdLst>
   <p:sldIdLst>
     <p:sldId id="256" r:id="rId2"/>
     <p:sldId id="257" r:id="rId3"/>
     <p:sldId id="266" r:id="rId4"/>
-    <p:sldId id="258" r:id="rId5"/>
-    <p:sldId id="259" r:id="rId6"/>
-    <p:sldId id="260" r:id="rId7"/>
-    <p:sldId id="261" r:id="rId8"/>
-    <p:sldId id="262" r:id="rId9"/>
-    <p:sldId id="263" r:id="rId10"/>
-    <p:sldId id="264" r:id="rId11"/>
-    <p:sldId id="265" r:id="rId12"/>
+    <p:sldId id="267" r:id="rId5"/>
+    <p:sldId id="258" r:id="rId6"/>
+    <p:sldId id="259" r:id="rId7"/>
+    <p:sldId id="260" r:id="rId8"/>
+    <p:sldId id="261" r:id="rId9"/>
+    <p:sldId id="268" r:id="rId10"/>
+    <p:sldId id="269" r:id="rId11"/>
+    <p:sldId id="270" r:id="rId12"/>
+    <p:sldId id="271" r:id="rId13"/>
+    <p:sldId id="262" r:id="rId14"/>
+    <p:sldId id="263" r:id="rId15"/>
+    <p:sldId id="264" r:id="rId16"/>
+    <p:sldId id="265" r:id="rId17"/>
   </p:sldIdLst>
   <p:sldSz cx="12192000" cy="6858000"/>
   <p:notesSz cx="6858000" cy="9144000"/>
@@ -117,6 +122,11 @@
       </a:defRPr>
     </a:lvl9pPr>
   </p:defaultTextStyle>
+  <p:extLst>
+    <p:ext uri="{EFAFB233-063F-42B5-8137-9DF3F51BA10A}">
+      <p15:sldGuideLst xmlns:p15="http://schemas.microsoft.com/office/powerpoint/2012/main"/>
+    </p:ext>
+  </p:extLst>
 </p:presentation>
 </file>
 
@@ -202,7 +212,7 @@
           <a:p>
             <a:fld id="{DB206A15-4B76-5C4C-9042-4048894F2829}" type="datetimeFigureOut">
               <a:rPr lang="en-US" smtClean="0"/>
-              <a:t>1/8/25</a:t>
+              <a:t>1/10/25</a:t>
             </a:fld>
             <a:endParaRPr lang="en-US"/>
           </a:p>
@@ -702,7 +712,7 @@
           <a:p>
             <a:fld id="{FCCEC9FA-1578-BB4B-801C-C20CE7632F3B}" type="slidenum">
               <a:rPr lang="en-US" smtClean="0"/>
-              <a:t>7</a:t>
+              <a:t>8</a:t>
             </a:fld>
             <a:endParaRPr lang="en-US"/>
           </a:p>
@@ -879,7 +889,7 @@
           <a:p>
             <a:fld id="{655A5808-3B61-48CC-92EF-85AC2E0DFA56}" type="datetime2">
               <a:rPr lang="en-US" smtClean="0"/>
-              <a:t>Wednesday, January 8, 2025</a:t>
+              <a:t>Friday, January 10, 2025</a:t>
             </a:fld>
             <a:endParaRPr lang="en-US"/>
           </a:p>
@@ -1077,7 +1087,7 @@
           <a:p>
             <a:fld id="{735E98AF-4574-4509-BF7A-519ACD5BF826}" type="datetime2">
               <a:rPr lang="en-US" smtClean="0"/>
-              <a:t>Wednesday, January 8, 2025</a:t>
+              <a:t>Friday, January 10, 2025</a:t>
             </a:fld>
             <a:endParaRPr lang="en-US"/>
           </a:p>
@@ -1287,7 +1297,7 @@
           <a:p>
             <a:fld id="{93DD97D4-9636-490F-85D0-E926C2B6F3B1}" type="datetime2">
               <a:rPr lang="en-US" smtClean="0"/>
-              <a:t>Wednesday, January 8, 2025</a:t>
+              <a:t>Friday, January 10, 2025</a:t>
             </a:fld>
             <a:endParaRPr lang="en-US"/>
           </a:p>
@@ -1485,7 +1495,7 @@
           <a:p>
             <a:fld id="{2F3AF3C6-0FD4-4939-991C-00DDE5C56815}" type="datetime2">
               <a:rPr lang="en-US" smtClean="0"/>
-              <a:t>Wednesday, January 8, 2025</a:t>
+              <a:t>Friday, January 10, 2025</a:t>
             </a:fld>
             <a:endParaRPr lang="en-US"/>
           </a:p>
@@ -1766,7 +1776,7 @@
           <a:p>
             <a:fld id="{86807482-8128-47C6-A8DD-6452B0291CFF}" type="datetime2">
               <a:rPr lang="en-US" smtClean="0"/>
-              <a:t>Wednesday, January 8, 2025</a:t>
+              <a:t>Friday, January 10, 2025</a:t>
             </a:fld>
             <a:endParaRPr lang="en-US"/>
           </a:p>
@@ -2032,7 +2042,7 @@
           <a:p>
             <a:fld id="{37903F25-275E-41DE-BE3B-EBF0DB49F9B1}" type="datetime2">
               <a:rPr lang="en-US" smtClean="0"/>
-              <a:t>Wednesday, January 8, 2025</a:t>
+              <a:t>Friday, January 10, 2025</a:t>
             </a:fld>
             <a:endParaRPr lang="en-US"/>
           </a:p>
@@ -2413,7 +2423,7 @@
           <a:p>
             <a:fld id="{EE475572-4A44-4171-84AA-64D42C8050A6}" type="datetime2">
               <a:rPr lang="en-US" smtClean="0"/>
-              <a:t>Wednesday, January 8, 2025</a:t>
+              <a:t>Friday, January 10, 2025</a:t>
             </a:fld>
             <a:endParaRPr lang="en-US"/>
           </a:p>
@@ -2583,7 +2593,7 @@
           <a:p>
             <a:fld id="{C4C1612E-528E-4FD5-9E9E-E15F1108F171}" type="datetime2">
               <a:rPr lang="en-US" smtClean="0"/>
-              <a:t>Wednesday, January 8, 2025</a:t>
+              <a:t>Friday, January 10, 2025</a:t>
             </a:fld>
             <a:endParaRPr lang="en-US"/>
           </a:p>
@@ -2696,7 +2706,7 @@
           <a:p>
             <a:fld id="{D4F6D862-A06D-436F-A92E-EBAAD50B6E50}" type="datetime2">
               <a:rPr lang="en-US" smtClean="0"/>
-              <a:t>Wednesday, January 8, 2025</a:t>
+              <a:t>Friday, January 10, 2025</a:t>
             </a:fld>
             <a:endParaRPr lang="en-US"/>
           </a:p>
@@ -3013,7 +3023,7 @@
           <a:p>
             <a:fld id="{B73E0B7D-2260-4809-8F0A-9E5F3E24F169}" type="datetime2">
               <a:rPr lang="en-US" smtClean="0"/>
-              <a:t>Wednesday, January 8, 2025</a:t>
+              <a:t>Friday, January 10, 2025</a:t>
             </a:fld>
             <a:endParaRPr lang="en-US"/>
           </a:p>
@@ -3305,7 +3315,7 @@
           <a:p>
             <a:fld id="{3C8E4735-C637-46A3-94EB-AB3AC4188D2F}" type="datetime2">
               <a:rPr lang="en-US" smtClean="0"/>
-              <a:t>Wednesday, January 8, 2025</a:t>
+              <a:t>Friday, January 10, 2025</a:t>
             </a:fld>
             <a:endParaRPr lang="en-US"/>
           </a:p>
@@ -3673,7 +3683,7 @@
             <a:fld id="{AE0C963C-C1DB-4AFD-9DDC-0691666BF49B}" type="datetime2">
               <a:rPr lang="en-US" smtClean="0"/>
               <a:pPr/>
-              <a:t>Wednesday, January 8, 2025</a:t>
+              <a:t>Friday, January 10, 2025</a:t>
             </a:fld>
             <a:endParaRPr lang="en-US" cap="all" dirty="0"/>
           </a:p>
@@ -4927,6 +4937,460 @@
           <p:cNvPr id="2" name="Title 1">
             <a:extLst>
               <a:ext uri="{FF2B5EF4-FFF2-40B4-BE49-F238E27FC236}">
+                <a16:creationId xmlns:a16="http://schemas.microsoft.com/office/drawing/2014/main" id="{46AF2F55-E1AF-C974-8BFC-A5D681FAA101}"/>
+              </a:ext>
+            </a:extLst>
+          </p:cNvPr>
+          <p:cNvSpPr>
+            <a:spLocks noGrp="1"/>
+          </p:cNvSpPr>
+          <p:nvPr>
+            <p:ph type="title"/>
+          </p:nvPr>
+        </p:nvSpPr>
+        <p:spPr/>
+        <p:txBody>
+          <a:bodyPr/>
+          <a:lstStyle/>
+          <a:p>
+            <a:r>
+              <a:rPr lang="en-US" dirty="0"/>
+              <a:t>Regression Trees</a:t>
+            </a:r>
+          </a:p>
+        </p:txBody>
+      </p:sp>
+      <p:sp>
+        <p:nvSpPr>
+          <p:cNvPr id="3" name="Content Placeholder 2">
+            <a:extLst>
+              <a:ext uri="{FF2B5EF4-FFF2-40B4-BE49-F238E27FC236}">
+                <a16:creationId xmlns:a16="http://schemas.microsoft.com/office/drawing/2014/main" id="{30DCC5A0-0C16-47E8-DE5D-62D4762E7764}"/>
+              </a:ext>
+            </a:extLst>
+          </p:cNvPr>
+          <p:cNvSpPr>
+            <a:spLocks noGrp="1"/>
+          </p:cNvSpPr>
+          <p:nvPr>
+            <p:ph idx="1"/>
+          </p:nvPr>
+        </p:nvSpPr>
+        <p:spPr/>
+        <p:txBody>
+          <a:bodyPr/>
+          <a:lstStyle/>
+          <a:p>
+            <a:r>
+              <a:rPr lang="en-US" dirty="0"/>
+              <a:t>Bagging: Random Forest</a:t>
+            </a:r>
+          </a:p>
+          <a:p>
+            <a:r>
+              <a:rPr lang="en-US" dirty="0"/>
+              <a:t>Boosting: </a:t>
+            </a:r>
+            <a:r>
+              <a:rPr lang="en-US" dirty="0" err="1"/>
+              <a:t>LightGBM</a:t>
+            </a:r>
+            <a:endParaRPr lang="en-US" dirty="0"/>
+          </a:p>
+        </p:txBody>
+      </p:sp>
+    </p:spTree>
+    <p:extLst>
+      <p:ext uri="{BB962C8B-B14F-4D97-AF65-F5344CB8AC3E}">
+        <p14:creationId xmlns:p14="http://schemas.microsoft.com/office/powerpoint/2010/main" val="102788189"/>
+      </p:ext>
+    </p:extLst>
+  </p:cSld>
+  <p:clrMapOvr>
+    <a:masterClrMapping/>
+  </p:clrMapOvr>
+</p:sld>
+</file>
+
+<file path=ppt/slides/slide11.xml><?xml version="1.0" encoding="utf-8"?>
+<p:sld xmlns:a="http://schemas.openxmlformats.org/drawingml/2006/main" xmlns:r="http://schemas.openxmlformats.org/officeDocument/2006/relationships" xmlns:p="http://schemas.openxmlformats.org/presentationml/2006/main">
+  <p:cSld>
+    <p:spTree>
+      <p:nvGrpSpPr>
+        <p:cNvPr id="1" name=""/>
+        <p:cNvGrpSpPr/>
+        <p:nvPr/>
+      </p:nvGrpSpPr>
+      <p:grpSpPr>
+        <a:xfrm>
+          <a:off x="0" y="0"/>
+          <a:ext cx="0" cy="0"/>
+          <a:chOff x="0" y="0"/>
+          <a:chExt cx="0" cy="0"/>
+        </a:xfrm>
+      </p:grpSpPr>
+      <p:sp>
+        <p:nvSpPr>
+          <p:cNvPr id="2" name="Title 1">
+            <a:extLst>
+              <a:ext uri="{FF2B5EF4-FFF2-40B4-BE49-F238E27FC236}">
+                <a16:creationId xmlns:a16="http://schemas.microsoft.com/office/drawing/2014/main" id="{AA007FCC-F28F-0A97-BB65-17A7770D1EDE}"/>
+              </a:ext>
+            </a:extLst>
+          </p:cNvPr>
+          <p:cNvSpPr>
+            <a:spLocks noGrp="1"/>
+          </p:cNvSpPr>
+          <p:nvPr>
+            <p:ph type="title"/>
+          </p:nvPr>
+        </p:nvSpPr>
+        <p:spPr/>
+        <p:txBody>
+          <a:bodyPr/>
+          <a:lstStyle/>
+          <a:p>
+            <a:r>
+              <a:rPr lang="en-US" dirty="0"/>
+              <a:t>Modern Deep Learning Architectures</a:t>
+            </a:r>
+          </a:p>
+        </p:txBody>
+      </p:sp>
+      <p:sp>
+        <p:nvSpPr>
+          <p:cNvPr id="3" name="Content Placeholder 2">
+            <a:extLst>
+              <a:ext uri="{FF2B5EF4-FFF2-40B4-BE49-F238E27FC236}">
+                <a16:creationId xmlns:a16="http://schemas.microsoft.com/office/drawing/2014/main" id="{844C6CC3-D6F7-E69E-4503-1CF1D3F24F53}"/>
+              </a:ext>
+            </a:extLst>
+          </p:cNvPr>
+          <p:cNvSpPr>
+            <a:spLocks noGrp="1"/>
+          </p:cNvSpPr>
+          <p:nvPr>
+            <p:ph idx="1"/>
+          </p:nvPr>
+        </p:nvSpPr>
+        <p:spPr/>
+        <p:txBody>
+          <a:bodyPr/>
+          <a:lstStyle/>
+          <a:p>
+            <a:r>
+              <a:rPr lang="en-US" dirty="0"/>
+              <a:t>N-Beats / N-Hits</a:t>
+            </a:r>
+          </a:p>
+        </p:txBody>
+      </p:sp>
+    </p:spTree>
+    <p:extLst>
+      <p:ext uri="{BB962C8B-B14F-4D97-AF65-F5344CB8AC3E}">
+        <p14:creationId xmlns:p14="http://schemas.microsoft.com/office/powerpoint/2010/main" val="530752981"/>
+      </p:ext>
+    </p:extLst>
+  </p:cSld>
+  <p:clrMapOvr>
+    <a:masterClrMapping/>
+  </p:clrMapOvr>
+</p:sld>
+</file>
+
+<file path=ppt/slides/slide12.xml><?xml version="1.0" encoding="utf-8"?>
+<p:sld xmlns:a="http://schemas.openxmlformats.org/drawingml/2006/main" xmlns:r="http://schemas.openxmlformats.org/officeDocument/2006/relationships" xmlns:p="http://schemas.openxmlformats.org/presentationml/2006/main">
+  <p:cSld>
+    <p:spTree>
+      <p:nvGrpSpPr>
+        <p:cNvPr id="1" name=""/>
+        <p:cNvGrpSpPr/>
+        <p:nvPr/>
+      </p:nvGrpSpPr>
+      <p:grpSpPr>
+        <a:xfrm>
+          <a:off x="0" y="0"/>
+          <a:ext cx="0" cy="0"/>
+          <a:chOff x="0" y="0"/>
+          <a:chExt cx="0" cy="0"/>
+        </a:xfrm>
+      </p:grpSpPr>
+      <p:sp>
+        <p:nvSpPr>
+          <p:cNvPr id="2" name="Title 1">
+            <a:extLst>
+              <a:ext uri="{FF2B5EF4-FFF2-40B4-BE49-F238E27FC236}">
+                <a16:creationId xmlns:a16="http://schemas.microsoft.com/office/drawing/2014/main" id="{B4D73EE9-719A-803E-1101-FAAB7D842867}"/>
+              </a:ext>
+            </a:extLst>
+          </p:cNvPr>
+          <p:cNvSpPr>
+            <a:spLocks noGrp="1"/>
+          </p:cNvSpPr>
+          <p:nvPr>
+            <p:ph type="title"/>
+          </p:nvPr>
+        </p:nvSpPr>
+        <p:spPr/>
+        <p:txBody>
+          <a:bodyPr/>
+          <a:lstStyle/>
+          <a:p>
+            <a:r>
+              <a:rPr lang="en-US" dirty="0"/>
+              <a:t>Causal Inference</a:t>
+            </a:r>
+          </a:p>
+        </p:txBody>
+      </p:sp>
+      <p:sp>
+        <p:nvSpPr>
+          <p:cNvPr id="3" name="Content Placeholder 2">
+            <a:extLst>
+              <a:ext uri="{FF2B5EF4-FFF2-40B4-BE49-F238E27FC236}">
+                <a16:creationId xmlns:a16="http://schemas.microsoft.com/office/drawing/2014/main" id="{E2055E85-0B1C-387E-F30D-1CBE8D4594AB}"/>
+              </a:ext>
+            </a:extLst>
+          </p:cNvPr>
+          <p:cNvSpPr>
+            <a:spLocks noGrp="1"/>
+          </p:cNvSpPr>
+          <p:nvPr>
+            <p:ph idx="1"/>
+          </p:nvPr>
+        </p:nvSpPr>
+        <p:spPr/>
+        <p:txBody>
+          <a:bodyPr/>
+          <a:lstStyle/>
+          <a:p>
+            <a:r>
+              <a:rPr lang="en-US" dirty="0" err="1"/>
+              <a:t>Tigramite</a:t>
+            </a:r>
+            <a:endParaRPr lang="en-US" dirty="0"/>
+          </a:p>
+        </p:txBody>
+      </p:sp>
+    </p:spTree>
+    <p:extLst>
+      <p:ext uri="{BB962C8B-B14F-4D97-AF65-F5344CB8AC3E}">
+        <p14:creationId xmlns:p14="http://schemas.microsoft.com/office/powerpoint/2010/main" val="2685980722"/>
+      </p:ext>
+    </p:extLst>
+  </p:cSld>
+  <p:clrMapOvr>
+    <a:masterClrMapping/>
+  </p:clrMapOvr>
+</p:sld>
+</file>
+
+<file path=ppt/slides/slide13.xml><?xml version="1.0" encoding="utf-8"?>
+<p:sld xmlns:a="http://schemas.openxmlformats.org/drawingml/2006/main" xmlns:r="http://schemas.openxmlformats.org/officeDocument/2006/relationships" xmlns:p="http://schemas.openxmlformats.org/presentationml/2006/main">
+  <p:cSld>
+    <p:spTree>
+      <p:nvGrpSpPr>
+        <p:cNvPr id="1" name=""/>
+        <p:cNvGrpSpPr/>
+        <p:nvPr/>
+      </p:nvGrpSpPr>
+      <p:grpSpPr>
+        <a:xfrm>
+          <a:off x="0" y="0"/>
+          <a:ext cx="0" cy="0"/>
+          <a:chOff x="0" y="0"/>
+          <a:chExt cx="0" cy="0"/>
+        </a:xfrm>
+      </p:grpSpPr>
+      <p:sp>
+        <p:nvSpPr>
+          <p:cNvPr id="2" name="Title 1">
+            <a:extLst>
+              <a:ext uri="{FF2B5EF4-FFF2-40B4-BE49-F238E27FC236}">
+                <a16:creationId xmlns:a16="http://schemas.microsoft.com/office/drawing/2014/main" id="{22E51F3D-7E86-A131-0460-837CCFDCC344}"/>
+              </a:ext>
+            </a:extLst>
+          </p:cNvPr>
+          <p:cNvSpPr>
+            <a:spLocks noGrp="1"/>
+          </p:cNvSpPr>
+          <p:nvPr>
+            <p:ph type="title"/>
+          </p:nvPr>
+        </p:nvSpPr>
+        <p:spPr/>
+        <p:txBody>
+          <a:bodyPr/>
+          <a:lstStyle/>
+          <a:p>
+            <a:r>
+              <a:rPr lang="en-US" dirty="0"/>
+              <a:t>Results</a:t>
+            </a:r>
+          </a:p>
+        </p:txBody>
+      </p:sp>
+      <p:sp>
+        <p:nvSpPr>
+          <p:cNvPr id="3" name="Content Placeholder 2">
+            <a:extLst>
+              <a:ext uri="{FF2B5EF4-FFF2-40B4-BE49-F238E27FC236}">
+                <a16:creationId xmlns:a16="http://schemas.microsoft.com/office/drawing/2014/main" id="{CEE5D5EE-535B-F790-E83F-528DF721E57F}"/>
+              </a:ext>
+            </a:extLst>
+          </p:cNvPr>
+          <p:cNvSpPr>
+            <a:spLocks noGrp="1"/>
+          </p:cNvSpPr>
+          <p:nvPr>
+            <p:ph idx="1"/>
+          </p:nvPr>
+        </p:nvSpPr>
+        <p:spPr/>
+        <p:txBody>
+          <a:bodyPr/>
+          <a:lstStyle/>
+          <a:p>
+            <a:r>
+              <a:rPr lang="en-US" dirty="0"/>
+              <a:t>Present the results in a clear and easy-to-understand format. Use tables, charts, or any other visual aids that you find appropriate.</a:t>
+            </a:r>
+          </a:p>
+          <a:p>
+            <a:r>
+              <a:rPr lang="en-US" dirty="0"/>
+              <a:t>2-3 slides</a:t>
+            </a:r>
+          </a:p>
+        </p:txBody>
+      </p:sp>
+    </p:spTree>
+    <p:extLst>
+      <p:ext uri="{BB962C8B-B14F-4D97-AF65-F5344CB8AC3E}">
+        <p14:creationId xmlns:p14="http://schemas.microsoft.com/office/powerpoint/2010/main" val="3454146029"/>
+      </p:ext>
+    </p:extLst>
+  </p:cSld>
+  <p:clrMapOvr>
+    <a:masterClrMapping/>
+  </p:clrMapOvr>
+</p:sld>
+</file>
+
+<file path=ppt/slides/slide14.xml><?xml version="1.0" encoding="utf-8"?>
+<p:sld xmlns:a="http://schemas.openxmlformats.org/drawingml/2006/main" xmlns:r="http://schemas.openxmlformats.org/officeDocument/2006/relationships" xmlns:p="http://schemas.openxmlformats.org/presentationml/2006/main">
+  <p:cSld>
+    <p:spTree>
+      <p:nvGrpSpPr>
+        <p:cNvPr id="1" name=""/>
+        <p:cNvGrpSpPr/>
+        <p:nvPr/>
+      </p:nvGrpSpPr>
+      <p:grpSpPr>
+        <a:xfrm>
+          <a:off x="0" y="0"/>
+          <a:ext cx="0" cy="0"/>
+          <a:chOff x="0" y="0"/>
+          <a:chExt cx="0" cy="0"/>
+        </a:xfrm>
+      </p:grpSpPr>
+      <p:sp>
+        <p:nvSpPr>
+          <p:cNvPr id="2" name="Title 1">
+            <a:extLst>
+              <a:ext uri="{FF2B5EF4-FFF2-40B4-BE49-F238E27FC236}">
+                <a16:creationId xmlns:a16="http://schemas.microsoft.com/office/drawing/2014/main" id="{0BBBAA32-884A-D594-809F-CE812417F52A}"/>
+              </a:ext>
+            </a:extLst>
+          </p:cNvPr>
+          <p:cNvSpPr>
+            <a:spLocks noGrp="1"/>
+          </p:cNvSpPr>
+          <p:nvPr>
+            <p:ph type="title"/>
+          </p:nvPr>
+        </p:nvSpPr>
+        <p:spPr/>
+        <p:txBody>
+          <a:bodyPr/>
+          <a:lstStyle/>
+          <a:p>
+            <a:r>
+              <a:rPr lang="en-US" dirty="0"/>
+              <a:t>Challenges and Errors</a:t>
+            </a:r>
+          </a:p>
+        </p:txBody>
+      </p:sp>
+      <p:sp>
+        <p:nvSpPr>
+          <p:cNvPr id="3" name="Content Placeholder 2">
+            <a:extLst>
+              <a:ext uri="{FF2B5EF4-FFF2-40B4-BE49-F238E27FC236}">
+                <a16:creationId xmlns:a16="http://schemas.microsoft.com/office/drawing/2014/main" id="{EB5228B9-51D1-6CA4-6DF8-C81CB4E1F3FE}"/>
+              </a:ext>
+            </a:extLst>
+          </p:cNvPr>
+          <p:cNvSpPr>
+            <a:spLocks noGrp="1"/>
+          </p:cNvSpPr>
+          <p:nvPr>
+            <p:ph idx="1"/>
+          </p:nvPr>
+        </p:nvSpPr>
+        <p:spPr/>
+        <p:txBody>
+          <a:bodyPr/>
+          <a:lstStyle/>
+          <a:p>
+            <a:r>
+              <a:rPr lang="en-US" dirty="0"/>
+              <a:t>Discuss the most challenging issue or error you encountered during the data preparation or modeling phase, and how you overcame it.</a:t>
+            </a:r>
+          </a:p>
+          <a:p>
+            <a:r>
+              <a:rPr lang="en-US" dirty="0"/>
+              <a:t>Missing data: Preprocessed data linearly interpolated all missing dates</a:t>
+            </a:r>
+          </a:p>
+        </p:txBody>
+      </p:sp>
+    </p:spTree>
+    <p:extLst>
+      <p:ext uri="{BB962C8B-B14F-4D97-AF65-F5344CB8AC3E}">
+        <p14:creationId xmlns:p14="http://schemas.microsoft.com/office/powerpoint/2010/main" val="241819360"/>
+      </p:ext>
+    </p:extLst>
+  </p:cSld>
+  <p:clrMapOvr>
+    <a:masterClrMapping/>
+  </p:clrMapOvr>
+</p:sld>
+</file>
+
+<file path=ppt/slides/slide15.xml><?xml version="1.0" encoding="utf-8"?>
+<p:sld xmlns:a="http://schemas.openxmlformats.org/drawingml/2006/main" xmlns:r="http://schemas.openxmlformats.org/officeDocument/2006/relationships" xmlns:p="http://schemas.openxmlformats.org/presentationml/2006/main">
+  <p:cSld>
+    <p:spTree>
+      <p:nvGrpSpPr>
+        <p:cNvPr id="1" name=""/>
+        <p:cNvGrpSpPr/>
+        <p:nvPr/>
+      </p:nvGrpSpPr>
+      <p:grpSpPr>
+        <a:xfrm>
+          <a:off x="0" y="0"/>
+          <a:ext cx="0" cy="0"/>
+          <a:chOff x="0" y="0"/>
+          <a:chExt cx="0" cy="0"/>
+        </a:xfrm>
+      </p:grpSpPr>
+      <p:sp>
+        <p:nvSpPr>
+          <p:cNvPr id="2" name="Title 1">
+            <a:extLst>
+              <a:ext uri="{FF2B5EF4-FFF2-40B4-BE49-F238E27FC236}">
                 <a16:creationId xmlns:a16="http://schemas.microsoft.com/office/drawing/2014/main" id="{83CDDF9E-7041-D926-50DB-4C06D8A246C9}"/>
               </a:ext>
             </a:extLst>
@@ -4997,7 +5461,7 @@
 </p:sld>
 </file>
 
-<file path=ppt/slides/slide11.xml><?xml version="1.0" encoding="utf-8"?>
+<file path=ppt/slides/slide16.xml><?xml version="1.0" encoding="utf-8"?>
 <p:sld xmlns:a="http://schemas.openxmlformats.org/drawingml/2006/main" xmlns:r="http://schemas.openxmlformats.org/officeDocument/2006/relationships" xmlns:p="http://schemas.openxmlformats.org/presentationml/2006/main">
   <p:cSld>
     <p:spTree>
@@ -5278,13 +5742,13 @@
           <a:p>
             <a:r>
               <a:rPr lang="en-US" dirty="0"/>
-              <a:t>Introduction</a:t>
-            </a:r>
-          </a:p>
-        </p:txBody>
-      </p:sp>
-      <mc:AlternateContent xmlns:mc="http://schemas.openxmlformats.org/markup-compatibility/2006">
-        <mc:Choice xmlns:a14="http://schemas.microsoft.com/office/drawing/2010/main" Requires="a14">
+              <a:t>Basic Domain Knowledge</a:t>
+            </a:r>
+          </a:p>
+        </p:txBody>
+      </p:sp>
+      <mc:AlternateContent xmlns:mc="http://schemas.openxmlformats.org/markup-compatibility/2006" xmlns:a14="http://schemas.microsoft.com/office/drawing/2010/main">
+        <mc:Choice Requires="a14">
           <p:sp>
             <p:nvSpPr>
               <p:cNvPr id="3" name="Content Placeholder 2">
@@ -5474,7 +5938,7 @@
             </p:txBody>
           </p:sp>
         </mc:Choice>
-        <mc:Fallback>
+        <mc:Fallback xmlns="">
           <p:sp>
             <p:nvSpPr>
               <p:cNvPr id="3" name="Content Placeholder 2">
@@ -5549,7 +6013,7 @@
           <p:cNvPr id="2" name="Title 1">
             <a:extLst>
               <a:ext uri="{FF2B5EF4-FFF2-40B4-BE49-F238E27FC236}">
-                <a16:creationId xmlns:a16="http://schemas.microsoft.com/office/drawing/2014/main" id="{162CA8CA-AAFB-BB05-28D5-9FF42BEB4791}"/>
+                <a16:creationId xmlns:a16="http://schemas.microsoft.com/office/drawing/2014/main" id="{76CA5157-13ED-22A2-9918-2B752586F66A}"/>
               </a:ext>
             </a:extLst>
           </p:cNvPr>
@@ -5567,55 +6031,199 @@
           <a:p>
             <a:r>
               <a:rPr lang="en-US" dirty="0"/>
-              <a:t>Literature</a:t>
-            </a:r>
-          </a:p>
-        </p:txBody>
-      </p:sp>
-      <p:sp>
-        <p:nvSpPr>
-          <p:cNvPr id="3" name="Content Placeholder 2">
-            <a:extLst>
-              <a:ext uri="{FF2B5EF4-FFF2-40B4-BE49-F238E27FC236}">
-                <a16:creationId xmlns:a16="http://schemas.microsoft.com/office/drawing/2014/main" id="{B70BACD6-C820-3095-FA48-A622827FF014}"/>
-              </a:ext>
-            </a:extLst>
-          </p:cNvPr>
-          <p:cNvSpPr>
-            <a:spLocks noGrp="1"/>
-          </p:cNvSpPr>
+              <a:t>Time series Forecasting</a:t>
+            </a:r>
+          </a:p>
+        </p:txBody>
+      </p:sp>
+      <p:pic>
+        <p:nvPicPr>
+          <p:cNvPr id="4" name="Content Placeholder 3">
+            <a:extLst>
+              <a:ext uri="{FF2B5EF4-FFF2-40B4-BE49-F238E27FC236}">
+                <a16:creationId xmlns:a16="http://schemas.microsoft.com/office/drawing/2014/main" id="{33F069B7-8E12-C076-53E3-8C8847C2DCA2}"/>
+              </a:ext>
+            </a:extLst>
+          </p:cNvPr>
+          <p:cNvPicPr>
+            <a:picLocks noGrp="1" noChangeAspect="1"/>
+          </p:cNvPicPr>
           <p:nvPr>
             <p:ph idx="1"/>
           </p:nvPr>
-        </p:nvSpPr>
-        <p:spPr/>
-        <p:txBody>
-          <a:bodyPr/>
-          <a:lstStyle/>
-          <a:p>
-            <a:r>
-              <a:rPr lang="en-US" dirty="0">
-                <a:hlinkClick r:id="rId2"/>
-              </a:rPr>
-              <a:t>Hidalgo et al., 2024</a:t>
-            </a:r>
+        </p:nvPicPr>
+        <p:blipFill>
+          <a:blip r:embed="rId2"/>
+          <a:stretch>
+            <a:fillRect/>
+          </a:stretch>
+        </p:blipFill>
+        <p:spPr>
+          <a:xfrm>
+            <a:off x="1371917" y="1550018"/>
+            <a:ext cx="10240963" cy="2934050"/>
+          </a:xfrm>
+          <a:prstGeom prst="rect">
+            <a:avLst/>
+          </a:prstGeom>
+        </p:spPr>
+      </p:pic>
+      <p:cxnSp>
+        <p:nvCxnSpPr>
+          <p:cNvPr id="6" name="Straight Connector 5">
+            <a:extLst>
+              <a:ext uri="{FF2B5EF4-FFF2-40B4-BE49-F238E27FC236}">
+                <a16:creationId xmlns:a16="http://schemas.microsoft.com/office/drawing/2014/main" id="{8A747E23-5AF1-680D-06D3-0F367D9CAD2D}"/>
+              </a:ext>
+            </a:extLst>
+          </p:cNvPr>
+          <p:cNvCxnSpPr/>
+          <p:nvPr/>
+        </p:nvCxnSpPr>
+        <p:spPr>
+          <a:xfrm>
+            <a:off x="8519886" y="4484068"/>
+            <a:ext cx="1567543" cy="0"/>
+          </a:xfrm>
+          <a:prstGeom prst="line">
+            <a:avLst/>
+          </a:prstGeom>
+          <a:ln w="12700">
+            <a:headEnd type="arrow" w="med" len="med"/>
+            <a:tailEnd type="arrow" w="med" len="med"/>
+          </a:ln>
+        </p:spPr>
+        <p:style>
+          <a:lnRef idx="1">
+            <a:schemeClr val="accent1"/>
+          </a:lnRef>
+          <a:fillRef idx="0">
+            <a:schemeClr val="accent1"/>
+          </a:fillRef>
+          <a:effectRef idx="0">
+            <a:schemeClr val="accent1"/>
+          </a:effectRef>
+          <a:fontRef idx="minor">
+            <a:schemeClr val="tx1"/>
+          </a:fontRef>
+        </p:style>
+      </p:cxnSp>
+      <p:sp>
+        <p:nvSpPr>
+          <p:cNvPr id="7" name="TextBox 6">
+            <a:extLst>
+              <a:ext uri="{FF2B5EF4-FFF2-40B4-BE49-F238E27FC236}">
+                <a16:creationId xmlns:a16="http://schemas.microsoft.com/office/drawing/2014/main" id="{F5A2BD0A-A745-D235-229D-08EC814F99B8}"/>
+              </a:ext>
+            </a:extLst>
+          </p:cNvPr>
+          <p:cNvSpPr txBox="1"/>
+          <p:nvPr/>
+        </p:nvSpPr>
+        <p:spPr>
+          <a:xfrm>
+            <a:off x="8972476" y="4484068"/>
+            <a:ext cx="662361" cy="369332"/>
+          </a:xfrm>
+          <a:prstGeom prst="rect">
+            <a:avLst/>
+          </a:prstGeom>
+          <a:noFill/>
+        </p:spPr>
+        <p:txBody>
+          <a:bodyPr wrap="none" rtlCol="0">
+            <a:spAutoFit/>
+          </a:bodyPr>
+          <a:lstStyle/>
+          <a:p>
             <a:r>
               <a:rPr lang="en-US" dirty="0"/>
-              <a:t>: Dataset description</a:t>
-            </a:r>
-          </a:p>
-          <a:p>
-            <a:endParaRPr lang="en-US" dirty="0"/>
-          </a:p>
-          <a:p>
-            <a:endParaRPr lang="en-US" dirty="0"/>
+              <a:t>2-3h</a:t>
+            </a:r>
+          </a:p>
+        </p:txBody>
+      </p:sp>
+      <p:cxnSp>
+        <p:nvCxnSpPr>
+          <p:cNvPr id="8" name="Straight Connector 7">
+            <a:extLst>
+              <a:ext uri="{FF2B5EF4-FFF2-40B4-BE49-F238E27FC236}">
+                <a16:creationId xmlns:a16="http://schemas.microsoft.com/office/drawing/2014/main" id="{EE25DABC-61DF-D89B-EAAB-A0E11B322EAD}"/>
+              </a:ext>
+            </a:extLst>
+          </p:cNvPr>
+          <p:cNvCxnSpPr>
+            <a:cxnSpLocks/>
+          </p:cNvCxnSpPr>
+          <p:nvPr/>
+        </p:nvCxnSpPr>
+        <p:spPr>
+          <a:xfrm>
+            <a:off x="10145485" y="4475965"/>
+            <a:ext cx="1204685" cy="8103"/>
+          </a:xfrm>
+          <a:prstGeom prst="line">
+            <a:avLst/>
+          </a:prstGeom>
+          <a:ln w="12700">
+            <a:headEnd type="arrow" w="med" len="med"/>
+            <a:tailEnd type="arrow" w="med" len="med"/>
+          </a:ln>
+        </p:spPr>
+        <p:style>
+          <a:lnRef idx="1">
+            <a:schemeClr val="accent1"/>
+          </a:lnRef>
+          <a:fillRef idx="0">
+            <a:schemeClr val="accent1"/>
+          </a:fillRef>
+          <a:effectRef idx="0">
+            <a:schemeClr val="accent1"/>
+          </a:effectRef>
+          <a:fontRef idx="minor">
+            <a:schemeClr val="tx1"/>
+          </a:fontRef>
+        </p:style>
+      </p:cxnSp>
+      <p:sp>
+        <p:nvSpPr>
+          <p:cNvPr id="10" name="TextBox 9">
+            <a:extLst>
+              <a:ext uri="{FF2B5EF4-FFF2-40B4-BE49-F238E27FC236}">
+                <a16:creationId xmlns:a16="http://schemas.microsoft.com/office/drawing/2014/main" id="{EF8601D0-7387-98EB-14FB-A12E6A6B2F60}"/>
+              </a:ext>
+            </a:extLst>
+          </p:cNvPr>
+          <p:cNvSpPr txBox="1"/>
+          <p:nvPr/>
+        </p:nvSpPr>
+        <p:spPr>
+          <a:xfrm>
+            <a:off x="10414089" y="4475965"/>
+            <a:ext cx="453970" cy="369332"/>
+          </a:xfrm>
+          <a:prstGeom prst="rect">
+            <a:avLst/>
+          </a:prstGeom>
+          <a:noFill/>
+        </p:spPr>
+        <p:txBody>
+          <a:bodyPr wrap="none" rtlCol="0">
+            <a:spAutoFit/>
+          </a:bodyPr>
+          <a:lstStyle/>
+          <a:p>
+            <a:r>
+              <a:rPr lang="en-US" dirty="0"/>
+              <a:t>1h</a:t>
+            </a:r>
           </a:p>
         </p:txBody>
       </p:sp>
     </p:spTree>
     <p:extLst>
       <p:ext uri="{BB962C8B-B14F-4D97-AF65-F5344CB8AC3E}">
-        <p14:creationId xmlns:p14="http://schemas.microsoft.com/office/powerpoint/2010/main" val="422325155"/>
+        <p14:creationId xmlns:p14="http://schemas.microsoft.com/office/powerpoint/2010/main" val="2987193466"/>
       </p:ext>
     </p:extLst>
   </p:cSld>
@@ -5647,7 +6255,7 @@
           <p:cNvPr id="2" name="Title 1">
             <a:extLst>
               <a:ext uri="{FF2B5EF4-FFF2-40B4-BE49-F238E27FC236}">
-                <a16:creationId xmlns:a16="http://schemas.microsoft.com/office/drawing/2014/main" id="{53E57A3A-EAFA-966F-36D0-424B176313E7}"/>
+                <a16:creationId xmlns:a16="http://schemas.microsoft.com/office/drawing/2014/main" id="{162CA8CA-AAFB-BB05-28D5-9FF42BEB4791}"/>
               </a:ext>
             </a:extLst>
           </p:cNvPr>
@@ -5665,7 +6273,7 @@
           <a:p>
             <a:r>
               <a:rPr lang="en-US" dirty="0"/>
-              <a:t>Dataset Characteristics</a:t>
+              <a:t>Literature</a:t>
             </a:r>
           </a:p>
         </p:txBody>
@@ -5675,7 +6283,7 @@
           <p:cNvPr id="3" name="Content Placeholder 2">
             <a:extLst>
               <a:ext uri="{FF2B5EF4-FFF2-40B4-BE49-F238E27FC236}">
-                <a16:creationId xmlns:a16="http://schemas.microsoft.com/office/drawing/2014/main" id="{C3A0FCF6-A643-C3B2-A312-E2EC2C7B46F5}"/>
+                <a16:creationId xmlns:a16="http://schemas.microsoft.com/office/drawing/2014/main" id="{B70BACD6-C820-3095-FA48-A622827FF014}"/>
               </a:ext>
             </a:extLst>
           </p:cNvPr>
@@ -5692,16 +6300,28 @@
           <a:lstStyle/>
           <a:p>
             <a:r>
+              <a:rPr lang="en-US" dirty="0">
+                <a:hlinkClick r:id="rId2"/>
+              </a:rPr>
+              <a:t>Hidalgo et al., 2024</a:t>
+            </a:r>
+            <a:r>
               <a:rPr lang="en-US" dirty="0"/>
-              <a:t>Provide an overview of your dataset, including any preprocessing and feature engineering steps.</a:t>
-            </a:r>
+              <a:t>: Dataset description</a:t>
+            </a:r>
+          </a:p>
+          <a:p>
+            <a:endParaRPr lang="en-US" dirty="0"/>
+          </a:p>
+          <a:p>
+            <a:endParaRPr lang="en-US" dirty="0"/>
           </a:p>
         </p:txBody>
       </p:sp>
     </p:spTree>
     <p:extLst>
       <p:ext uri="{BB962C8B-B14F-4D97-AF65-F5344CB8AC3E}">
-        <p14:creationId xmlns:p14="http://schemas.microsoft.com/office/powerpoint/2010/main" val="459413540"/>
+        <p14:creationId xmlns:p14="http://schemas.microsoft.com/office/powerpoint/2010/main" val="422325155"/>
       </p:ext>
     </p:extLst>
   </p:cSld>
@@ -5733,7 +6353,7 @@
           <p:cNvPr id="2" name="Title 1">
             <a:extLst>
               <a:ext uri="{FF2B5EF4-FFF2-40B4-BE49-F238E27FC236}">
-                <a16:creationId xmlns:a16="http://schemas.microsoft.com/office/drawing/2014/main" id="{0BCBA9E6-8710-9158-FFBD-016EF748715C}"/>
+                <a16:creationId xmlns:a16="http://schemas.microsoft.com/office/drawing/2014/main" id="{53E57A3A-EAFA-966F-36D0-424B176313E7}"/>
               </a:ext>
             </a:extLst>
           </p:cNvPr>
@@ -5751,51 +6371,110 @@
           <a:p>
             <a:r>
               <a:rPr lang="en-US" dirty="0"/>
-              <a:t>Baseline Model: </a:t>
-            </a:r>
-            <a:r>
-              <a:rPr lang="en-US" dirty="0" err="1"/>
-              <a:t>SArima</a:t>
-            </a:r>
+              <a:t>Dataset Characteristics</a:t>
+            </a:r>
+          </a:p>
+        </p:txBody>
+      </p:sp>
+      <p:sp>
+        <p:nvSpPr>
+          <p:cNvPr id="3" name="Content Placeholder 2">
+            <a:extLst>
+              <a:ext uri="{FF2B5EF4-FFF2-40B4-BE49-F238E27FC236}">
+                <a16:creationId xmlns:a16="http://schemas.microsoft.com/office/drawing/2014/main" id="{C3A0FCF6-A643-C3B2-A312-E2EC2C7B46F5}"/>
+              </a:ext>
+            </a:extLst>
+          </p:cNvPr>
+          <p:cNvSpPr>
+            <a:spLocks noGrp="1"/>
+          </p:cNvSpPr>
+          <p:nvPr>
+            <p:ph idx="1"/>
+          </p:nvPr>
+        </p:nvSpPr>
+        <p:spPr/>
+        <p:txBody>
+          <a:bodyPr/>
+          <a:lstStyle/>
+          <a:p>
             <a:r>
               <a:rPr lang="en-US" dirty="0"/>
-              <a:t>(x)</a:t>
-            </a:r>
-          </a:p>
-        </p:txBody>
-      </p:sp>
-      <p:sp>
-        <p:nvSpPr>
-          <p:cNvPr id="3" name="Content Placeholder 2">
-            <a:extLst>
-              <a:ext uri="{FF2B5EF4-FFF2-40B4-BE49-F238E27FC236}">
-                <a16:creationId xmlns:a16="http://schemas.microsoft.com/office/drawing/2014/main" id="{4360F390-C9FA-1609-FFB6-3AB7AD90A37C}"/>
-              </a:ext>
-            </a:extLst>
-          </p:cNvPr>
-          <p:cNvSpPr>
-            <a:spLocks noGrp="1"/>
-          </p:cNvSpPr>
-          <p:nvPr>
-            <p:ph idx="1"/>
-          </p:nvPr>
-        </p:nvSpPr>
-        <p:spPr/>
-        <p:txBody>
-          <a:bodyPr/>
-          <a:lstStyle/>
+              <a:t>Provide an overview of your dataset, including any preprocessing and feature engineering steps.</a:t>
+            </a:r>
+          </a:p>
           <a:p>
             <a:r>
               <a:rPr lang="en-US" dirty="0"/>
-              <a:t>Quickly recap your baseline model, its performance, and why it was chosen.</a:t>
-            </a:r>
-          </a:p>
-        </p:txBody>
-      </p:sp>
+              <a:t>5-min data for BG, insulin, carb &amp; metabolic markers</a:t>
+            </a:r>
+          </a:p>
+          <a:p>
+            <a:r>
+              <a:rPr lang="en-US" dirty="0"/>
+              <a:t>Sleep? </a:t>
+            </a:r>
+            <a:r>
+              <a:rPr lang="en-US"/>
+              <a:t>Anthropometric </a:t>
+            </a:r>
+            <a:r>
+              <a:rPr lang="en-US" dirty="0"/>
+              <a:t>data?</a:t>
+            </a:r>
+          </a:p>
+        </p:txBody>
+      </p:sp>
+      <p:pic>
+        <p:nvPicPr>
+          <p:cNvPr id="1026" name="Picture 2">
+            <a:extLst>
+              <a:ext uri="{FF2B5EF4-FFF2-40B4-BE49-F238E27FC236}">
+                <a16:creationId xmlns:a16="http://schemas.microsoft.com/office/drawing/2014/main" id="{5E252F48-2BC9-8E88-A382-73977B2ABCD4}"/>
+              </a:ext>
+            </a:extLst>
+          </p:cNvPr>
+          <p:cNvPicPr>
+            <a:picLocks noChangeAspect="1" noChangeArrowheads="1"/>
+          </p:cNvPicPr>
+          <p:nvPr/>
+        </p:nvPicPr>
+        <p:blipFill>
+          <a:blip r:embed="rId2">
+            <a:extLst>
+              <a:ext uri="{28A0092B-C50C-407E-A947-70E740481C1C}">
+                <a14:useLocalDpi xmlns:a14="http://schemas.microsoft.com/office/drawing/2010/main" val="0"/>
+              </a:ext>
+            </a:extLst>
+          </a:blip>
+          <a:srcRect/>
+          <a:stretch>
+            <a:fillRect/>
+          </a:stretch>
+        </p:blipFill>
+        <p:spPr bwMode="auto">
+          <a:xfrm>
+            <a:off x="5921829" y="3065054"/>
+            <a:ext cx="5834743" cy="2893060"/>
+          </a:xfrm>
+          <a:prstGeom prst="rect">
+            <a:avLst/>
+          </a:prstGeom>
+          <a:noFill/>
+          <a:extLst>
+            <a:ext uri="{909E8E84-426E-40DD-AFC4-6F175D3DCCD1}">
+              <a14:hiddenFill xmlns:a14="http://schemas.microsoft.com/office/drawing/2010/main">
+                <a:solidFill>
+                  <a:srgbClr val="FFFFFF"/>
+                </a:solidFill>
+              </a14:hiddenFill>
+            </a:ext>
+          </a:extLst>
+        </p:spPr>
+      </p:pic>
     </p:spTree>
     <p:extLst>
       <p:ext uri="{BB962C8B-B14F-4D97-AF65-F5344CB8AC3E}">
-        <p14:creationId xmlns:p14="http://schemas.microsoft.com/office/powerpoint/2010/main" val="1442847053"/>
+        <p14:creationId xmlns:p14="http://schemas.microsoft.com/office/powerpoint/2010/main" val="459413540"/>
       </p:ext>
     </p:extLst>
   </p:cSld>
@@ -5827,7 +6506,7 @@
           <p:cNvPr id="2" name="Title 1">
             <a:extLst>
               <a:ext uri="{FF2B5EF4-FFF2-40B4-BE49-F238E27FC236}">
-                <a16:creationId xmlns:a16="http://schemas.microsoft.com/office/drawing/2014/main" id="{A0E233A6-4544-2017-9866-17DC38E844AB}"/>
+                <a16:creationId xmlns:a16="http://schemas.microsoft.com/office/drawing/2014/main" id="{0BCBA9E6-8710-9158-FFBD-016EF748715C}"/>
               </a:ext>
             </a:extLst>
           </p:cNvPr>
@@ -5845,7 +6524,7 @@
           <a:p>
             <a:r>
               <a:rPr lang="en-US" dirty="0"/>
-              <a:t>Model Definition and Evaluation</a:t>
+              <a:t>Baseline Model: Arima(x)</a:t>
             </a:r>
           </a:p>
         </p:txBody>
@@ -5855,7 +6534,7 @@
           <p:cNvPr id="3" name="Content Placeholder 2">
             <a:extLst>
               <a:ext uri="{FF2B5EF4-FFF2-40B4-BE49-F238E27FC236}">
-                <a16:creationId xmlns:a16="http://schemas.microsoft.com/office/drawing/2014/main" id="{9DCFE856-917A-09CF-14F1-5B2C2CFCBE6B}"/>
+                <a16:creationId xmlns:a16="http://schemas.microsoft.com/office/drawing/2014/main" id="{4360F390-C9FA-1609-FFB6-3AB7AD90A37C}"/>
               </a:ext>
             </a:extLst>
           </p:cNvPr>
@@ -5873,13 +6552,7 @@
           <a:p>
             <a:r>
               <a:rPr lang="en-US" dirty="0"/>
-              <a:t>Discuss the models you've implemented, the feature engineering steps you've taken, and how you evaluated their performance. Include a screenshot of the code you used to implement the model.</a:t>
-            </a:r>
-          </a:p>
-          <a:p>
-            <a:r>
-              <a:rPr lang="en-US" dirty="0"/>
-              <a:t>3-4 slides</a:t>
+              <a:t>Quickly recap your baseline model, its performance, and why it was chosen.</a:t>
             </a:r>
           </a:p>
         </p:txBody>
@@ -5887,7 +6560,7 @@
     </p:spTree>
     <p:extLst>
       <p:ext uri="{BB962C8B-B14F-4D97-AF65-F5344CB8AC3E}">
-        <p14:creationId xmlns:p14="http://schemas.microsoft.com/office/powerpoint/2010/main" val="1354609624"/>
+        <p14:creationId xmlns:p14="http://schemas.microsoft.com/office/powerpoint/2010/main" val="1442847053"/>
       </p:ext>
     </p:extLst>
   </p:cSld>
@@ -5919,7 +6592,7 @@
           <p:cNvPr id="2" name="Title 1">
             <a:extLst>
               <a:ext uri="{FF2B5EF4-FFF2-40B4-BE49-F238E27FC236}">
-                <a16:creationId xmlns:a16="http://schemas.microsoft.com/office/drawing/2014/main" id="{22E51F3D-7E86-A131-0460-837CCFDCC344}"/>
+                <a16:creationId xmlns:a16="http://schemas.microsoft.com/office/drawing/2014/main" id="{A0E233A6-4544-2017-9866-17DC38E844AB}"/>
               </a:ext>
             </a:extLst>
           </p:cNvPr>
@@ -5937,7 +6610,7 @@
           <a:p>
             <a:r>
               <a:rPr lang="en-US" dirty="0"/>
-              <a:t>Results</a:t>
+              <a:t>Model Definition and Evaluation</a:t>
             </a:r>
           </a:p>
         </p:txBody>
@@ -5947,7 +6620,7 @@
           <p:cNvPr id="3" name="Content Placeholder 2">
             <a:extLst>
               <a:ext uri="{FF2B5EF4-FFF2-40B4-BE49-F238E27FC236}">
-                <a16:creationId xmlns:a16="http://schemas.microsoft.com/office/drawing/2014/main" id="{CEE5D5EE-535B-F790-E83F-528DF721E57F}"/>
+                <a16:creationId xmlns:a16="http://schemas.microsoft.com/office/drawing/2014/main" id="{9DCFE856-917A-09CF-14F1-5B2C2CFCBE6B}"/>
               </a:ext>
             </a:extLst>
           </p:cNvPr>
@@ -5965,13 +6638,49 @@
           <a:p>
             <a:r>
               <a:rPr lang="en-US" dirty="0"/>
-              <a:t>Present the results in a clear and easy-to-understand format. Use tables, charts, or any other visual aids that you find appropriate.</a:t>
+              <a:t>Discuss the models you've implemented, the feature engineering steps you've taken, and how you evaluated their performance. Include a screenshot of the code you used to implement the model.</a:t>
             </a:r>
           </a:p>
           <a:p>
             <a:r>
               <a:rPr lang="en-US" dirty="0"/>
-              <a:t>2-3 slides</a:t>
+              <a:t>3-4 slides</a:t>
+            </a:r>
+          </a:p>
+          <a:p>
+            <a:r>
+              <a:rPr lang="en-US" dirty="0"/>
+              <a:t>RNNs: GRU/LSTM</a:t>
+            </a:r>
+          </a:p>
+          <a:p>
+            <a:r>
+              <a:rPr lang="en-US" dirty="0"/>
+              <a:t>Tree models: Random Forest &amp; Gradient boosting (</a:t>
+            </a:r>
+            <a:r>
+              <a:rPr lang="en-US" dirty="0" err="1"/>
+              <a:t>lightGBM</a:t>
+            </a:r>
+            <a:r>
+              <a:rPr lang="en-US" dirty="0"/>
+              <a:t>)</a:t>
+            </a:r>
+          </a:p>
+          <a:p>
+            <a:r>
+              <a:rPr lang="en-US" dirty="0" err="1"/>
+              <a:t>Tigramite</a:t>
+            </a:r>
+            <a:r>
+              <a:rPr lang="en-US" dirty="0"/>
+              <a:t>: Causal analysis</a:t>
+            </a:r>
+          </a:p>
+          <a:p>
+            <a:r>
+              <a:rPr lang="en-US" dirty="0"/>
+              <a:t>N-Beats / N-Hits</a:t>
             </a:r>
           </a:p>
         </p:txBody>
@@ -5979,7 +6688,7 @@
     </p:spTree>
     <p:extLst>
       <p:ext uri="{BB962C8B-B14F-4D97-AF65-F5344CB8AC3E}">
-        <p14:creationId xmlns:p14="http://schemas.microsoft.com/office/powerpoint/2010/main" val="3454146029"/>
+        <p14:creationId xmlns:p14="http://schemas.microsoft.com/office/powerpoint/2010/main" val="1354609624"/>
       </p:ext>
     </p:extLst>
   </p:cSld>
@@ -6011,7 +6720,7 @@
           <p:cNvPr id="2" name="Title 1">
             <a:extLst>
               <a:ext uri="{FF2B5EF4-FFF2-40B4-BE49-F238E27FC236}">
-                <a16:creationId xmlns:a16="http://schemas.microsoft.com/office/drawing/2014/main" id="{0BBBAA32-884A-D594-809F-CE812417F52A}"/>
+                <a16:creationId xmlns:a16="http://schemas.microsoft.com/office/drawing/2014/main" id="{5275BA05-6DC6-4514-549A-77F76278F7FC}"/>
               </a:ext>
             </a:extLst>
           </p:cNvPr>
@@ -6029,7 +6738,7 @@
           <a:p>
             <a:r>
               <a:rPr lang="en-US" dirty="0"/>
-              <a:t>Challenges and Errors</a:t>
+              <a:t>Recurrent Neural Networks</a:t>
             </a:r>
           </a:p>
         </p:txBody>
@@ -6039,7 +6748,7 @@
           <p:cNvPr id="3" name="Content Placeholder 2">
             <a:extLst>
               <a:ext uri="{FF2B5EF4-FFF2-40B4-BE49-F238E27FC236}">
-                <a16:creationId xmlns:a16="http://schemas.microsoft.com/office/drawing/2014/main" id="{EB5228B9-51D1-6CA4-6DF8-C81CB4E1F3FE}"/>
+                <a16:creationId xmlns:a16="http://schemas.microsoft.com/office/drawing/2014/main" id="{5ECD3F24-07AE-8EF9-749F-37436E0BF4C6}"/>
               </a:ext>
             </a:extLst>
           </p:cNvPr>
@@ -6057,7 +6766,13 @@
           <a:p>
             <a:r>
               <a:rPr lang="en-US" dirty="0"/>
-              <a:t>Discuss the most challenging issue or error you encountered during the data preparation or modeling phase, and how you overcame it.</a:t>
+              <a:t>LSTM</a:t>
+            </a:r>
+          </a:p>
+          <a:p>
+            <a:r>
+              <a:rPr lang="en-US" dirty="0"/>
+              <a:t>GRU</a:t>
             </a:r>
           </a:p>
         </p:txBody>
@@ -6065,7 +6780,7 @@
     </p:spTree>
     <p:extLst>
       <p:ext uri="{BB962C8B-B14F-4D97-AF65-F5344CB8AC3E}">
-        <p14:creationId xmlns:p14="http://schemas.microsoft.com/office/powerpoint/2010/main" val="241819360"/>
+        <p14:creationId xmlns:p14="http://schemas.microsoft.com/office/powerpoint/2010/main" val="3226728733"/>
       </p:ext>
     </p:extLst>
   </p:cSld>

--- a/4_Presentation/Blood_glucose_prediction.pptx
+++ b/4_Presentation/Blood_glucose_prediction.pptx
@@ -5,7 +5,7 @@
     <p:sldMasterId id="2147483673" r:id="rId1"/>
   </p:sldMasterIdLst>
   <p:notesMasterIdLst>
-    <p:notesMasterId r:id="rId18"/>
+    <p:notesMasterId r:id="rId23"/>
   </p:notesMasterIdLst>
   <p:sldIdLst>
     <p:sldId id="256" r:id="rId2"/>
@@ -14,16 +14,21 @@
     <p:sldId id="267" r:id="rId5"/>
     <p:sldId id="258" r:id="rId6"/>
     <p:sldId id="259" r:id="rId7"/>
-    <p:sldId id="260" r:id="rId8"/>
-    <p:sldId id="261" r:id="rId9"/>
-    <p:sldId id="268" r:id="rId10"/>
-    <p:sldId id="269" r:id="rId11"/>
-    <p:sldId id="270" r:id="rId12"/>
-    <p:sldId id="271" r:id="rId13"/>
-    <p:sldId id="262" r:id="rId14"/>
-    <p:sldId id="263" r:id="rId15"/>
-    <p:sldId id="264" r:id="rId16"/>
-    <p:sldId id="265" r:id="rId17"/>
+    <p:sldId id="273" r:id="rId8"/>
+    <p:sldId id="272" r:id="rId9"/>
+    <p:sldId id="275" r:id="rId10"/>
+    <p:sldId id="274" r:id="rId11"/>
+    <p:sldId id="260" r:id="rId12"/>
+    <p:sldId id="261" r:id="rId13"/>
+    <p:sldId id="268" r:id="rId14"/>
+    <p:sldId id="269" r:id="rId15"/>
+    <p:sldId id="270" r:id="rId16"/>
+    <p:sldId id="271" r:id="rId17"/>
+    <p:sldId id="262" r:id="rId18"/>
+    <p:sldId id="263" r:id="rId19"/>
+    <p:sldId id="264" r:id="rId20"/>
+    <p:sldId id="276" r:id="rId21"/>
+    <p:sldId id="265" r:id="rId22"/>
   </p:sldIdLst>
   <p:sldSz cx="12192000" cy="6858000"/>
   <p:notesSz cx="6858000" cy="9144000"/>
@@ -713,6 +718,90 @@
             <a:fld id="{FCCEC9FA-1578-BB4B-801C-C20CE7632F3B}" type="slidenum">
               <a:rPr lang="en-US" smtClean="0"/>
               <a:t>8</a:t>
+            </a:fld>
+            <a:endParaRPr lang="en-US"/>
+          </a:p>
+        </p:txBody>
+      </p:sp>
+    </p:spTree>
+    <p:extLst>
+      <p:ext uri="{BB962C8B-B14F-4D97-AF65-F5344CB8AC3E}">
+        <p14:creationId xmlns:p14="http://schemas.microsoft.com/office/powerpoint/2010/main" val="852325850"/>
+      </p:ext>
+    </p:extLst>
+  </p:cSld>
+  <p:clrMapOvr>
+    <a:masterClrMapping/>
+  </p:clrMapOvr>
+</p:notes>
+</file>
+
+<file path=ppt/notesSlides/notesSlide4.xml><?xml version="1.0" encoding="utf-8"?>
+<p:notes xmlns:a="http://schemas.openxmlformats.org/drawingml/2006/main" xmlns:r="http://schemas.openxmlformats.org/officeDocument/2006/relationships" xmlns:p="http://schemas.openxmlformats.org/presentationml/2006/main">
+  <p:cSld>
+    <p:spTree>
+      <p:nvGrpSpPr>
+        <p:cNvPr id="1" name=""/>
+        <p:cNvGrpSpPr/>
+        <p:nvPr/>
+      </p:nvGrpSpPr>
+      <p:grpSpPr>
+        <a:xfrm>
+          <a:off x="0" y="0"/>
+          <a:ext cx="0" cy="0"/>
+          <a:chOff x="0" y="0"/>
+          <a:chExt cx="0" cy="0"/>
+        </a:xfrm>
+      </p:grpSpPr>
+      <p:sp>
+        <p:nvSpPr>
+          <p:cNvPr id="2" name="Slide Image Placeholder 1"/>
+          <p:cNvSpPr>
+            <a:spLocks noGrp="1" noRot="1" noChangeAspect="1"/>
+          </p:cNvSpPr>
+          <p:nvPr>
+            <p:ph type="sldImg"/>
+          </p:nvPr>
+        </p:nvSpPr>
+        <p:spPr/>
+      </p:sp>
+      <p:sp>
+        <p:nvSpPr>
+          <p:cNvPr id="3" name="Notes Placeholder 2"/>
+          <p:cNvSpPr>
+            <a:spLocks noGrp="1"/>
+          </p:cNvSpPr>
+          <p:nvPr>
+            <p:ph type="body" idx="1"/>
+          </p:nvPr>
+        </p:nvSpPr>
+        <p:spPr/>
+        <p:txBody>
+          <a:bodyPr/>
+          <a:lstStyle/>
+          <a:p>
+            <a:endParaRPr lang="en-US" dirty="0"/>
+          </a:p>
+        </p:txBody>
+      </p:sp>
+      <p:sp>
+        <p:nvSpPr>
+          <p:cNvPr id="4" name="Slide Number Placeholder 3"/>
+          <p:cNvSpPr>
+            <a:spLocks noGrp="1"/>
+          </p:cNvSpPr>
+          <p:nvPr>
+            <p:ph type="sldNum" sz="quarter" idx="5"/>
+          </p:nvPr>
+        </p:nvSpPr>
+        <p:spPr/>
+        <p:txBody>
+          <a:bodyPr/>
+          <a:lstStyle/>
+          <a:p>
+            <a:fld id="{FCCEC9FA-1578-BB4B-801C-C20CE7632F3B}" type="slidenum">
+              <a:rPr lang="en-US" smtClean="0"/>
+              <a:t>12</a:t>
             </a:fld>
             <a:endParaRPr lang="en-US"/>
           </a:p>
@@ -4937,7 +5026,7 @@
           <p:cNvPr id="2" name="Title 1">
             <a:extLst>
               <a:ext uri="{FF2B5EF4-FFF2-40B4-BE49-F238E27FC236}">
-                <a16:creationId xmlns:a16="http://schemas.microsoft.com/office/drawing/2014/main" id="{46AF2F55-E1AF-C974-8BFC-A5D681FAA101}"/>
+                <a16:creationId xmlns:a16="http://schemas.microsoft.com/office/drawing/2014/main" id="{754F9A16-D70B-9FBB-E131-1D4B270E6AF1}"/>
               </a:ext>
             </a:extLst>
           </p:cNvPr>
@@ -4955,7 +5044,7 @@
           <a:p>
             <a:r>
               <a:rPr lang="en-US" dirty="0"/>
-              <a:t>Regression Trees</a:t>
+              <a:t>Train-Test-split / Benchmark</a:t>
             </a:r>
           </a:p>
         </p:txBody>
@@ -4965,7 +5054,7 @@
           <p:cNvPr id="3" name="Content Placeholder 2">
             <a:extLst>
               <a:ext uri="{FF2B5EF4-FFF2-40B4-BE49-F238E27FC236}">
-                <a16:creationId xmlns:a16="http://schemas.microsoft.com/office/drawing/2014/main" id="{30DCC5A0-0C16-47E8-DE5D-62D4762E7764}"/>
+                <a16:creationId xmlns:a16="http://schemas.microsoft.com/office/drawing/2014/main" id="{76EE8D33-6616-2D02-0D43-DE8F5273F6C0}"/>
               </a:ext>
             </a:extLst>
           </p:cNvPr>
@@ -4976,33 +5065,558 @@
             <p:ph idx="1"/>
           </p:nvPr>
         </p:nvSpPr>
-        <p:spPr/>
-        <p:txBody>
-          <a:bodyPr/>
-          <a:lstStyle/>
-          <a:p>
+        <p:spPr>
+          <a:xfrm>
+            <a:off x="1371600" y="1791370"/>
+            <a:ext cx="8236857" cy="4280246"/>
+          </a:xfrm>
+        </p:spPr>
+        <p:txBody>
+          <a:bodyPr/>
+          <a:lstStyle/>
+          <a:p>
+            <a:r>
+              <a:rPr lang="en-US" dirty="0" err="1"/>
+              <a:t>Szenario</a:t>
+            </a:r>
             <a:r>
               <a:rPr lang="en-US" dirty="0"/>
-              <a:t>Bagging: Random Forest</a:t>
-            </a:r>
-          </a:p>
-          <a:p>
+              <a:t> 1: Train P27 </a:t>
+            </a:r>
+            <a:r>
+              <a:rPr lang="en-US" dirty="0">
+                <a:sym typeface="Wingdings" pitchFamily="2" charset="2"/>
+              </a:rPr>
+              <a:t></a:t>
+            </a:r>
             <a:r>
               <a:rPr lang="en-US" dirty="0"/>
-              <a:t>Boosting: </a:t>
-            </a:r>
+              <a:t> Test P27</a:t>
+            </a:r>
+          </a:p>
+          <a:p>
             <a:r>
               <a:rPr lang="en-US" dirty="0" err="1"/>
-              <a:t>LightGBM</a:t>
-            </a:r>
-            <a:endParaRPr lang="en-US" dirty="0"/>
+              <a:t>Szenario</a:t>
+            </a:r>
+            <a:r>
+              <a:rPr lang="en-US" dirty="0"/>
+              <a:t> 2: Train P27 </a:t>
+            </a:r>
+            <a:r>
+              <a:rPr lang="en-US" dirty="0">
+                <a:sym typeface="Wingdings" pitchFamily="2" charset="2"/>
+              </a:rPr>
+              <a:t> Test </a:t>
+            </a:r>
+            <a:r>
+              <a:rPr lang="en-US" dirty="0"/>
+              <a:t>P1-P06</a:t>
+            </a:r>
+            <a:endParaRPr lang="en-US" dirty="0">
+              <a:sym typeface="Wingdings" pitchFamily="2" charset="2"/>
+            </a:endParaRPr>
+          </a:p>
+          <a:p>
+            <a:r>
+              <a:rPr lang="en-US" dirty="0" err="1">
+                <a:sym typeface="Wingdings" pitchFamily="2" charset="2"/>
+              </a:rPr>
+              <a:t>Szenario</a:t>
+            </a:r>
+            <a:r>
+              <a:rPr lang="en-US" dirty="0">
+                <a:sym typeface="Wingdings" pitchFamily="2" charset="2"/>
+              </a:rPr>
+              <a:t> 3: Train P07-P27  Test</a:t>
+            </a:r>
+            <a:r>
+              <a:rPr lang="en-US" dirty="0"/>
+              <a:t> P1-P06 / P27</a:t>
+            </a:r>
+          </a:p>
+          <a:p>
+            <a:r>
+              <a:rPr lang="en-US" strike="sngStrike" dirty="0" err="1"/>
+              <a:t>Szenario</a:t>
+            </a:r>
+            <a:r>
+              <a:rPr lang="en-US" strike="sngStrike" dirty="0"/>
+              <a:t> 4: Train all </a:t>
+            </a:r>
+            <a:r>
+              <a:rPr lang="en-US" strike="sngStrike" dirty="0">
+                <a:sym typeface="Wingdings" pitchFamily="2" charset="2"/>
+              </a:rPr>
+              <a:t> Test all</a:t>
+            </a:r>
+          </a:p>
+          <a:p>
+            <a:r>
+              <a:rPr lang="en-US" strike="sngStrike" dirty="0" err="1">
+                <a:sym typeface="Wingdings" pitchFamily="2" charset="2"/>
+              </a:rPr>
+              <a:t>Szenario</a:t>
+            </a:r>
+            <a:r>
+              <a:rPr lang="en-US" strike="sngStrike" dirty="0">
+                <a:sym typeface="Wingdings" pitchFamily="2" charset="2"/>
+              </a:rPr>
+              <a:t> 5: Balanced all</a:t>
+            </a:r>
+            <a:endParaRPr lang="en-US" strike="sngStrike" dirty="0"/>
+          </a:p>
+        </p:txBody>
+      </p:sp>
+      <p:pic>
+        <p:nvPicPr>
+          <p:cNvPr id="4" name="Picture 3">
+            <a:extLst>
+              <a:ext uri="{FF2B5EF4-FFF2-40B4-BE49-F238E27FC236}">
+                <a16:creationId xmlns:a16="http://schemas.microsoft.com/office/drawing/2014/main" id="{6A564682-655D-4009-1652-9411414BADCA}"/>
+              </a:ext>
+            </a:extLst>
+          </p:cNvPr>
+          <p:cNvPicPr>
+            <a:picLocks noChangeAspect="1"/>
+          </p:cNvPicPr>
+          <p:nvPr/>
+        </p:nvPicPr>
+        <p:blipFill>
+          <a:blip r:embed="rId2"/>
+          <a:stretch>
+            <a:fillRect/>
+          </a:stretch>
+        </p:blipFill>
+        <p:spPr>
+          <a:xfrm>
+            <a:off x="9742605" y="697557"/>
+            <a:ext cx="1404365" cy="5041900"/>
+          </a:xfrm>
+          <a:prstGeom prst="rect">
+            <a:avLst/>
+          </a:prstGeom>
+        </p:spPr>
+      </p:pic>
+      <p:sp>
+        <p:nvSpPr>
+          <p:cNvPr id="5" name="Rectangle 4">
+            <a:extLst>
+              <a:ext uri="{FF2B5EF4-FFF2-40B4-BE49-F238E27FC236}">
+                <a16:creationId xmlns:a16="http://schemas.microsoft.com/office/drawing/2014/main" id="{DA4CC1E4-0295-6C8D-BC97-EF2DD491D14E}"/>
+              </a:ext>
+            </a:extLst>
+          </p:cNvPr>
+          <p:cNvSpPr/>
+          <p:nvPr/>
+        </p:nvSpPr>
+        <p:spPr>
+          <a:xfrm>
+            <a:off x="2162629" y="4194629"/>
+            <a:ext cx="3672114" cy="323164"/>
+          </a:xfrm>
+          <a:prstGeom prst="rect">
+            <a:avLst/>
+          </a:prstGeom>
+        </p:spPr>
+        <p:style>
+          <a:lnRef idx="2">
+            <a:schemeClr val="accent1">
+              <a:shade val="15000"/>
+            </a:schemeClr>
+          </a:lnRef>
+          <a:fillRef idx="1">
+            <a:schemeClr val="accent1"/>
+          </a:fillRef>
+          <a:effectRef idx="0">
+            <a:schemeClr val="accent1"/>
+          </a:effectRef>
+          <a:fontRef idx="minor">
+            <a:schemeClr val="lt1"/>
+          </a:fontRef>
+        </p:style>
+        <p:txBody>
+          <a:bodyPr rtlCol="0" anchor="ctr"/>
+          <a:lstStyle/>
+          <a:p>
+            <a:pPr algn="ctr"/>
+            <a:endParaRPr lang="en-US"/>
+          </a:p>
+        </p:txBody>
+      </p:sp>
+      <p:sp>
+        <p:nvSpPr>
+          <p:cNvPr id="6" name="Rectangle 5">
+            <a:extLst>
+              <a:ext uri="{FF2B5EF4-FFF2-40B4-BE49-F238E27FC236}">
+                <a16:creationId xmlns:a16="http://schemas.microsoft.com/office/drawing/2014/main" id="{D1ECA93B-79E6-821A-7956-FA366684AD8C}"/>
+              </a:ext>
+            </a:extLst>
+          </p:cNvPr>
+          <p:cNvSpPr/>
+          <p:nvPr/>
+        </p:nvSpPr>
+        <p:spPr>
+          <a:xfrm>
+            <a:off x="2917371" y="4610613"/>
+            <a:ext cx="134148" cy="323164"/>
+          </a:xfrm>
+          <a:prstGeom prst="rect">
+            <a:avLst/>
+          </a:prstGeom>
+          <a:solidFill>
+            <a:schemeClr val="accent2"/>
+          </a:solidFill>
+        </p:spPr>
+        <p:style>
+          <a:lnRef idx="2">
+            <a:schemeClr val="accent1">
+              <a:shade val="15000"/>
+            </a:schemeClr>
+          </a:lnRef>
+          <a:fillRef idx="1">
+            <a:schemeClr val="accent1"/>
+          </a:fillRef>
+          <a:effectRef idx="0">
+            <a:schemeClr val="accent1"/>
+          </a:effectRef>
+          <a:fontRef idx="minor">
+            <a:schemeClr val="lt1"/>
+          </a:fontRef>
+        </p:style>
+        <p:txBody>
+          <a:bodyPr rtlCol="0" anchor="ctr"/>
+          <a:lstStyle/>
+          <a:p>
+            <a:pPr algn="ctr"/>
+            <a:endParaRPr lang="en-US"/>
+          </a:p>
+        </p:txBody>
+      </p:sp>
+      <p:sp>
+        <p:nvSpPr>
+          <p:cNvPr id="7" name="Rectangle 6">
+            <a:extLst>
+              <a:ext uri="{FF2B5EF4-FFF2-40B4-BE49-F238E27FC236}">
+                <a16:creationId xmlns:a16="http://schemas.microsoft.com/office/drawing/2014/main" id="{4C45E350-BC43-27C6-BB8A-5E2D1BD86E2F}"/>
+              </a:ext>
+            </a:extLst>
+          </p:cNvPr>
+          <p:cNvSpPr/>
+          <p:nvPr/>
+        </p:nvSpPr>
+        <p:spPr>
+          <a:xfrm>
+            <a:off x="2162629" y="4610613"/>
+            <a:ext cx="754742" cy="323164"/>
+          </a:xfrm>
+          <a:prstGeom prst="rect">
+            <a:avLst/>
+          </a:prstGeom>
+        </p:spPr>
+        <p:style>
+          <a:lnRef idx="2">
+            <a:schemeClr val="accent1">
+              <a:shade val="15000"/>
+            </a:schemeClr>
+          </a:lnRef>
+          <a:fillRef idx="1">
+            <a:schemeClr val="accent1"/>
+          </a:fillRef>
+          <a:effectRef idx="0">
+            <a:schemeClr val="accent1"/>
+          </a:effectRef>
+          <a:fontRef idx="minor">
+            <a:schemeClr val="lt1"/>
+          </a:fontRef>
+        </p:style>
+        <p:txBody>
+          <a:bodyPr rtlCol="0" anchor="ctr"/>
+          <a:lstStyle/>
+          <a:p>
+            <a:pPr algn="ctr"/>
+            <a:endParaRPr lang="en-US"/>
+          </a:p>
+        </p:txBody>
+      </p:sp>
+      <p:sp>
+        <p:nvSpPr>
+          <p:cNvPr id="8" name="Rectangle 7">
+            <a:extLst>
+              <a:ext uri="{FF2B5EF4-FFF2-40B4-BE49-F238E27FC236}">
+                <a16:creationId xmlns:a16="http://schemas.microsoft.com/office/drawing/2014/main" id="{736FF877-5464-D274-B9C9-D4EDC8073AB7}"/>
+              </a:ext>
+            </a:extLst>
+          </p:cNvPr>
+          <p:cNvSpPr/>
+          <p:nvPr/>
+        </p:nvSpPr>
+        <p:spPr>
+          <a:xfrm>
+            <a:off x="3280228" y="5050826"/>
+            <a:ext cx="134149" cy="323164"/>
+          </a:xfrm>
+          <a:prstGeom prst="rect">
+            <a:avLst/>
+          </a:prstGeom>
+          <a:solidFill>
+            <a:schemeClr val="accent2"/>
+          </a:solidFill>
+        </p:spPr>
+        <p:style>
+          <a:lnRef idx="2">
+            <a:schemeClr val="accent1">
+              <a:shade val="15000"/>
+            </a:schemeClr>
+          </a:lnRef>
+          <a:fillRef idx="1">
+            <a:schemeClr val="accent1"/>
+          </a:fillRef>
+          <a:effectRef idx="0">
+            <a:schemeClr val="accent1"/>
+          </a:effectRef>
+          <a:fontRef idx="minor">
+            <a:schemeClr val="lt1"/>
+          </a:fontRef>
+        </p:style>
+        <p:txBody>
+          <a:bodyPr rtlCol="0" anchor="ctr"/>
+          <a:lstStyle/>
+          <a:p>
+            <a:pPr algn="ctr"/>
+            <a:endParaRPr lang="en-US"/>
+          </a:p>
+        </p:txBody>
+      </p:sp>
+      <p:sp>
+        <p:nvSpPr>
+          <p:cNvPr id="9" name="Rectangle 8">
+            <a:extLst>
+              <a:ext uri="{FF2B5EF4-FFF2-40B4-BE49-F238E27FC236}">
+                <a16:creationId xmlns:a16="http://schemas.microsoft.com/office/drawing/2014/main" id="{A6D79D3A-9A10-3EA4-7262-7F46B1C10921}"/>
+              </a:ext>
+            </a:extLst>
+          </p:cNvPr>
+          <p:cNvSpPr/>
+          <p:nvPr/>
+        </p:nvSpPr>
+        <p:spPr>
+          <a:xfrm>
+            <a:off x="2155373" y="5050826"/>
+            <a:ext cx="1124855" cy="323164"/>
+          </a:xfrm>
+          <a:prstGeom prst="rect">
+            <a:avLst/>
+          </a:prstGeom>
+        </p:spPr>
+        <p:style>
+          <a:lnRef idx="2">
+            <a:schemeClr val="accent1">
+              <a:shade val="15000"/>
+            </a:schemeClr>
+          </a:lnRef>
+          <a:fillRef idx="1">
+            <a:schemeClr val="accent1"/>
+          </a:fillRef>
+          <a:effectRef idx="0">
+            <a:schemeClr val="accent1"/>
+          </a:effectRef>
+          <a:fontRef idx="minor">
+            <a:schemeClr val="lt1"/>
+          </a:fontRef>
+        </p:style>
+        <p:txBody>
+          <a:bodyPr rtlCol="0" anchor="ctr"/>
+          <a:lstStyle/>
+          <a:p>
+            <a:pPr algn="ctr"/>
+            <a:endParaRPr lang="en-US"/>
+          </a:p>
+        </p:txBody>
+      </p:sp>
+      <p:sp>
+        <p:nvSpPr>
+          <p:cNvPr id="10" name="TextBox 9">
+            <a:extLst>
+              <a:ext uri="{FF2B5EF4-FFF2-40B4-BE49-F238E27FC236}">
+                <a16:creationId xmlns:a16="http://schemas.microsoft.com/office/drawing/2014/main" id="{A6EA267B-9467-3CD5-47A8-4E3187FD0385}"/>
+              </a:ext>
+            </a:extLst>
+          </p:cNvPr>
+          <p:cNvSpPr txBox="1"/>
+          <p:nvPr/>
+        </p:nvSpPr>
+        <p:spPr>
+          <a:xfrm>
+            <a:off x="4176374" y="4844708"/>
+            <a:ext cx="1204686" cy="646331"/>
+          </a:xfrm>
+          <a:prstGeom prst="rect">
+            <a:avLst/>
+          </a:prstGeom>
+          <a:noFill/>
+        </p:spPr>
+        <p:txBody>
+          <a:bodyPr wrap="square" rtlCol="0">
+            <a:spAutoFit/>
+          </a:bodyPr>
+          <a:lstStyle/>
+          <a:p>
+            <a:r>
+              <a:rPr lang="en-US" dirty="0"/>
+              <a:t>Rolling window</a:t>
+            </a:r>
+          </a:p>
+        </p:txBody>
+      </p:sp>
+      <p:sp>
+        <p:nvSpPr>
+          <p:cNvPr id="11" name="Rectangle 10">
+            <a:extLst>
+              <a:ext uri="{FF2B5EF4-FFF2-40B4-BE49-F238E27FC236}">
+                <a16:creationId xmlns:a16="http://schemas.microsoft.com/office/drawing/2014/main" id="{E46D5EEB-4A7C-78DD-A06A-5CA112391CEE}"/>
+              </a:ext>
+            </a:extLst>
+          </p:cNvPr>
+          <p:cNvSpPr/>
+          <p:nvPr/>
+        </p:nvSpPr>
+        <p:spPr>
+          <a:xfrm>
+            <a:off x="5830188" y="4194629"/>
+            <a:ext cx="795583" cy="323164"/>
+          </a:xfrm>
+          <a:prstGeom prst="rect">
+            <a:avLst/>
+          </a:prstGeom>
+          <a:solidFill>
+            <a:schemeClr val="accent2"/>
+          </a:solidFill>
+        </p:spPr>
+        <p:style>
+          <a:lnRef idx="2">
+            <a:schemeClr val="accent1">
+              <a:shade val="15000"/>
+            </a:schemeClr>
+          </a:lnRef>
+          <a:fillRef idx="1">
+            <a:schemeClr val="accent1"/>
+          </a:fillRef>
+          <a:effectRef idx="0">
+            <a:schemeClr val="accent1"/>
+          </a:effectRef>
+          <a:fontRef idx="minor">
+            <a:schemeClr val="lt1"/>
+          </a:fontRef>
+        </p:style>
+        <p:txBody>
+          <a:bodyPr rtlCol="0" anchor="ctr"/>
+          <a:lstStyle/>
+          <a:p>
+            <a:pPr algn="ctr"/>
+            <a:endParaRPr lang="en-US"/>
+          </a:p>
+        </p:txBody>
+      </p:sp>
+      <p:sp>
+        <p:nvSpPr>
+          <p:cNvPr id="12" name="Rectangle 11">
+            <a:extLst>
+              <a:ext uri="{FF2B5EF4-FFF2-40B4-BE49-F238E27FC236}">
+                <a16:creationId xmlns:a16="http://schemas.microsoft.com/office/drawing/2014/main" id="{06DF7532-EEC2-11DF-224C-E06DAD6D6D0F}"/>
+              </a:ext>
+            </a:extLst>
+          </p:cNvPr>
+          <p:cNvSpPr/>
+          <p:nvPr/>
+        </p:nvSpPr>
+        <p:spPr>
+          <a:xfrm>
+            <a:off x="2162629" y="5491039"/>
+            <a:ext cx="1553028" cy="323164"/>
+          </a:xfrm>
+          <a:prstGeom prst="rect">
+            <a:avLst/>
+          </a:prstGeom>
+        </p:spPr>
+        <p:style>
+          <a:lnRef idx="2">
+            <a:schemeClr val="accent1">
+              <a:shade val="15000"/>
+            </a:schemeClr>
+          </a:lnRef>
+          <a:fillRef idx="1">
+            <a:schemeClr val="accent1"/>
+          </a:fillRef>
+          <a:effectRef idx="0">
+            <a:schemeClr val="accent1"/>
+          </a:effectRef>
+          <a:fontRef idx="minor">
+            <a:schemeClr val="lt1"/>
+          </a:fontRef>
+        </p:style>
+        <p:txBody>
+          <a:bodyPr rtlCol="0" anchor="ctr"/>
+          <a:lstStyle/>
+          <a:p>
+            <a:pPr algn="ctr"/>
+            <a:endParaRPr lang="en-US"/>
+          </a:p>
+        </p:txBody>
+      </p:sp>
+      <p:sp>
+        <p:nvSpPr>
+          <p:cNvPr id="13" name="Rectangle 12">
+            <a:extLst>
+              <a:ext uri="{FF2B5EF4-FFF2-40B4-BE49-F238E27FC236}">
+                <a16:creationId xmlns:a16="http://schemas.microsoft.com/office/drawing/2014/main" id="{E651DC3E-4F8D-1112-D421-A23FBCFB9511}"/>
+              </a:ext>
+            </a:extLst>
+          </p:cNvPr>
+          <p:cNvSpPr/>
+          <p:nvPr/>
+        </p:nvSpPr>
+        <p:spPr>
+          <a:xfrm>
+            <a:off x="3721723" y="5494743"/>
+            <a:ext cx="134149" cy="323164"/>
+          </a:xfrm>
+          <a:prstGeom prst="rect">
+            <a:avLst/>
+          </a:prstGeom>
+          <a:solidFill>
+            <a:schemeClr val="accent2"/>
+          </a:solidFill>
+        </p:spPr>
+        <p:style>
+          <a:lnRef idx="2">
+            <a:schemeClr val="accent1">
+              <a:shade val="15000"/>
+            </a:schemeClr>
+          </a:lnRef>
+          <a:fillRef idx="1">
+            <a:schemeClr val="accent1"/>
+          </a:fillRef>
+          <a:effectRef idx="0">
+            <a:schemeClr val="accent1"/>
+          </a:effectRef>
+          <a:fontRef idx="minor">
+            <a:schemeClr val="lt1"/>
+          </a:fontRef>
+        </p:style>
+        <p:txBody>
+          <a:bodyPr rtlCol="0" anchor="ctr"/>
+          <a:lstStyle/>
+          <a:p>
+            <a:pPr algn="ctr"/>
+            <a:endParaRPr lang="en-US"/>
           </a:p>
         </p:txBody>
       </p:sp>
     </p:spTree>
     <p:extLst>
       <p:ext uri="{BB962C8B-B14F-4D97-AF65-F5344CB8AC3E}">
-        <p14:creationId xmlns:p14="http://schemas.microsoft.com/office/powerpoint/2010/main" val="102788189"/>
+        <p14:creationId xmlns:p14="http://schemas.microsoft.com/office/powerpoint/2010/main" val="2078886691"/>
       </p:ext>
     </p:extLst>
   </p:cSld>
@@ -5034,7 +5648,7 @@
           <p:cNvPr id="2" name="Title 1">
             <a:extLst>
               <a:ext uri="{FF2B5EF4-FFF2-40B4-BE49-F238E27FC236}">
-                <a16:creationId xmlns:a16="http://schemas.microsoft.com/office/drawing/2014/main" id="{AA007FCC-F28F-0A97-BB65-17A7770D1EDE}"/>
+                <a16:creationId xmlns:a16="http://schemas.microsoft.com/office/drawing/2014/main" id="{0BCBA9E6-8710-9158-FFBD-016EF748715C}"/>
               </a:ext>
             </a:extLst>
           </p:cNvPr>
@@ -5052,7 +5666,7 @@
           <a:p>
             <a:r>
               <a:rPr lang="en-US" dirty="0"/>
-              <a:t>Modern Deep Learning Architectures</a:t>
+              <a:t>Baseline Model: Arima(x)</a:t>
             </a:r>
           </a:p>
         </p:txBody>
@@ -5062,7 +5676,7 @@
           <p:cNvPr id="3" name="Content Placeholder 2">
             <a:extLst>
               <a:ext uri="{FF2B5EF4-FFF2-40B4-BE49-F238E27FC236}">
-                <a16:creationId xmlns:a16="http://schemas.microsoft.com/office/drawing/2014/main" id="{844C6CC3-D6F7-E69E-4503-1CF1D3F24F53}"/>
+                <a16:creationId xmlns:a16="http://schemas.microsoft.com/office/drawing/2014/main" id="{4360F390-C9FA-1609-FFB6-3AB7AD90A37C}"/>
               </a:ext>
             </a:extLst>
           </p:cNvPr>
@@ -5080,15 +5694,62 @@
           <a:p>
             <a:r>
               <a:rPr lang="en-US" dirty="0"/>
-              <a:t>N-Beats / N-Hits</a:t>
-            </a:r>
-          </a:p>
-        </p:txBody>
-      </p:sp>
+              <a:t>Quickly recap your baseline model, its performance, and why it was chosen.</a:t>
+            </a:r>
+          </a:p>
+        </p:txBody>
+      </p:sp>
+      <p:pic>
+        <p:nvPicPr>
+          <p:cNvPr id="7170" name="Picture 2">
+            <a:extLst>
+              <a:ext uri="{FF2B5EF4-FFF2-40B4-BE49-F238E27FC236}">
+                <a16:creationId xmlns:a16="http://schemas.microsoft.com/office/drawing/2014/main" id="{9860E72E-95B9-663C-88D6-7B9AE9E0459B}"/>
+              </a:ext>
+            </a:extLst>
+          </p:cNvPr>
+          <p:cNvPicPr>
+            <a:picLocks noChangeAspect="1" noChangeArrowheads="1"/>
+          </p:cNvPicPr>
+          <p:nvPr/>
+        </p:nvPicPr>
+        <p:blipFill>
+          <a:blip r:embed="rId2">
+            <a:extLst>
+              <a:ext uri="{28A0092B-C50C-407E-A947-70E740481C1C}">
+                <a14:useLocalDpi xmlns:a14="http://schemas.microsoft.com/office/drawing/2010/main" val="0"/>
+              </a:ext>
+            </a:extLst>
+          </a:blip>
+          <a:srcRect/>
+          <a:stretch>
+            <a:fillRect/>
+          </a:stretch>
+        </p:blipFill>
+        <p:spPr bwMode="auto">
+          <a:xfrm>
+            <a:off x="1625599" y="2365007"/>
+            <a:ext cx="7953829" cy="3706609"/>
+          </a:xfrm>
+          <a:prstGeom prst="rect">
+            <a:avLst/>
+          </a:prstGeom>
+          <a:noFill/>
+          <a:extLst>
+            <a:ext uri="{909E8E84-426E-40DD-AFC4-6F175D3DCCD1}">
+              <a14:hiddenFill xmlns:a14="http://schemas.microsoft.com/office/drawing/2010/main">
+                <a:solidFill>
+                  <a:srgbClr val="FFFFFF"/>
+                </a:solidFill>
+              </a14:hiddenFill>
+            </a:ext>
+          </a:extLst>
+        </p:spPr>
+      </p:pic>
     </p:spTree>
     <p:extLst>
       <p:ext uri="{BB962C8B-B14F-4D97-AF65-F5344CB8AC3E}">
-        <p14:creationId xmlns:p14="http://schemas.microsoft.com/office/powerpoint/2010/main" val="530752981"/>
+        <p14:creationId xmlns:p14="http://schemas.microsoft.com/office/powerpoint/2010/main" val="1442847053"/>
       </p:ext>
     </p:extLst>
   </p:cSld>
@@ -5120,7 +5781,7 @@
           <p:cNvPr id="2" name="Title 1">
             <a:extLst>
               <a:ext uri="{FF2B5EF4-FFF2-40B4-BE49-F238E27FC236}">
-                <a16:creationId xmlns:a16="http://schemas.microsoft.com/office/drawing/2014/main" id="{B4D73EE9-719A-803E-1101-FAAB7D842867}"/>
+                <a16:creationId xmlns:a16="http://schemas.microsoft.com/office/drawing/2014/main" id="{A0E233A6-4544-2017-9866-17DC38E844AB}"/>
               </a:ext>
             </a:extLst>
           </p:cNvPr>
@@ -5138,7 +5799,7 @@
           <a:p>
             <a:r>
               <a:rPr lang="en-US" dirty="0"/>
-              <a:t>Causal Inference</a:t>
+              <a:t>Model Definition and Evaluation</a:t>
             </a:r>
           </a:p>
         </p:txBody>
@@ -5148,7 +5809,7 @@
           <p:cNvPr id="3" name="Content Placeholder 2">
             <a:extLst>
               <a:ext uri="{FF2B5EF4-FFF2-40B4-BE49-F238E27FC236}">
-                <a16:creationId xmlns:a16="http://schemas.microsoft.com/office/drawing/2014/main" id="{E2055E85-0B1C-387E-F30D-1CBE8D4594AB}"/>
+                <a16:creationId xmlns:a16="http://schemas.microsoft.com/office/drawing/2014/main" id="{9DCFE856-917A-09CF-14F1-5B2C2CFCBE6B}"/>
               </a:ext>
             </a:extLst>
           </p:cNvPr>
@@ -5163,19 +5824,60 @@
         <p:txBody>
           <a:bodyPr/>
           <a:lstStyle/>
+          <a:p>
+            <a:r>
+              <a:rPr lang="en-US" dirty="0"/>
+              <a:t>Discuss the models you've implemented, the feature engineering steps you've taken, and how you evaluated their performance. Include a screenshot of the code you used to implement the model.</a:t>
+            </a:r>
+          </a:p>
+          <a:p>
+            <a:r>
+              <a:rPr lang="en-US" dirty="0"/>
+              <a:t>3-4 slides</a:t>
+            </a:r>
+          </a:p>
+          <a:p>
+            <a:r>
+              <a:rPr lang="en-US" dirty="0"/>
+              <a:t>RNNs: GRU/LSTM</a:t>
+            </a:r>
+          </a:p>
+          <a:p>
+            <a:r>
+              <a:rPr lang="en-US" dirty="0"/>
+              <a:t>Tree models: Random Forest &amp; Gradient boosting (</a:t>
+            </a:r>
+            <a:r>
+              <a:rPr lang="en-US" dirty="0" err="1"/>
+              <a:t>lightGBM</a:t>
+            </a:r>
+            <a:r>
+              <a:rPr lang="en-US" dirty="0"/>
+              <a:t>)</a:t>
+            </a:r>
+          </a:p>
           <a:p>
             <a:r>
               <a:rPr lang="en-US" dirty="0" err="1"/>
               <a:t>Tigramite</a:t>
             </a:r>
-            <a:endParaRPr lang="en-US" dirty="0"/>
+            <a:r>
+              <a:rPr lang="en-US" dirty="0"/>
+              <a:t>: Causal analysis</a:t>
+            </a:r>
+          </a:p>
+          <a:p>
+            <a:r>
+              <a:rPr lang="en-US" dirty="0"/>
+              <a:t>N-Beats / N-Hits</a:t>
+            </a:r>
           </a:p>
         </p:txBody>
       </p:sp>
     </p:spTree>
     <p:extLst>
       <p:ext uri="{BB962C8B-B14F-4D97-AF65-F5344CB8AC3E}">
-        <p14:creationId xmlns:p14="http://schemas.microsoft.com/office/powerpoint/2010/main" val="2685980722"/>
+        <p14:creationId xmlns:p14="http://schemas.microsoft.com/office/powerpoint/2010/main" val="1354609624"/>
       </p:ext>
     </p:extLst>
   </p:cSld>
@@ -5207,7 +5909,7 @@
           <p:cNvPr id="2" name="Title 1">
             <a:extLst>
               <a:ext uri="{FF2B5EF4-FFF2-40B4-BE49-F238E27FC236}">
-                <a16:creationId xmlns:a16="http://schemas.microsoft.com/office/drawing/2014/main" id="{22E51F3D-7E86-A131-0460-837CCFDCC344}"/>
+                <a16:creationId xmlns:a16="http://schemas.microsoft.com/office/drawing/2014/main" id="{5275BA05-6DC6-4514-549A-77F76278F7FC}"/>
               </a:ext>
             </a:extLst>
           </p:cNvPr>
@@ -5225,7 +5927,7 @@
           <a:p>
             <a:r>
               <a:rPr lang="en-US" dirty="0"/>
-              <a:t>Results</a:t>
+              <a:t>Recurrent Neural Networks</a:t>
             </a:r>
           </a:p>
         </p:txBody>
@@ -5235,7 +5937,7 @@
           <p:cNvPr id="3" name="Content Placeholder 2">
             <a:extLst>
               <a:ext uri="{FF2B5EF4-FFF2-40B4-BE49-F238E27FC236}">
-                <a16:creationId xmlns:a16="http://schemas.microsoft.com/office/drawing/2014/main" id="{CEE5D5EE-535B-F790-E83F-528DF721E57F}"/>
+                <a16:creationId xmlns:a16="http://schemas.microsoft.com/office/drawing/2014/main" id="{5ECD3F24-07AE-8EF9-749F-37436E0BF4C6}"/>
               </a:ext>
             </a:extLst>
           </p:cNvPr>
@@ -5253,13 +5955,13 @@
           <a:p>
             <a:r>
               <a:rPr lang="en-US" dirty="0"/>
-              <a:t>Present the results in a clear and easy-to-understand format. Use tables, charts, or any other visual aids that you find appropriate.</a:t>
+              <a:t>LSTM</a:t>
             </a:r>
           </a:p>
           <a:p>
             <a:r>
               <a:rPr lang="en-US" dirty="0"/>
-              <a:t>2-3 slides</a:t>
+              <a:t>GRU</a:t>
             </a:r>
           </a:p>
         </p:txBody>
@@ -5267,7 +5969,7 @@
     </p:spTree>
     <p:extLst>
       <p:ext uri="{BB962C8B-B14F-4D97-AF65-F5344CB8AC3E}">
-        <p14:creationId xmlns:p14="http://schemas.microsoft.com/office/powerpoint/2010/main" val="3454146029"/>
+        <p14:creationId xmlns:p14="http://schemas.microsoft.com/office/powerpoint/2010/main" val="3226728733"/>
       </p:ext>
     </p:extLst>
   </p:cSld>
@@ -5299,7 +6001,7 @@
           <p:cNvPr id="2" name="Title 1">
             <a:extLst>
               <a:ext uri="{FF2B5EF4-FFF2-40B4-BE49-F238E27FC236}">
-                <a16:creationId xmlns:a16="http://schemas.microsoft.com/office/drawing/2014/main" id="{0BBBAA32-884A-D594-809F-CE812417F52A}"/>
+                <a16:creationId xmlns:a16="http://schemas.microsoft.com/office/drawing/2014/main" id="{46AF2F55-E1AF-C974-8BFC-A5D681FAA101}"/>
               </a:ext>
             </a:extLst>
           </p:cNvPr>
@@ -5317,7 +6019,7 @@
           <a:p>
             <a:r>
               <a:rPr lang="en-US" dirty="0"/>
-              <a:t>Challenges and Errors</a:t>
+              <a:t>Regression Trees</a:t>
             </a:r>
           </a:p>
         </p:txBody>
@@ -5327,7 +6029,7 @@
           <p:cNvPr id="3" name="Content Placeholder 2">
             <a:extLst>
               <a:ext uri="{FF2B5EF4-FFF2-40B4-BE49-F238E27FC236}">
-                <a16:creationId xmlns:a16="http://schemas.microsoft.com/office/drawing/2014/main" id="{EB5228B9-51D1-6CA4-6DF8-C81CB4E1F3FE}"/>
+                <a16:creationId xmlns:a16="http://schemas.microsoft.com/office/drawing/2014/main" id="{30DCC5A0-0C16-47E8-DE5D-62D4762E7764}"/>
               </a:ext>
             </a:extLst>
           </p:cNvPr>
@@ -5345,21 +6047,26 @@
           <a:p>
             <a:r>
               <a:rPr lang="en-US" dirty="0"/>
-              <a:t>Discuss the most challenging issue or error you encountered during the data preparation or modeling phase, and how you overcame it.</a:t>
+              <a:t>Bagging: Random Forest</a:t>
             </a:r>
           </a:p>
           <a:p>
             <a:r>
               <a:rPr lang="en-US" dirty="0"/>
-              <a:t>Missing data: Preprocessed data linearly interpolated all missing dates</a:t>
-            </a:r>
+              <a:t>Boosting: </a:t>
+            </a:r>
+            <a:r>
+              <a:rPr lang="en-US" dirty="0" err="1"/>
+              <a:t>LightGBM</a:t>
+            </a:r>
+            <a:endParaRPr lang="en-US" dirty="0"/>
           </a:p>
         </p:txBody>
       </p:sp>
     </p:spTree>
     <p:extLst>
       <p:ext uri="{BB962C8B-B14F-4D97-AF65-F5344CB8AC3E}">
-        <p14:creationId xmlns:p14="http://schemas.microsoft.com/office/powerpoint/2010/main" val="241819360"/>
+        <p14:creationId xmlns:p14="http://schemas.microsoft.com/office/powerpoint/2010/main" val="102788189"/>
       </p:ext>
     </p:extLst>
   </p:cSld>
@@ -5391,7 +6098,7 @@
           <p:cNvPr id="2" name="Title 1">
             <a:extLst>
               <a:ext uri="{FF2B5EF4-FFF2-40B4-BE49-F238E27FC236}">
-                <a16:creationId xmlns:a16="http://schemas.microsoft.com/office/drawing/2014/main" id="{83CDDF9E-7041-D926-50DB-4C06D8A246C9}"/>
+                <a16:creationId xmlns:a16="http://schemas.microsoft.com/office/drawing/2014/main" id="{AA007FCC-F28F-0A97-BB65-17A7770D1EDE}"/>
               </a:ext>
             </a:extLst>
           </p:cNvPr>
@@ -5409,7 +6116,7 @@
           <a:p>
             <a:r>
               <a:rPr lang="en-US" dirty="0"/>
-              <a:t>Discussion</a:t>
+              <a:t>Modern Deep Learning Architectures</a:t>
             </a:r>
           </a:p>
         </p:txBody>
@@ -5419,7 +6126,7 @@
           <p:cNvPr id="3" name="Content Placeholder 2">
             <a:extLst>
               <a:ext uri="{FF2B5EF4-FFF2-40B4-BE49-F238E27FC236}">
-                <a16:creationId xmlns:a16="http://schemas.microsoft.com/office/drawing/2014/main" id="{A496CC16-5C9F-0936-7A07-24EFB83DFA37}"/>
+                <a16:creationId xmlns:a16="http://schemas.microsoft.com/office/drawing/2014/main" id="{844C6CC3-D6F7-E69E-4503-1CF1D3F24F53}"/>
               </a:ext>
             </a:extLst>
           </p:cNvPr>
@@ -5437,13 +6144,7 @@
           <a:p>
             <a:r>
               <a:rPr lang="en-US" dirty="0"/>
-              <a:t>Reflect on the performance of your models compared to the baseline, and discuss any limitations and future work.</a:t>
-            </a:r>
-          </a:p>
-          <a:p>
-            <a:r>
-              <a:rPr lang="en-US" dirty="0"/>
-              <a:t>1-2 slides</a:t>
+              <a:t>N-Beats / N-Hits</a:t>
             </a:r>
           </a:p>
         </p:txBody>
@@ -5451,7 +6152,7 @@
     </p:spTree>
     <p:extLst>
       <p:ext uri="{BB962C8B-B14F-4D97-AF65-F5344CB8AC3E}">
-        <p14:creationId xmlns:p14="http://schemas.microsoft.com/office/powerpoint/2010/main" val="2330129412"/>
+        <p14:creationId xmlns:p14="http://schemas.microsoft.com/office/powerpoint/2010/main" val="530752981"/>
       </p:ext>
     </p:extLst>
   </p:cSld>
@@ -5483,15 +6184,15 @@
           <p:cNvPr id="2" name="Title 1">
             <a:extLst>
               <a:ext uri="{FF2B5EF4-FFF2-40B4-BE49-F238E27FC236}">
-                <a16:creationId xmlns:a16="http://schemas.microsoft.com/office/drawing/2014/main" id="{6B387DF1-7EAE-4941-D7DF-31DCA43B810F}"/>
-              </a:ext>
-            </a:extLst>
-          </p:cNvPr>
-          <p:cNvSpPr>
-            <a:spLocks noGrp="1"/>
-          </p:cNvSpPr>
-          <p:nvPr>
-            <p:ph type="ctrTitle"/>
+                <a16:creationId xmlns:a16="http://schemas.microsoft.com/office/drawing/2014/main" id="{B4D73EE9-719A-803E-1101-FAAB7D842867}"/>
+              </a:ext>
+            </a:extLst>
+          </p:cNvPr>
+          <p:cNvSpPr>
+            <a:spLocks noGrp="1"/>
+          </p:cNvSpPr>
+          <p:nvPr>
+            <p:ph type="title"/>
           </p:nvPr>
         </p:nvSpPr>
         <p:spPr/>
@@ -5501,25 +6202,25 @@
           <a:p>
             <a:r>
               <a:rPr lang="en-US" dirty="0"/>
-              <a:t>Q&amp;A</a:t>
-            </a:r>
-          </a:p>
-        </p:txBody>
-      </p:sp>
-      <p:sp>
-        <p:nvSpPr>
-          <p:cNvPr id="3" name="Subtitle 2">
-            <a:extLst>
-              <a:ext uri="{FF2B5EF4-FFF2-40B4-BE49-F238E27FC236}">
-                <a16:creationId xmlns:a16="http://schemas.microsoft.com/office/drawing/2014/main" id="{3BA6621A-968A-C641-A6C5-4DBE13D81A20}"/>
-              </a:ext>
-            </a:extLst>
-          </p:cNvPr>
-          <p:cNvSpPr>
-            <a:spLocks noGrp="1"/>
-          </p:cNvSpPr>
-          <p:nvPr>
-            <p:ph type="subTitle" idx="1"/>
+              <a:t>Causal Inference</a:t>
+            </a:r>
+          </a:p>
+        </p:txBody>
+      </p:sp>
+      <p:sp>
+        <p:nvSpPr>
+          <p:cNvPr id="3" name="Content Placeholder 2">
+            <a:extLst>
+              <a:ext uri="{FF2B5EF4-FFF2-40B4-BE49-F238E27FC236}">
+                <a16:creationId xmlns:a16="http://schemas.microsoft.com/office/drawing/2014/main" id="{E2055E85-0B1C-387E-F30D-1CBE8D4594AB}"/>
+              </a:ext>
+            </a:extLst>
+          </p:cNvPr>
+          <p:cNvSpPr>
+            <a:spLocks noGrp="1"/>
+          </p:cNvSpPr>
+          <p:nvPr>
+            <p:ph idx="1"/>
           </p:nvPr>
         </p:nvSpPr>
         <p:spPr/>
@@ -5527,6 +6228,10 @@
           <a:bodyPr/>
           <a:lstStyle/>
           <a:p>
+            <a:r>
+              <a:rPr lang="en-US" dirty="0" err="1"/>
+              <a:t>Tigramite</a:t>
+            </a:r>
             <a:endParaRPr lang="en-US" dirty="0"/>
           </a:p>
         </p:txBody>
@@ -5534,7 +6239,348 @@
     </p:spTree>
     <p:extLst>
       <p:ext uri="{BB962C8B-B14F-4D97-AF65-F5344CB8AC3E}">
-        <p14:creationId xmlns:p14="http://schemas.microsoft.com/office/powerpoint/2010/main" val="3133962703"/>
+        <p14:creationId xmlns:p14="http://schemas.microsoft.com/office/powerpoint/2010/main" val="2685980722"/>
+      </p:ext>
+    </p:extLst>
+  </p:cSld>
+  <p:clrMapOvr>
+    <a:masterClrMapping/>
+  </p:clrMapOvr>
+</p:sld>
+</file>
+
+<file path=ppt/slides/slide17.xml><?xml version="1.0" encoding="utf-8"?>
+<p:sld xmlns:a="http://schemas.openxmlformats.org/drawingml/2006/main" xmlns:r="http://schemas.openxmlformats.org/officeDocument/2006/relationships" xmlns:p="http://schemas.openxmlformats.org/presentationml/2006/main">
+  <p:cSld>
+    <p:spTree>
+      <p:nvGrpSpPr>
+        <p:cNvPr id="1" name=""/>
+        <p:cNvGrpSpPr/>
+        <p:nvPr/>
+      </p:nvGrpSpPr>
+      <p:grpSpPr>
+        <a:xfrm>
+          <a:off x="0" y="0"/>
+          <a:ext cx="0" cy="0"/>
+          <a:chOff x="0" y="0"/>
+          <a:chExt cx="0" cy="0"/>
+        </a:xfrm>
+      </p:grpSpPr>
+      <p:sp>
+        <p:nvSpPr>
+          <p:cNvPr id="2" name="Title 1">
+            <a:extLst>
+              <a:ext uri="{FF2B5EF4-FFF2-40B4-BE49-F238E27FC236}">
+                <a16:creationId xmlns:a16="http://schemas.microsoft.com/office/drawing/2014/main" id="{22E51F3D-7E86-A131-0460-837CCFDCC344}"/>
+              </a:ext>
+            </a:extLst>
+          </p:cNvPr>
+          <p:cNvSpPr>
+            <a:spLocks noGrp="1"/>
+          </p:cNvSpPr>
+          <p:nvPr>
+            <p:ph type="title"/>
+          </p:nvPr>
+        </p:nvSpPr>
+        <p:spPr/>
+        <p:txBody>
+          <a:bodyPr/>
+          <a:lstStyle/>
+          <a:p>
+            <a:r>
+              <a:rPr lang="en-US" dirty="0"/>
+              <a:t>Results</a:t>
+            </a:r>
+          </a:p>
+        </p:txBody>
+      </p:sp>
+      <p:sp>
+        <p:nvSpPr>
+          <p:cNvPr id="3" name="Content Placeholder 2">
+            <a:extLst>
+              <a:ext uri="{FF2B5EF4-FFF2-40B4-BE49-F238E27FC236}">
+                <a16:creationId xmlns:a16="http://schemas.microsoft.com/office/drawing/2014/main" id="{CEE5D5EE-535B-F790-E83F-528DF721E57F}"/>
+              </a:ext>
+            </a:extLst>
+          </p:cNvPr>
+          <p:cNvSpPr>
+            <a:spLocks noGrp="1"/>
+          </p:cNvSpPr>
+          <p:nvPr>
+            <p:ph idx="1"/>
+          </p:nvPr>
+        </p:nvSpPr>
+        <p:spPr/>
+        <p:txBody>
+          <a:bodyPr/>
+          <a:lstStyle/>
+          <a:p>
+            <a:r>
+              <a:rPr lang="en-US" dirty="0"/>
+              <a:t>Present the results in a clear and easy-to-understand format. Use tables, charts, or any other visual aids that you find appropriate.</a:t>
+            </a:r>
+          </a:p>
+          <a:p>
+            <a:r>
+              <a:rPr lang="en-US" dirty="0"/>
+              <a:t>2-3 slides</a:t>
+            </a:r>
+          </a:p>
+          <a:p>
+            <a:pPr marL="0" indent="0">
+              <a:buNone/>
+            </a:pPr>
+            <a:endParaRPr lang="en-US" dirty="0"/>
+          </a:p>
+        </p:txBody>
+      </p:sp>
+      <p:pic>
+        <p:nvPicPr>
+          <p:cNvPr id="2050" name="Picture 2">
+            <a:extLst>
+              <a:ext uri="{FF2B5EF4-FFF2-40B4-BE49-F238E27FC236}">
+                <a16:creationId xmlns:a16="http://schemas.microsoft.com/office/drawing/2014/main" id="{D402A1DE-7B81-6CEA-E8F4-E5A1D69823C1}"/>
+              </a:ext>
+            </a:extLst>
+          </p:cNvPr>
+          <p:cNvPicPr>
+            <a:picLocks noChangeAspect="1" noChangeArrowheads="1"/>
+          </p:cNvPicPr>
+          <p:nvPr/>
+        </p:nvPicPr>
+        <p:blipFill>
+          <a:blip r:embed="rId2">
+            <a:extLst>
+              <a:ext uri="{28A0092B-C50C-407E-A947-70E740481C1C}">
+                <a14:useLocalDpi xmlns:a14="http://schemas.microsoft.com/office/drawing/2010/main" val="0"/>
+              </a:ext>
+            </a:extLst>
+          </a:blip>
+          <a:srcRect/>
+          <a:stretch>
+            <a:fillRect/>
+          </a:stretch>
+        </p:blipFill>
+        <p:spPr bwMode="auto">
+          <a:xfrm>
+            <a:off x="6545942" y="3652380"/>
+            <a:ext cx="4934857" cy="2449970"/>
+          </a:xfrm>
+          <a:prstGeom prst="rect">
+            <a:avLst/>
+          </a:prstGeom>
+          <a:noFill/>
+          <a:extLst>
+            <a:ext uri="{909E8E84-426E-40DD-AFC4-6F175D3DCCD1}">
+              <a14:hiddenFill xmlns:a14="http://schemas.microsoft.com/office/drawing/2010/main">
+                <a:solidFill>
+                  <a:srgbClr val="FFFFFF"/>
+                </a:solidFill>
+              </a14:hiddenFill>
+            </a:ext>
+          </a:extLst>
+        </p:spPr>
+      </p:pic>
+    </p:spTree>
+    <p:extLst>
+      <p:ext uri="{BB962C8B-B14F-4D97-AF65-F5344CB8AC3E}">
+        <p14:creationId xmlns:p14="http://schemas.microsoft.com/office/powerpoint/2010/main" val="3454146029"/>
+      </p:ext>
+    </p:extLst>
+  </p:cSld>
+  <p:clrMapOvr>
+    <a:masterClrMapping/>
+  </p:clrMapOvr>
+</p:sld>
+</file>
+
+<file path=ppt/slides/slide18.xml><?xml version="1.0" encoding="utf-8"?>
+<p:sld xmlns:a="http://schemas.openxmlformats.org/drawingml/2006/main" xmlns:r="http://schemas.openxmlformats.org/officeDocument/2006/relationships" xmlns:p="http://schemas.openxmlformats.org/presentationml/2006/main">
+  <p:cSld>
+    <p:spTree>
+      <p:nvGrpSpPr>
+        <p:cNvPr id="1" name=""/>
+        <p:cNvGrpSpPr/>
+        <p:nvPr/>
+      </p:nvGrpSpPr>
+      <p:grpSpPr>
+        <a:xfrm>
+          <a:off x="0" y="0"/>
+          <a:ext cx="0" cy="0"/>
+          <a:chOff x="0" y="0"/>
+          <a:chExt cx="0" cy="0"/>
+        </a:xfrm>
+      </p:grpSpPr>
+      <p:sp>
+        <p:nvSpPr>
+          <p:cNvPr id="2" name="Title 1">
+            <a:extLst>
+              <a:ext uri="{FF2B5EF4-FFF2-40B4-BE49-F238E27FC236}">
+                <a16:creationId xmlns:a16="http://schemas.microsoft.com/office/drawing/2014/main" id="{0BBBAA32-884A-D594-809F-CE812417F52A}"/>
+              </a:ext>
+            </a:extLst>
+          </p:cNvPr>
+          <p:cNvSpPr>
+            <a:spLocks noGrp="1"/>
+          </p:cNvSpPr>
+          <p:nvPr>
+            <p:ph type="title"/>
+          </p:nvPr>
+        </p:nvSpPr>
+        <p:spPr/>
+        <p:txBody>
+          <a:bodyPr/>
+          <a:lstStyle/>
+          <a:p>
+            <a:r>
+              <a:rPr lang="en-US" dirty="0"/>
+              <a:t>Challenges and Errors</a:t>
+            </a:r>
+          </a:p>
+        </p:txBody>
+      </p:sp>
+      <p:sp>
+        <p:nvSpPr>
+          <p:cNvPr id="3" name="Content Placeholder 2">
+            <a:extLst>
+              <a:ext uri="{FF2B5EF4-FFF2-40B4-BE49-F238E27FC236}">
+                <a16:creationId xmlns:a16="http://schemas.microsoft.com/office/drawing/2014/main" id="{EB5228B9-51D1-6CA4-6DF8-C81CB4E1F3FE}"/>
+              </a:ext>
+            </a:extLst>
+          </p:cNvPr>
+          <p:cNvSpPr>
+            <a:spLocks noGrp="1"/>
+          </p:cNvSpPr>
+          <p:nvPr>
+            <p:ph idx="1"/>
+          </p:nvPr>
+        </p:nvSpPr>
+        <p:spPr/>
+        <p:txBody>
+          <a:bodyPr/>
+          <a:lstStyle/>
+          <a:p>
+            <a:r>
+              <a:rPr lang="en-US" dirty="0"/>
+              <a:t>Discuss the most challenging issue or error you encountered during the data preparation or modeling phase, and how you overcame it.</a:t>
+            </a:r>
+          </a:p>
+          <a:p>
+            <a:r>
+              <a:rPr lang="en-US" dirty="0"/>
+              <a:t>Missing data: Preprocessed data linearly interpolated all missing dates</a:t>
+            </a:r>
+          </a:p>
+          <a:p>
+            <a:pPr marL="457200" lvl="1" indent="0">
+              <a:buNone/>
+            </a:pPr>
+            <a:r>
+              <a:rPr lang="en-US" dirty="0">
+                <a:sym typeface="Wingdings" pitchFamily="2" charset="2"/>
+              </a:rPr>
+              <a:t> Mean interpolation</a:t>
+            </a:r>
+            <a:endParaRPr lang="en-US" dirty="0"/>
+          </a:p>
+        </p:txBody>
+      </p:sp>
+    </p:spTree>
+    <p:extLst>
+      <p:ext uri="{BB962C8B-B14F-4D97-AF65-F5344CB8AC3E}">
+        <p14:creationId xmlns:p14="http://schemas.microsoft.com/office/powerpoint/2010/main" val="241819360"/>
+      </p:ext>
+    </p:extLst>
+  </p:cSld>
+  <p:clrMapOvr>
+    <a:masterClrMapping/>
+  </p:clrMapOvr>
+</p:sld>
+</file>
+
+<file path=ppt/slides/slide19.xml><?xml version="1.0" encoding="utf-8"?>
+<p:sld xmlns:a="http://schemas.openxmlformats.org/drawingml/2006/main" xmlns:r="http://schemas.openxmlformats.org/officeDocument/2006/relationships" xmlns:p="http://schemas.openxmlformats.org/presentationml/2006/main">
+  <p:cSld>
+    <p:spTree>
+      <p:nvGrpSpPr>
+        <p:cNvPr id="1" name=""/>
+        <p:cNvGrpSpPr/>
+        <p:nvPr/>
+      </p:nvGrpSpPr>
+      <p:grpSpPr>
+        <a:xfrm>
+          <a:off x="0" y="0"/>
+          <a:ext cx="0" cy="0"/>
+          <a:chOff x="0" y="0"/>
+          <a:chExt cx="0" cy="0"/>
+        </a:xfrm>
+      </p:grpSpPr>
+      <p:sp>
+        <p:nvSpPr>
+          <p:cNvPr id="2" name="Title 1">
+            <a:extLst>
+              <a:ext uri="{FF2B5EF4-FFF2-40B4-BE49-F238E27FC236}">
+                <a16:creationId xmlns:a16="http://schemas.microsoft.com/office/drawing/2014/main" id="{83CDDF9E-7041-D926-50DB-4C06D8A246C9}"/>
+              </a:ext>
+            </a:extLst>
+          </p:cNvPr>
+          <p:cNvSpPr>
+            <a:spLocks noGrp="1"/>
+          </p:cNvSpPr>
+          <p:nvPr>
+            <p:ph type="title"/>
+          </p:nvPr>
+        </p:nvSpPr>
+        <p:spPr/>
+        <p:txBody>
+          <a:bodyPr/>
+          <a:lstStyle/>
+          <a:p>
+            <a:r>
+              <a:rPr lang="en-US" dirty="0"/>
+              <a:t>Discussion</a:t>
+            </a:r>
+          </a:p>
+        </p:txBody>
+      </p:sp>
+      <p:sp>
+        <p:nvSpPr>
+          <p:cNvPr id="3" name="Content Placeholder 2">
+            <a:extLst>
+              <a:ext uri="{FF2B5EF4-FFF2-40B4-BE49-F238E27FC236}">
+                <a16:creationId xmlns:a16="http://schemas.microsoft.com/office/drawing/2014/main" id="{A496CC16-5C9F-0936-7A07-24EFB83DFA37}"/>
+              </a:ext>
+            </a:extLst>
+          </p:cNvPr>
+          <p:cNvSpPr>
+            <a:spLocks noGrp="1"/>
+          </p:cNvSpPr>
+          <p:nvPr>
+            <p:ph idx="1"/>
+          </p:nvPr>
+        </p:nvSpPr>
+        <p:spPr/>
+        <p:txBody>
+          <a:bodyPr/>
+          <a:lstStyle/>
+          <a:p>
+            <a:r>
+              <a:rPr lang="en-US" dirty="0"/>
+              <a:t>Reflect on the performance of your models compared to the baseline, and discuss any limitations and future work.</a:t>
+            </a:r>
+          </a:p>
+          <a:p>
+            <a:r>
+              <a:rPr lang="en-US" dirty="0"/>
+              <a:t>1-2 slides</a:t>
+            </a:r>
+          </a:p>
+        </p:txBody>
+      </p:sp>
+    </p:spTree>
+    <p:extLst>
+      <p:ext uri="{BB962C8B-B14F-4D97-AF65-F5344CB8AC3E}">
+        <p14:creationId xmlns:p14="http://schemas.microsoft.com/office/powerpoint/2010/main" val="2330129412"/>
       </p:ext>
     </p:extLst>
   </p:cSld>
@@ -5663,7 +6709,7 @@
             <a:pPr lvl="1"/>
             <a:r>
               <a:rPr lang="en-US" dirty="0"/>
-              <a:t>Continuous Glucose Monitoring (CGM) data</a:t>
+              <a:t>Continuous Glucose Monitoring (CGM) data over several days (&gt;7d)</a:t>
             </a:r>
           </a:p>
           <a:p>
@@ -5677,7 +6723,15 @@
             <a:pPr lvl="1"/>
             <a:r>
               <a:rPr lang="en-US" dirty="0"/>
-              <a:t>Meal ingestion counted in carbohydrate grams</a:t>
+              <a:t>Meal ingestion counted in servings (10 </a:t>
+            </a:r>
+            <a:r>
+              <a:rPr lang="en-US" dirty="0" err="1"/>
+              <a:t>cals</a:t>
+            </a:r>
+            <a:r>
+              <a:rPr lang="en-US" dirty="0"/>
+              <a:t>)</a:t>
             </a:r>
           </a:p>
           <a:p>
@@ -5693,6 +6747,181 @@
     <p:extLst>
       <p:ext uri="{BB962C8B-B14F-4D97-AF65-F5344CB8AC3E}">
         <p14:creationId xmlns:p14="http://schemas.microsoft.com/office/powerpoint/2010/main" val="1983674710"/>
+      </p:ext>
+    </p:extLst>
+  </p:cSld>
+  <p:clrMapOvr>
+    <a:masterClrMapping/>
+  </p:clrMapOvr>
+</p:sld>
+</file>
+
+<file path=ppt/slides/slide20.xml><?xml version="1.0" encoding="utf-8"?>
+<p:sld xmlns:a="http://schemas.openxmlformats.org/drawingml/2006/main" xmlns:r="http://schemas.openxmlformats.org/officeDocument/2006/relationships" xmlns:p="http://schemas.openxmlformats.org/presentationml/2006/main">
+  <p:cSld>
+    <p:spTree>
+      <p:nvGrpSpPr>
+        <p:cNvPr id="1" name=""/>
+        <p:cNvGrpSpPr/>
+        <p:nvPr/>
+      </p:nvGrpSpPr>
+      <p:grpSpPr>
+        <a:xfrm>
+          <a:off x="0" y="0"/>
+          <a:ext cx="0" cy="0"/>
+          <a:chOff x="0" y="0"/>
+          <a:chExt cx="0" cy="0"/>
+        </a:xfrm>
+      </p:grpSpPr>
+      <p:sp>
+        <p:nvSpPr>
+          <p:cNvPr id="2" name="Title 1">
+            <a:extLst>
+              <a:ext uri="{FF2B5EF4-FFF2-40B4-BE49-F238E27FC236}">
+                <a16:creationId xmlns:a16="http://schemas.microsoft.com/office/drawing/2014/main" id="{AF07BE8F-21CF-4586-425F-0349A4A42363}"/>
+              </a:ext>
+            </a:extLst>
+          </p:cNvPr>
+          <p:cNvSpPr>
+            <a:spLocks noGrp="1"/>
+          </p:cNvSpPr>
+          <p:nvPr>
+            <p:ph type="title"/>
+          </p:nvPr>
+        </p:nvSpPr>
+        <p:spPr/>
+        <p:txBody>
+          <a:bodyPr/>
+          <a:lstStyle/>
+          <a:p>
+            <a:r>
+              <a:rPr lang="en-US" dirty="0"/>
+              <a:t>Outlook</a:t>
+            </a:r>
+          </a:p>
+        </p:txBody>
+      </p:sp>
+      <p:sp>
+        <p:nvSpPr>
+          <p:cNvPr id="3" name="Content Placeholder 2">
+            <a:extLst>
+              <a:ext uri="{FF2B5EF4-FFF2-40B4-BE49-F238E27FC236}">
+                <a16:creationId xmlns:a16="http://schemas.microsoft.com/office/drawing/2014/main" id="{B3797788-AE32-7590-BE5A-1D9A7A989D7C}"/>
+              </a:ext>
+            </a:extLst>
+          </p:cNvPr>
+          <p:cNvSpPr>
+            <a:spLocks noGrp="1"/>
+          </p:cNvSpPr>
+          <p:nvPr>
+            <p:ph idx="1"/>
+          </p:nvPr>
+        </p:nvSpPr>
+        <p:spPr/>
+        <p:txBody>
+          <a:bodyPr/>
+          <a:lstStyle/>
+          <a:p>
+            <a:r>
+              <a:rPr lang="en-US" dirty="0"/>
+              <a:t>Anthropometrics (age, gender, height, etc.)</a:t>
+            </a:r>
+          </a:p>
+          <a:p>
+            <a:r>
+              <a:rPr lang="en-US" dirty="0"/>
+              <a:t>Sleep?</a:t>
+            </a:r>
+          </a:p>
+        </p:txBody>
+      </p:sp>
+    </p:spTree>
+    <p:extLst>
+      <p:ext uri="{BB962C8B-B14F-4D97-AF65-F5344CB8AC3E}">
+        <p14:creationId xmlns:p14="http://schemas.microsoft.com/office/powerpoint/2010/main" val="3095436808"/>
+      </p:ext>
+    </p:extLst>
+  </p:cSld>
+  <p:clrMapOvr>
+    <a:masterClrMapping/>
+  </p:clrMapOvr>
+</p:sld>
+</file>
+
+<file path=ppt/slides/slide21.xml><?xml version="1.0" encoding="utf-8"?>
+<p:sld xmlns:a="http://schemas.openxmlformats.org/drawingml/2006/main" xmlns:r="http://schemas.openxmlformats.org/officeDocument/2006/relationships" xmlns:p="http://schemas.openxmlformats.org/presentationml/2006/main">
+  <p:cSld>
+    <p:spTree>
+      <p:nvGrpSpPr>
+        <p:cNvPr id="1" name=""/>
+        <p:cNvGrpSpPr/>
+        <p:nvPr/>
+      </p:nvGrpSpPr>
+      <p:grpSpPr>
+        <a:xfrm>
+          <a:off x="0" y="0"/>
+          <a:ext cx="0" cy="0"/>
+          <a:chOff x="0" y="0"/>
+          <a:chExt cx="0" cy="0"/>
+        </a:xfrm>
+      </p:grpSpPr>
+      <p:sp>
+        <p:nvSpPr>
+          <p:cNvPr id="2" name="Title 1">
+            <a:extLst>
+              <a:ext uri="{FF2B5EF4-FFF2-40B4-BE49-F238E27FC236}">
+                <a16:creationId xmlns:a16="http://schemas.microsoft.com/office/drawing/2014/main" id="{6B387DF1-7EAE-4941-D7DF-31DCA43B810F}"/>
+              </a:ext>
+            </a:extLst>
+          </p:cNvPr>
+          <p:cNvSpPr>
+            <a:spLocks noGrp="1"/>
+          </p:cNvSpPr>
+          <p:nvPr>
+            <p:ph type="ctrTitle"/>
+          </p:nvPr>
+        </p:nvSpPr>
+        <p:spPr/>
+        <p:txBody>
+          <a:bodyPr/>
+          <a:lstStyle/>
+          <a:p>
+            <a:r>
+              <a:rPr lang="en-US" dirty="0"/>
+              <a:t>Q&amp;A</a:t>
+            </a:r>
+          </a:p>
+        </p:txBody>
+      </p:sp>
+      <p:sp>
+        <p:nvSpPr>
+          <p:cNvPr id="3" name="Subtitle 2">
+            <a:extLst>
+              <a:ext uri="{FF2B5EF4-FFF2-40B4-BE49-F238E27FC236}">
+                <a16:creationId xmlns:a16="http://schemas.microsoft.com/office/drawing/2014/main" id="{3BA6621A-968A-C641-A6C5-4DBE13D81A20}"/>
+              </a:ext>
+            </a:extLst>
+          </p:cNvPr>
+          <p:cNvSpPr>
+            <a:spLocks noGrp="1"/>
+          </p:cNvSpPr>
+          <p:nvPr>
+            <p:ph type="subTitle" idx="1"/>
+          </p:nvPr>
+        </p:nvSpPr>
+        <p:spPr/>
+        <p:txBody>
+          <a:bodyPr/>
+          <a:lstStyle/>
+          <a:p>
+            <a:endParaRPr lang="en-US" dirty="0"/>
+          </a:p>
+        </p:txBody>
+      </p:sp>
+    </p:spTree>
+    <p:extLst>
+      <p:ext uri="{BB962C8B-B14F-4D97-AF65-F5344CB8AC3E}">
+        <p14:creationId xmlns:p14="http://schemas.microsoft.com/office/powerpoint/2010/main" val="3133962703"/>
       </p:ext>
     </p:extLst>
   </p:cSld>
@@ -5747,8 +6976,8 @@
           </a:p>
         </p:txBody>
       </p:sp>
-      <mc:AlternateContent xmlns:mc="http://schemas.openxmlformats.org/markup-compatibility/2006" xmlns:a14="http://schemas.microsoft.com/office/drawing/2010/main">
-        <mc:Choice Requires="a14">
+      <mc:AlternateContent xmlns:mc="http://schemas.openxmlformats.org/markup-compatibility/2006">
+        <mc:Choice xmlns:a14="http://schemas.microsoft.com/office/drawing/2010/main" Requires="a14">
           <p:sp>
             <p:nvSpPr>
               <p:cNvPr id="3" name="Content Placeholder 2">
@@ -5887,7 +7116,15 @@
                 <a:pPr lvl="2"/>
                 <a:r>
                   <a:rPr lang="en-US" sz="1100" dirty="0"/>
-                  <a:t>Administering insulin (via injections or pumps)</a:t>
+                  <a:t>Administering insulin (via injections or pumps): Basal insulin: </a:t>
+                </a:r>
+                <a:r>
+                  <a:rPr lang="en-US" sz="1100" dirty="0" err="1"/>
+                  <a:t>longterm</a:t>
+                </a:r>
+                <a:r>
+                  <a:rPr lang="en-US" sz="1100" dirty="0"/>
+                  <a:t> basis | Bolus insulin: short term before meals</a:t>
                 </a:r>
               </a:p>
               <a:p>
@@ -5938,7 +7175,7 @@
             </p:txBody>
           </p:sp>
         </mc:Choice>
-        <mc:Fallback xmlns="">
+        <mc:Fallback>
           <p:sp>
             <p:nvSpPr>
               <p:cNvPr id="3" name="Content Placeholder 2">
@@ -6123,7 +7360,7 @@
         <p:spPr>
           <a:xfrm>
             <a:off x="8972476" y="4484068"/>
-            <a:ext cx="662361" cy="369332"/>
+            <a:ext cx="777777" cy="369332"/>
           </a:xfrm>
           <a:prstGeom prst="rect">
             <a:avLst/>
@@ -6138,7 +7375,7 @@
           <a:p>
             <a:r>
               <a:rPr lang="en-US" dirty="0"/>
-              <a:t>2-3h</a:t>
+              <a:t>1 - 3h</a:t>
             </a:r>
           </a:p>
         </p:txBody>
@@ -6199,8 +7436,8 @@
         </p:nvSpPr>
         <p:spPr>
           <a:xfrm>
-            <a:off x="10414089" y="4475965"/>
-            <a:ext cx="453970" cy="369332"/>
+            <a:off x="10253677" y="4475965"/>
+            <a:ext cx="837089" cy="369332"/>
           </a:xfrm>
           <a:prstGeom prst="rect">
             <a:avLst/>
@@ -6215,7 +7452,7 @@
           <a:p>
             <a:r>
               <a:rPr lang="en-US" dirty="0"/>
-              <a:t>1h</a:t>
+              <a:t>½ - 1h</a:t>
             </a:r>
           </a:p>
         </p:txBody>
@@ -6392,7 +7629,12 @@
             <p:ph idx="1"/>
           </p:nvPr>
         </p:nvSpPr>
-        <p:spPr/>
+        <p:spPr>
+          <a:xfrm>
+            <a:off x="1371600" y="1791370"/>
+            <a:ext cx="9064171" cy="4280246"/>
+          </a:xfrm>
+        </p:spPr>
         <p:txBody>
           <a:bodyPr/>
           <a:lstStyle/>
@@ -6405,31 +7647,17 @@
           <a:p>
             <a:r>
               <a:rPr lang="en-US" dirty="0"/>
-              <a:t>5-min data for BG, insulin, carb &amp; metabolic markers</a:t>
-            </a:r>
-          </a:p>
-          <a:p>
-            <a:r>
-              <a:rPr lang="en-US" dirty="0"/>
-              <a:t>Sleep? </a:t>
-            </a:r>
-            <a:r>
-              <a:rPr lang="en-US"/>
-              <a:t>Anthropometric </a:t>
-            </a:r>
-            <a:r>
-              <a:rPr lang="en-US" dirty="0"/>
-              <a:t>data?</a:t>
+              <a:t>Preprocessed 5-min data for BG, insulin, carb &amp; metabolic markers</a:t>
             </a:r>
           </a:p>
         </p:txBody>
       </p:sp>
       <p:pic>
         <p:nvPicPr>
-          <p:cNvPr id="1026" name="Picture 2">
-            <a:extLst>
-              <a:ext uri="{FF2B5EF4-FFF2-40B4-BE49-F238E27FC236}">
-                <a16:creationId xmlns:a16="http://schemas.microsoft.com/office/drawing/2014/main" id="{5E252F48-2BC9-8E88-A382-73977B2ABCD4}"/>
+          <p:cNvPr id="4" name="Picture 4">
+            <a:extLst>
+              <a:ext uri="{FF2B5EF4-FFF2-40B4-BE49-F238E27FC236}">
+                <a16:creationId xmlns:a16="http://schemas.microsoft.com/office/drawing/2014/main" id="{ACDADFFC-6A5B-9448-B39C-8AC3F0F518B0}"/>
               </a:ext>
             </a:extLst>
           </p:cNvPr>
@@ -6453,8 +7681,8 @@
         </p:blipFill>
         <p:spPr bwMode="auto">
           <a:xfrm>
-            <a:off x="5921829" y="3065054"/>
-            <a:ext cx="5834743" cy="2893060"/>
+            <a:off x="3314208" y="3192700"/>
+            <a:ext cx="7121564" cy="3543163"/>
           </a:xfrm>
           <a:prstGeom prst="rect">
             <a:avLst/>
@@ -6469,6 +7697,36 @@
               </a14:hiddenFill>
             </a:ext>
           </a:extLst>
+        </p:spPr>
+      </p:pic>
+      <p:pic>
+        <p:nvPicPr>
+          <p:cNvPr id="6" name="Picture 5">
+            <a:extLst>
+              <a:ext uri="{FF2B5EF4-FFF2-40B4-BE49-F238E27FC236}">
+                <a16:creationId xmlns:a16="http://schemas.microsoft.com/office/drawing/2014/main" id="{DFD03E96-0CE7-2DC8-D6CF-00BC6F2E47D8}"/>
+              </a:ext>
+            </a:extLst>
+          </p:cNvPr>
+          <p:cNvPicPr>
+            <a:picLocks noChangeAspect="1"/>
+          </p:cNvPicPr>
+          <p:nvPr/>
+        </p:nvPicPr>
+        <p:blipFill>
+          <a:blip r:embed="rId3"/>
+          <a:stretch>
+            <a:fillRect/>
+          </a:stretch>
+        </p:blipFill>
+        <p:spPr>
+          <a:xfrm>
+            <a:off x="10671519" y="473528"/>
+            <a:ext cx="1404365" cy="5041900"/>
+          </a:xfrm>
+          <a:prstGeom prst="rect">
+            <a:avLst/>
+          </a:prstGeom>
         </p:spPr>
       </p:pic>
     </p:spTree>
@@ -6506,7 +7764,7 @@
           <p:cNvPr id="2" name="Title 1">
             <a:extLst>
               <a:ext uri="{FF2B5EF4-FFF2-40B4-BE49-F238E27FC236}">
-                <a16:creationId xmlns:a16="http://schemas.microsoft.com/office/drawing/2014/main" id="{0BCBA9E6-8710-9158-FFBD-016EF748715C}"/>
+                <a16:creationId xmlns:a16="http://schemas.microsoft.com/office/drawing/2014/main" id="{FB06AD14-9745-38A5-4C87-179761FE8447}"/>
               </a:ext>
             </a:extLst>
           </p:cNvPr>
@@ -6524,7 +7782,7 @@
           <a:p>
             <a:r>
               <a:rPr lang="en-US" dirty="0"/>
-              <a:t>Baseline Model: Arima(x)</a:t>
+              <a:t>Feature selection</a:t>
             </a:r>
           </a:p>
         </p:txBody>
@@ -6534,7 +7792,7 @@
           <p:cNvPr id="3" name="Content Placeholder 2">
             <a:extLst>
               <a:ext uri="{FF2B5EF4-FFF2-40B4-BE49-F238E27FC236}">
-                <a16:creationId xmlns:a16="http://schemas.microsoft.com/office/drawing/2014/main" id="{4360F390-C9FA-1609-FFB6-3AB7AD90A37C}"/>
+                <a16:creationId xmlns:a16="http://schemas.microsoft.com/office/drawing/2014/main" id="{65146AE5-D03F-9442-518F-67D537EAAA36}"/>
               </a:ext>
             </a:extLst>
           </p:cNvPr>
@@ -6545,22 +7803,201 @@
             <p:ph idx="1"/>
           </p:nvPr>
         </p:nvSpPr>
-        <p:spPr/>
-        <p:txBody>
-          <a:bodyPr/>
+        <p:spPr>
+          <a:xfrm>
+            <a:off x="1371600" y="1791370"/>
+            <a:ext cx="5783943" cy="4280246"/>
+          </a:xfrm>
+        </p:spPr>
+        <p:txBody>
+          <a:bodyPr>
+            <a:normAutofit/>
+          </a:bodyPr>
           <a:lstStyle/>
           <a:p>
             <a:r>
               <a:rPr lang="en-US" dirty="0"/>
-              <a:t>Quickly recap your baseline model, its performance, and why it was chosen.</a:t>
-            </a:r>
-          </a:p>
-        </p:txBody>
-      </p:sp>
+              <a:t>Target: </a:t>
+            </a:r>
+            <a:r>
+              <a:rPr lang="en-US" b="0" dirty="0">
+                <a:effectLst/>
+                <a:latin typeface="Courier New" panose="02070309020205020404" pitchFamily="49" charset="0"/>
+              </a:rPr>
+              <a:t>'glucose'</a:t>
+            </a:r>
+            <a:endParaRPr lang="en-US" dirty="0"/>
+          </a:p>
+          <a:p>
+            <a:r>
+              <a:rPr lang="en-US" dirty="0"/>
+              <a:t>Selected features: </a:t>
+            </a:r>
+            <a:r>
+              <a:rPr lang="en-US" b="0" dirty="0">
+                <a:effectLst/>
+                <a:latin typeface="Courier New" panose="02070309020205020404" pitchFamily="49" charset="0"/>
+              </a:rPr>
+              <a:t>'</a:t>
+            </a:r>
+            <a:r>
+              <a:rPr lang="en-US" b="0" dirty="0" err="1">
+                <a:effectLst/>
+                <a:latin typeface="Courier New" panose="02070309020205020404" pitchFamily="49" charset="0"/>
+              </a:rPr>
+              <a:t>bolus_volume_delivered</a:t>
+            </a:r>
+            <a:r>
+              <a:rPr lang="en-US" b="0" dirty="0">
+                <a:effectLst/>
+                <a:latin typeface="Courier New" panose="02070309020205020404" pitchFamily="49" charset="0"/>
+              </a:rPr>
+              <a:t>', '</a:t>
+            </a:r>
+            <a:r>
+              <a:rPr lang="en-US" b="0" dirty="0" err="1">
+                <a:effectLst/>
+                <a:latin typeface="Courier New" panose="02070309020205020404" pitchFamily="49" charset="0"/>
+              </a:rPr>
+              <a:t>basal_rate</a:t>
+            </a:r>
+            <a:r>
+              <a:rPr lang="en-US" b="0" dirty="0">
+                <a:effectLst/>
+                <a:latin typeface="Courier New" panose="02070309020205020404" pitchFamily="49" charset="0"/>
+              </a:rPr>
+              <a:t>', '</a:t>
+            </a:r>
+            <a:r>
+              <a:rPr lang="en-US" b="0" dirty="0" err="1">
+                <a:effectLst/>
+                <a:latin typeface="Courier New" panose="02070309020205020404" pitchFamily="49" charset="0"/>
+              </a:rPr>
+              <a:t>heart_rate</a:t>
+            </a:r>
+            <a:r>
+              <a:rPr lang="en-US" b="0" dirty="0">
+                <a:effectLst/>
+                <a:latin typeface="Courier New" panose="02070309020205020404" pitchFamily="49" charset="0"/>
+              </a:rPr>
+              <a:t>’</a:t>
+            </a:r>
+          </a:p>
+          <a:p>
+            <a:r>
+              <a:rPr lang="en-US" b="0" dirty="0" err="1">
+                <a:effectLst/>
+                <a:latin typeface="Courier New" panose="02070309020205020404" pitchFamily="49" charset="0"/>
+              </a:rPr>
+              <a:t>Carb_input</a:t>
+            </a:r>
+            <a:r>
+              <a:rPr lang="en-US" b="0" dirty="0">
+                <a:effectLst/>
+                <a:latin typeface="Courier New" panose="02070309020205020404" pitchFamily="49" charset="0"/>
+              </a:rPr>
+              <a:t> too badly tracked :(</a:t>
+            </a:r>
+          </a:p>
+          <a:p>
+            <a:endParaRPr lang="en-US" b="0" dirty="0">
+              <a:effectLst/>
+              <a:latin typeface="Courier New" panose="02070309020205020404" pitchFamily="49" charset="0"/>
+            </a:endParaRPr>
+          </a:p>
+        </p:txBody>
+      </p:sp>
+      <p:pic>
+        <p:nvPicPr>
+          <p:cNvPr id="4" name="Picture 2">
+            <a:extLst>
+              <a:ext uri="{FF2B5EF4-FFF2-40B4-BE49-F238E27FC236}">
+                <a16:creationId xmlns:a16="http://schemas.microsoft.com/office/drawing/2014/main" id="{10F74F8B-3AD9-288F-951D-0FD58A907063}"/>
+              </a:ext>
+            </a:extLst>
+          </p:cNvPr>
+          <p:cNvPicPr>
+            <a:picLocks noChangeAspect="1" noChangeArrowheads="1"/>
+          </p:cNvPicPr>
+          <p:nvPr/>
+        </p:nvPicPr>
+        <p:blipFill>
+          <a:blip r:embed="rId2">
+            <a:clrChange>
+              <a:clrFrom>
+                <a:srgbClr val="FFFFFF"/>
+              </a:clrFrom>
+              <a:clrTo>
+                <a:srgbClr val="FFFFFF">
+                  <a:alpha val="0"/>
+                </a:srgbClr>
+              </a:clrTo>
+            </a:clrChange>
+            <a:extLst>
+              <a:ext uri="{28A0092B-C50C-407E-A947-70E740481C1C}">
+                <a14:useLocalDpi xmlns:a14="http://schemas.microsoft.com/office/drawing/2010/main" val="0"/>
+              </a:ext>
+            </a:extLst>
+          </a:blip>
+          <a:srcRect/>
+          <a:stretch>
+            <a:fillRect/>
+          </a:stretch>
+        </p:blipFill>
+        <p:spPr bwMode="auto">
+          <a:xfrm>
+            <a:off x="6366461" y="288073"/>
+            <a:ext cx="5618817" cy="5111242"/>
+          </a:xfrm>
+          <a:prstGeom prst="rect">
+            <a:avLst/>
+          </a:prstGeom>
+          <a:noFill/>
+          <a:extLst>
+            <a:ext uri="{909E8E84-426E-40DD-AFC4-6F175D3DCCD1}">
+              <a14:hiddenFill xmlns:a14="http://schemas.microsoft.com/office/drawing/2010/main">
+                <a:solidFill>
+                  <a:srgbClr val="FFFFFF"/>
+                </a:solidFill>
+              </a14:hiddenFill>
+            </a:ext>
+          </a:extLst>
+        </p:spPr>
+      </p:pic>
+      <p:pic>
+        <p:nvPicPr>
+          <p:cNvPr id="7" name="Picture 6">
+            <a:extLst>
+              <a:ext uri="{FF2B5EF4-FFF2-40B4-BE49-F238E27FC236}">
+                <a16:creationId xmlns:a16="http://schemas.microsoft.com/office/drawing/2014/main" id="{8A063863-CC0A-171A-E526-C1CA1980963E}"/>
+              </a:ext>
+            </a:extLst>
+          </p:cNvPr>
+          <p:cNvPicPr>
+            <a:picLocks noChangeAspect="1"/>
+          </p:cNvPicPr>
+          <p:nvPr/>
+        </p:nvPicPr>
+        <p:blipFill>
+          <a:blip r:embed="rId3"/>
+          <a:stretch>
+            <a:fillRect/>
+          </a:stretch>
+        </p:blipFill>
+        <p:spPr>
+          <a:xfrm>
+            <a:off x="1371600" y="4206415"/>
+            <a:ext cx="2405552" cy="2596788"/>
+          </a:xfrm>
+          <a:prstGeom prst="rect">
+            <a:avLst/>
+          </a:prstGeom>
+        </p:spPr>
+      </p:pic>
     </p:spTree>
     <p:extLst>
       <p:ext uri="{BB962C8B-B14F-4D97-AF65-F5344CB8AC3E}">
-        <p14:creationId xmlns:p14="http://schemas.microsoft.com/office/powerpoint/2010/main" val="1442847053"/>
+        <p14:creationId xmlns:p14="http://schemas.microsoft.com/office/powerpoint/2010/main" val="1866412288"/>
       </p:ext>
     </p:extLst>
   </p:cSld>
@@ -6592,7 +8029,7 @@
           <p:cNvPr id="2" name="Title 1">
             <a:extLst>
               <a:ext uri="{FF2B5EF4-FFF2-40B4-BE49-F238E27FC236}">
-                <a16:creationId xmlns:a16="http://schemas.microsoft.com/office/drawing/2014/main" id="{A0E233A6-4544-2017-9866-17DC38E844AB}"/>
+                <a16:creationId xmlns:a16="http://schemas.microsoft.com/office/drawing/2014/main" id="{3F9C2E97-061F-D631-D16E-AC4EE1EFD7F3}"/>
               </a:ext>
             </a:extLst>
           </p:cNvPr>
@@ -6610,7 +8047,7 @@
           <a:p>
             <a:r>
               <a:rPr lang="en-US" dirty="0"/>
-              <a:t>Model Definition and Evaluation</a:t>
+              <a:t>Normalization</a:t>
             </a:r>
           </a:p>
         </p:txBody>
@@ -6620,7 +8057,7 @@
           <p:cNvPr id="3" name="Content Placeholder 2">
             <a:extLst>
               <a:ext uri="{FF2B5EF4-FFF2-40B4-BE49-F238E27FC236}">
-                <a16:creationId xmlns:a16="http://schemas.microsoft.com/office/drawing/2014/main" id="{9DCFE856-917A-09CF-14F1-5B2C2CFCBE6B}"/>
+                <a16:creationId xmlns:a16="http://schemas.microsoft.com/office/drawing/2014/main" id="{D9A8F389-78CE-5281-4F32-E157E20AE28D}"/>
               </a:ext>
             </a:extLst>
           </p:cNvPr>
@@ -6631,64 +8068,118 @@
             <p:ph idx="1"/>
           </p:nvPr>
         </p:nvSpPr>
-        <p:spPr/>
-        <p:txBody>
-          <a:bodyPr/>
-          <a:lstStyle/>
-          <a:p>
-            <a:r>
-              <a:rPr lang="en-US" dirty="0"/>
-              <a:t>Discuss the models you've implemented, the feature engineering steps you've taken, and how you evaluated their performance. Include a screenshot of the code you used to implement the model.</a:t>
-            </a:r>
-          </a:p>
-          <a:p>
-            <a:r>
-              <a:rPr lang="en-US" dirty="0"/>
-              <a:t>3-4 slides</a:t>
-            </a:r>
-          </a:p>
-          <a:p>
-            <a:r>
-              <a:rPr lang="en-US" dirty="0"/>
-              <a:t>RNNs: GRU/LSTM</a:t>
-            </a:r>
-          </a:p>
-          <a:p>
-            <a:r>
-              <a:rPr lang="en-US" dirty="0"/>
-              <a:t>Tree models: Random Forest &amp; Gradient boosting (</a:t>
-            </a:r>
-            <a:r>
-              <a:rPr lang="en-US" dirty="0" err="1"/>
-              <a:t>lightGBM</a:t>
-            </a:r>
-            <a:r>
-              <a:rPr lang="en-US" dirty="0"/>
-              <a:t>)</a:t>
-            </a:r>
-          </a:p>
-          <a:p>
-            <a:r>
-              <a:rPr lang="en-US" dirty="0" err="1"/>
-              <a:t>Tigramite</a:t>
-            </a:r>
-            <a:r>
-              <a:rPr lang="en-US" dirty="0"/>
-              <a:t>: Causal analysis</a:t>
-            </a:r>
-          </a:p>
-          <a:p>
-            <a:r>
-              <a:rPr lang="en-US" dirty="0"/>
-              <a:t>N-Beats / N-Hits</a:t>
-            </a:r>
-          </a:p>
-        </p:txBody>
-      </p:sp>
+        <p:spPr>
+          <a:xfrm>
+            <a:off x="1371600" y="1791370"/>
+            <a:ext cx="6291943" cy="4280246"/>
+          </a:xfrm>
+        </p:spPr>
+        <p:txBody>
+          <a:bodyPr/>
+          <a:lstStyle/>
+          <a:p>
+            <a:pPr lvl="1"/>
+            <a:r>
+              <a:rPr lang="en-US" b="0" dirty="0">
+                <a:effectLst/>
+                <a:latin typeface="Courier New" panose="02070309020205020404" pitchFamily="49" charset="0"/>
+              </a:rPr>
+              <a:t>HR -&gt; Z-Norm</a:t>
+            </a:r>
+          </a:p>
+          <a:p>
+            <a:pPr lvl="1"/>
+            <a:r>
+              <a:rPr lang="en-US" dirty="0">
+                <a:latin typeface="Courier New" panose="02070309020205020404" pitchFamily="49" charset="0"/>
+              </a:rPr>
+              <a:t>Glucose: relative to normal range?</a:t>
+            </a:r>
+            <a:br>
+              <a:rPr lang="en-US" dirty="0">
+                <a:latin typeface="Courier New" panose="02070309020205020404" pitchFamily="49" charset="0"/>
+              </a:rPr>
+            </a:br>
+            <a:r>
+              <a:rPr lang="en-US" dirty="0">
+                <a:latin typeface="Courier New" panose="02070309020205020404" pitchFamily="49" charset="0"/>
+              </a:rPr>
+              <a:t>[80-200] or relative to extremes [40,300]</a:t>
+            </a:r>
+          </a:p>
+          <a:p>
+            <a:pPr lvl="1"/>
+            <a:r>
+              <a:rPr lang="en-US" b="0" dirty="0">
+                <a:effectLst/>
+                <a:latin typeface="Courier New" panose="02070309020205020404" pitchFamily="49" charset="0"/>
+              </a:rPr>
+              <a:t>Bolus-insulin: Max-Norm</a:t>
+            </a:r>
+          </a:p>
+          <a:p>
+            <a:pPr lvl="1"/>
+            <a:r>
+              <a:rPr lang="en-US" dirty="0">
+                <a:latin typeface="Courier New" panose="02070309020205020404" pitchFamily="49" charset="0"/>
+              </a:rPr>
+              <a:t>Basal-insulin: Z-Norm / Max-Norm</a:t>
+            </a:r>
+            <a:endParaRPr lang="en-US" dirty="0"/>
+          </a:p>
+        </p:txBody>
+      </p:sp>
+      <p:pic>
+        <p:nvPicPr>
+          <p:cNvPr id="3074" name="Picture 2">
+            <a:extLst>
+              <a:ext uri="{FF2B5EF4-FFF2-40B4-BE49-F238E27FC236}">
+                <a16:creationId xmlns:a16="http://schemas.microsoft.com/office/drawing/2014/main" id="{4BC78176-FAE6-1223-EF60-2C6A24A326B4}"/>
+              </a:ext>
+            </a:extLst>
+          </p:cNvPr>
+          <p:cNvPicPr>
+            <a:picLocks noChangeAspect="1" noChangeArrowheads="1"/>
+          </p:cNvPicPr>
+          <p:nvPr/>
+        </p:nvPicPr>
+        <p:blipFill>
+          <a:blip r:embed="rId3">
+            <a:extLst>
+              <a:ext uri="{28A0092B-C50C-407E-A947-70E740481C1C}">
+                <a14:useLocalDpi xmlns:a14="http://schemas.microsoft.com/office/drawing/2010/main" val="0"/>
+              </a:ext>
+            </a:extLst>
+          </a:blip>
+          <a:srcRect/>
+          <a:stretch>
+            <a:fillRect/>
+          </a:stretch>
+        </p:blipFill>
+        <p:spPr bwMode="auto">
+          <a:xfrm>
+            <a:off x="7663542" y="403226"/>
+            <a:ext cx="4528457" cy="2247129"/>
+          </a:xfrm>
+          <a:prstGeom prst="rect">
+            <a:avLst/>
+          </a:prstGeom>
+          <a:noFill/>
+          <a:extLst>
+            <a:ext uri="{909E8E84-426E-40DD-AFC4-6F175D3DCCD1}">
+              <a14:hiddenFill xmlns:a14="http://schemas.microsoft.com/office/drawing/2010/main">
+                <a:solidFill>
+                  <a:srgbClr val="FFFFFF"/>
+                </a:solidFill>
+              </a14:hiddenFill>
+            </a:ext>
+          </a:extLst>
+        </p:spPr>
+      </p:pic>
     </p:spTree>
     <p:extLst>
       <p:ext uri="{BB962C8B-B14F-4D97-AF65-F5344CB8AC3E}">
-        <p14:creationId xmlns:p14="http://schemas.microsoft.com/office/powerpoint/2010/main" val="1354609624"/>
+        <p14:creationId xmlns:p14="http://schemas.microsoft.com/office/powerpoint/2010/main" val="3049535366"/>
       </p:ext>
     </p:extLst>
   </p:cSld>
@@ -6720,7 +8211,7 @@
           <p:cNvPr id="2" name="Title 1">
             <a:extLst>
               <a:ext uri="{FF2B5EF4-FFF2-40B4-BE49-F238E27FC236}">
-                <a16:creationId xmlns:a16="http://schemas.microsoft.com/office/drawing/2014/main" id="{5275BA05-6DC6-4514-549A-77F76278F7FC}"/>
+                <a16:creationId xmlns:a16="http://schemas.microsoft.com/office/drawing/2014/main" id="{15D400DD-8458-34D2-E80D-B3CC536EE4D3}"/>
               </a:ext>
             </a:extLst>
           </p:cNvPr>
@@ -6738,7 +8229,7 @@
           <a:p>
             <a:r>
               <a:rPr lang="en-US" dirty="0"/>
-              <a:t>Recurrent Neural Networks</a:t>
+              <a:t>Calculated Features</a:t>
             </a:r>
           </a:p>
         </p:txBody>
@@ -6748,7 +8239,7 @@
           <p:cNvPr id="3" name="Content Placeholder 2">
             <a:extLst>
               <a:ext uri="{FF2B5EF4-FFF2-40B4-BE49-F238E27FC236}">
-                <a16:creationId xmlns:a16="http://schemas.microsoft.com/office/drawing/2014/main" id="{5ECD3F24-07AE-8EF9-749F-37436E0BF4C6}"/>
+                <a16:creationId xmlns:a16="http://schemas.microsoft.com/office/drawing/2014/main" id="{993D464C-0AE0-4C54-8587-78B3885CD94D}"/>
               </a:ext>
             </a:extLst>
           </p:cNvPr>
@@ -6765,14 +8256,30 @@
           <a:lstStyle/>
           <a:p>
             <a:r>
+              <a:rPr lang="en-US" dirty="0">
+                <a:latin typeface="Courier New" panose="02070309020205020404" pitchFamily="49" charset="0"/>
+              </a:rPr>
+              <a:t>Time of day? (sin/cos)</a:t>
+            </a:r>
+          </a:p>
+          <a:p>
+            <a:r>
               <a:rPr lang="en-US" dirty="0"/>
-              <a:t>LSTM</a:t>
-            </a:r>
-          </a:p>
-          <a:p>
+              <a:t>Meta data?</a:t>
+            </a:r>
+          </a:p>
+          <a:p>
+            <a:pPr lvl="1"/>
             <a:r>
               <a:rPr lang="en-US" dirty="0"/>
-              <a:t>GRU</a:t>
+              <a:t>Mean steps / Activity</a:t>
+            </a:r>
+          </a:p>
+          <a:p>
+            <a:pPr lvl="1"/>
+            <a:r>
+              <a:rPr lang="en-US" dirty="0"/>
+              <a:t>Resting HR</a:t>
             </a:r>
           </a:p>
         </p:txBody>
@@ -6780,7 +8287,7 @@
     </p:spTree>
     <p:extLst>
       <p:ext uri="{BB962C8B-B14F-4D97-AF65-F5344CB8AC3E}">
-        <p14:creationId xmlns:p14="http://schemas.microsoft.com/office/powerpoint/2010/main" val="3226728733"/>
+        <p14:creationId xmlns:p14="http://schemas.microsoft.com/office/powerpoint/2010/main" val="2510538215"/>
       </p:ext>
     </p:extLst>
   </p:cSld>

--- a/4_Presentation/Blood_glucose_prediction.pptx
+++ b/4_Presentation/Blood_glucose_prediction.pptx
@@ -5,30 +5,32 @@
     <p:sldMasterId id="2147483673" r:id="rId1"/>
   </p:sldMasterIdLst>
   <p:notesMasterIdLst>
-    <p:notesMasterId r:id="rId23"/>
+    <p:notesMasterId r:id="rId25"/>
   </p:notesMasterIdLst>
   <p:sldIdLst>
     <p:sldId id="256" r:id="rId2"/>
     <p:sldId id="257" r:id="rId3"/>
-    <p:sldId id="266" r:id="rId4"/>
-    <p:sldId id="267" r:id="rId5"/>
-    <p:sldId id="258" r:id="rId6"/>
-    <p:sldId id="259" r:id="rId7"/>
-    <p:sldId id="273" r:id="rId8"/>
-    <p:sldId id="272" r:id="rId9"/>
-    <p:sldId id="275" r:id="rId10"/>
-    <p:sldId id="274" r:id="rId11"/>
-    <p:sldId id="260" r:id="rId12"/>
-    <p:sldId id="261" r:id="rId13"/>
-    <p:sldId id="268" r:id="rId14"/>
-    <p:sldId id="269" r:id="rId15"/>
-    <p:sldId id="270" r:id="rId16"/>
-    <p:sldId id="271" r:id="rId17"/>
-    <p:sldId id="262" r:id="rId18"/>
-    <p:sldId id="263" r:id="rId19"/>
-    <p:sldId id="264" r:id="rId20"/>
-    <p:sldId id="276" r:id="rId21"/>
-    <p:sldId id="265" r:id="rId22"/>
+    <p:sldId id="277" r:id="rId4"/>
+    <p:sldId id="266" r:id="rId5"/>
+    <p:sldId id="267" r:id="rId6"/>
+    <p:sldId id="258" r:id="rId7"/>
+    <p:sldId id="259" r:id="rId8"/>
+    <p:sldId id="278" r:id="rId9"/>
+    <p:sldId id="273" r:id="rId10"/>
+    <p:sldId id="279" r:id="rId11"/>
+    <p:sldId id="275" r:id="rId12"/>
+    <p:sldId id="274" r:id="rId13"/>
+    <p:sldId id="260" r:id="rId14"/>
+    <p:sldId id="261" r:id="rId15"/>
+    <p:sldId id="268" r:id="rId16"/>
+    <p:sldId id="269" r:id="rId17"/>
+    <p:sldId id="270" r:id="rId18"/>
+    <p:sldId id="271" r:id="rId19"/>
+    <p:sldId id="262" r:id="rId20"/>
+    <p:sldId id="263" r:id="rId21"/>
+    <p:sldId id="264" r:id="rId22"/>
+    <p:sldId id="276" r:id="rId23"/>
+    <p:sldId id="265" r:id="rId24"/>
   </p:sldIdLst>
   <p:sldSz cx="12192000" cy="6858000"/>
   <p:notesSz cx="6858000" cy="9144000"/>
@@ -217,7 +219,7 @@
           <a:p>
             <a:fld id="{DB206A15-4B76-5C4C-9042-4048894F2829}" type="datetimeFigureOut">
               <a:rPr lang="en-US" smtClean="0"/>
-              <a:t>1/10/25</a:t>
+              <a:t>1/20/25</a:t>
             </a:fld>
             <a:endParaRPr lang="en-US"/>
           </a:p>
@@ -717,91 +719,7 @@
           <a:p>
             <a:fld id="{FCCEC9FA-1578-BB4B-801C-C20CE7632F3B}" type="slidenum">
               <a:rPr lang="en-US" smtClean="0"/>
-              <a:t>8</a:t>
-            </a:fld>
-            <a:endParaRPr lang="en-US"/>
-          </a:p>
-        </p:txBody>
-      </p:sp>
-    </p:spTree>
-    <p:extLst>
-      <p:ext uri="{BB962C8B-B14F-4D97-AF65-F5344CB8AC3E}">
-        <p14:creationId xmlns:p14="http://schemas.microsoft.com/office/powerpoint/2010/main" val="852325850"/>
-      </p:ext>
-    </p:extLst>
-  </p:cSld>
-  <p:clrMapOvr>
-    <a:masterClrMapping/>
-  </p:clrMapOvr>
-</p:notes>
-</file>
-
-<file path=ppt/notesSlides/notesSlide4.xml><?xml version="1.0" encoding="utf-8"?>
-<p:notes xmlns:a="http://schemas.openxmlformats.org/drawingml/2006/main" xmlns:r="http://schemas.openxmlformats.org/officeDocument/2006/relationships" xmlns:p="http://schemas.openxmlformats.org/presentationml/2006/main">
-  <p:cSld>
-    <p:spTree>
-      <p:nvGrpSpPr>
-        <p:cNvPr id="1" name=""/>
-        <p:cNvGrpSpPr/>
-        <p:nvPr/>
-      </p:nvGrpSpPr>
-      <p:grpSpPr>
-        <a:xfrm>
-          <a:off x="0" y="0"/>
-          <a:ext cx="0" cy="0"/>
-          <a:chOff x="0" y="0"/>
-          <a:chExt cx="0" cy="0"/>
-        </a:xfrm>
-      </p:grpSpPr>
-      <p:sp>
-        <p:nvSpPr>
-          <p:cNvPr id="2" name="Slide Image Placeholder 1"/>
-          <p:cNvSpPr>
-            <a:spLocks noGrp="1" noRot="1" noChangeAspect="1"/>
-          </p:cNvSpPr>
-          <p:nvPr>
-            <p:ph type="sldImg"/>
-          </p:nvPr>
-        </p:nvSpPr>
-        <p:spPr/>
-      </p:sp>
-      <p:sp>
-        <p:nvSpPr>
-          <p:cNvPr id="3" name="Notes Placeholder 2"/>
-          <p:cNvSpPr>
-            <a:spLocks noGrp="1"/>
-          </p:cNvSpPr>
-          <p:nvPr>
-            <p:ph type="body" idx="1"/>
-          </p:nvPr>
-        </p:nvSpPr>
-        <p:spPr/>
-        <p:txBody>
-          <a:bodyPr/>
-          <a:lstStyle/>
-          <a:p>
-            <a:endParaRPr lang="en-US" dirty="0"/>
-          </a:p>
-        </p:txBody>
-      </p:sp>
-      <p:sp>
-        <p:nvSpPr>
-          <p:cNvPr id="4" name="Slide Number Placeholder 3"/>
-          <p:cNvSpPr>
-            <a:spLocks noGrp="1"/>
-          </p:cNvSpPr>
-          <p:nvPr>
-            <p:ph type="sldNum" sz="quarter" idx="5"/>
-          </p:nvPr>
-        </p:nvSpPr>
-        <p:spPr/>
-        <p:txBody>
-          <a:bodyPr/>
-          <a:lstStyle/>
-          <a:p>
-            <a:fld id="{FCCEC9FA-1578-BB4B-801C-C20CE7632F3B}" type="slidenum">
-              <a:rPr lang="en-US" smtClean="0"/>
-              <a:t>12</a:t>
+              <a:t>14</a:t>
             </a:fld>
             <a:endParaRPr lang="en-US"/>
           </a:p>
@@ -978,7 +896,7 @@
           <a:p>
             <a:fld id="{655A5808-3B61-48CC-92EF-85AC2E0DFA56}" type="datetime2">
               <a:rPr lang="en-US" smtClean="0"/>
-              <a:t>Friday, January 10, 2025</a:t>
+              <a:t>Monday, January 20, 2025</a:t>
             </a:fld>
             <a:endParaRPr lang="en-US"/>
           </a:p>
@@ -1176,7 +1094,7 @@
           <a:p>
             <a:fld id="{735E98AF-4574-4509-BF7A-519ACD5BF826}" type="datetime2">
               <a:rPr lang="en-US" smtClean="0"/>
-              <a:t>Friday, January 10, 2025</a:t>
+              <a:t>Monday, January 20, 2025</a:t>
             </a:fld>
             <a:endParaRPr lang="en-US"/>
           </a:p>
@@ -1386,7 +1304,7 @@
           <a:p>
             <a:fld id="{93DD97D4-9636-490F-85D0-E926C2B6F3B1}" type="datetime2">
               <a:rPr lang="en-US" smtClean="0"/>
-              <a:t>Friday, January 10, 2025</a:t>
+              <a:t>Monday, January 20, 2025</a:t>
             </a:fld>
             <a:endParaRPr lang="en-US"/>
           </a:p>
@@ -1584,7 +1502,7 @@
           <a:p>
             <a:fld id="{2F3AF3C6-0FD4-4939-991C-00DDE5C56815}" type="datetime2">
               <a:rPr lang="en-US" smtClean="0"/>
-              <a:t>Friday, January 10, 2025</a:t>
+              <a:t>Monday, January 20, 2025</a:t>
             </a:fld>
             <a:endParaRPr lang="en-US"/>
           </a:p>
@@ -1865,7 +1783,7 @@
           <a:p>
             <a:fld id="{86807482-8128-47C6-A8DD-6452B0291CFF}" type="datetime2">
               <a:rPr lang="en-US" smtClean="0"/>
-              <a:t>Friday, January 10, 2025</a:t>
+              <a:t>Monday, January 20, 2025</a:t>
             </a:fld>
             <a:endParaRPr lang="en-US"/>
           </a:p>
@@ -2131,7 +2049,7 @@
           <a:p>
             <a:fld id="{37903F25-275E-41DE-BE3B-EBF0DB49F9B1}" type="datetime2">
               <a:rPr lang="en-US" smtClean="0"/>
-              <a:t>Friday, January 10, 2025</a:t>
+              <a:t>Monday, January 20, 2025</a:t>
             </a:fld>
             <a:endParaRPr lang="en-US"/>
           </a:p>
@@ -2512,7 +2430,7 @@
           <a:p>
             <a:fld id="{EE475572-4A44-4171-84AA-64D42C8050A6}" type="datetime2">
               <a:rPr lang="en-US" smtClean="0"/>
-              <a:t>Friday, January 10, 2025</a:t>
+              <a:t>Monday, January 20, 2025</a:t>
             </a:fld>
             <a:endParaRPr lang="en-US"/>
           </a:p>
@@ -2682,7 +2600,7 @@
           <a:p>
             <a:fld id="{C4C1612E-528E-4FD5-9E9E-E15F1108F171}" type="datetime2">
               <a:rPr lang="en-US" smtClean="0"/>
-              <a:t>Friday, January 10, 2025</a:t>
+              <a:t>Monday, January 20, 2025</a:t>
             </a:fld>
             <a:endParaRPr lang="en-US"/>
           </a:p>
@@ -2795,7 +2713,7 @@
           <a:p>
             <a:fld id="{D4F6D862-A06D-436F-A92E-EBAAD50B6E50}" type="datetime2">
               <a:rPr lang="en-US" smtClean="0"/>
-              <a:t>Friday, January 10, 2025</a:t>
+              <a:t>Monday, January 20, 2025</a:t>
             </a:fld>
             <a:endParaRPr lang="en-US"/>
           </a:p>
@@ -3112,7 +3030,7 @@
           <a:p>
             <a:fld id="{B73E0B7D-2260-4809-8F0A-9E5F3E24F169}" type="datetime2">
               <a:rPr lang="en-US" smtClean="0"/>
-              <a:t>Friday, January 10, 2025</a:t>
+              <a:t>Monday, January 20, 2025</a:t>
             </a:fld>
             <a:endParaRPr lang="en-US"/>
           </a:p>
@@ -3404,7 +3322,7 @@
           <a:p>
             <a:fld id="{3C8E4735-C637-46A3-94EB-AB3AC4188D2F}" type="datetime2">
               <a:rPr lang="en-US" smtClean="0"/>
-              <a:t>Friday, January 10, 2025</a:t>
+              <a:t>Monday, January 20, 2025</a:t>
             </a:fld>
             <a:endParaRPr lang="en-US"/>
           </a:p>
@@ -3772,7 +3690,7 @@
             <a:fld id="{AE0C963C-C1DB-4AFD-9DDC-0691666BF49B}" type="datetime2">
               <a:rPr lang="en-US" smtClean="0"/>
               <a:pPr/>
-              <a:t>Friday, January 10, 2025</a:t>
+              <a:t>Monday, January 20, 2025</a:t>
             </a:fld>
             <a:endParaRPr lang="en-US" cap="all" dirty="0"/>
           </a:p>
@@ -5026,6 +4944,273 @@
           <p:cNvPr id="2" name="Title 1">
             <a:extLst>
               <a:ext uri="{FF2B5EF4-FFF2-40B4-BE49-F238E27FC236}">
+                <a16:creationId xmlns:a16="http://schemas.microsoft.com/office/drawing/2014/main" id="{C7581F17-3D0D-DFD8-535F-60D38B722C70}"/>
+              </a:ext>
+            </a:extLst>
+          </p:cNvPr>
+          <p:cNvSpPr>
+            <a:spLocks noGrp="1"/>
+          </p:cNvSpPr>
+          <p:nvPr>
+            <p:ph type="title"/>
+          </p:nvPr>
+        </p:nvSpPr>
+        <p:spPr/>
+        <p:txBody>
+          <a:bodyPr/>
+          <a:lstStyle/>
+          <a:p>
+            <a:r>
+              <a:rPr lang="en-US" dirty="0"/>
+              <a:t>Other Findings</a:t>
+            </a:r>
+          </a:p>
+        </p:txBody>
+      </p:sp>
+      <p:pic>
+        <p:nvPicPr>
+          <p:cNvPr id="5" name="Content Placeholder 4">
+            <a:extLst>
+              <a:ext uri="{FF2B5EF4-FFF2-40B4-BE49-F238E27FC236}">
+                <a16:creationId xmlns:a16="http://schemas.microsoft.com/office/drawing/2014/main" id="{E8CE1E1C-038F-AE2D-2B11-8FD059DEC5A8}"/>
+              </a:ext>
+            </a:extLst>
+          </p:cNvPr>
+          <p:cNvPicPr>
+            <a:picLocks noGrp="1" noChangeAspect="1"/>
+          </p:cNvPicPr>
+          <p:nvPr>
+            <p:ph idx="1"/>
+          </p:nvPr>
+        </p:nvPicPr>
+        <p:blipFill>
+          <a:blip r:embed="rId2"/>
+          <a:stretch>
+            <a:fillRect/>
+          </a:stretch>
+        </p:blipFill>
+        <p:spPr>
+          <a:xfrm>
+            <a:off x="5793601" y="4243334"/>
+            <a:ext cx="5691448" cy="2040839"/>
+          </a:xfrm>
+          <a:prstGeom prst="rect">
+            <a:avLst/>
+          </a:prstGeom>
+        </p:spPr>
+      </p:pic>
+      <p:pic>
+        <p:nvPicPr>
+          <p:cNvPr id="4" name="Picture 3">
+            <a:extLst>
+              <a:ext uri="{FF2B5EF4-FFF2-40B4-BE49-F238E27FC236}">
+                <a16:creationId xmlns:a16="http://schemas.microsoft.com/office/drawing/2014/main" id="{4468F3A1-C83F-292B-1D72-1B549763172C}"/>
+              </a:ext>
+            </a:extLst>
+          </p:cNvPr>
+          <p:cNvPicPr>
+            <a:picLocks noChangeAspect="1"/>
+          </p:cNvPicPr>
+          <p:nvPr/>
+        </p:nvPicPr>
+        <p:blipFill>
+          <a:blip r:embed="rId3"/>
+          <a:stretch>
+            <a:fillRect/>
+          </a:stretch>
+        </p:blipFill>
+        <p:spPr>
+          <a:xfrm>
+            <a:off x="5557591" y="1791370"/>
+            <a:ext cx="6163468" cy="2363270"/>
+          </a:xfrm>
+          <a:prstGeom prst="rect">
+            <a:avLst/>
+          </a:prstGeom>
+        </p:spPr>
+      </p:pic>
+      <p:pic>
+        <p:nvPicPr>
+          <p:cNvPr id="7" name="Picture 6">
+            <a:extLst>
+              <a:ext uri="{FF2B5EF4-FFF2-40B4-BE49-F238E27FC236}">
+                <a16:creationId xmlns:a16="http://schemas.microsoft.com/office/drawing/2014/main" id="{7C411D26-9FAE-D567-12EA-129AABEEFCC6}"/>
+              </a:ext>
+            </a:extLst>
+          </p:cNvPr>
+          <p:cNvPicPr>
+            <a:picLocks noChangeAspect="1"/>
+          </p:cNvPicPr>
+          <p:nvPr/>
+        </p:nvPicPr>
+        <p:blipFill>
+          <a:blip r:embed="rId4"/>
+          <a:stretch>
+            <a:fillRect/>
+          </a:stretch>
+        </p:blipFill>
+        <p:spPr>
+          <a:xfrm>
+            <a:off x="1574240" y="2666965"/>
+            <a:ext cx="2405552" cy="2596788"/>
+          </a:xfrm>
+          <a:prstGeom prst="rect">
+            <a:avLst/>
+          </a:prstGeom>
+        </p:spPr>
+      </p:pic>
+    </p:spTree>
+    <p:extLst>
+      <p:ext uri="{BB962C8B-B14F-4D97-AF65-F5344CB8AC3E}">
+        <p14:creationId xmlns:p14="http://schemas.microsoft.com/office/powerpoint/2010/main" val="2563375732"/>
+      </p:ext>
+    </p:extLst>
+  </p:cSld>
+  <p:clrMapOvr>
+    <a:masterClrMapping/>
+  </p:clrMapOvr>
+</p:sld>
+</file>
+
+<file path=ppt/slides/slide11.xml><?xml version="1.0" encoding="utf-8"?>
+<p:sld xmlns:a="http://schemas.openxmlformats.org/drawingml/2006/main" xmlns:r="http://schemas.openxmlformats.org/officeDocument/2006/relationships" xmlns:p="http://schemas.openxmlformats.org/presentationml/2006/main">
+  <p:cSld>
+    <p:spTree>
+      <p:nvGrpSpPr>
+        <p:cNvPr id="1" name=""/>
+        <p:cNvGrpSpPr/>
+        <p:nvPr/>
+      </p:nvGrpSpPr>
+      <p:grpSpPr>
+        <a:xfrm>
+          <a:off x="0" y="0"/>
+          <a:ext cx="0" cy="0"/>
+          <a:chOff x="0" y="0"/>
+          <a:chExt cx="0" cy="0"/>
+        </a:xfrm>
+      </p:grpSpPr>
+      <p:sp>
+        <p:nvSpPr>
+          <p:cNvPr id="2" name="Title 1">
+            <a:extLst>
+              <a:ext uri="{FF2B5EF4-FFF2-40B4-BE49-F238E27FC236}">
+                <a16:creationId xmlns:a16="http://schemas.microsoft.com/office/drawing/2014/main" id="{15D400DD-8458-34D2-E80D-B3CC536EE4D3}"/>
+              </a:ext>
+            </a:extLst>
+          </p:cNvPr>
+          <p:cNvSpPr>
+            <a:spLocks noGrp="1"/>
+          </p:cNvSpPr>
+          <p:nvPr>
+            <p:ph type="title"/>
+          </p:nvPr>
+        </p:nvSpPr>
+        <p:spPr/>
+        <p:txBody>
+          <a:bodyPr/>
+          <a:lstStyle/>
+          <a:p>
+            <a:r>
+              <a:rPr lang="en-US" dirty="0"/>
+              <a:t>Calculated Features</a:t>
+            </a:r>
+          </a:p>
+        </p:txBody>
+      </p:sp>
+      <p:sp>
+        <p:nvSpPr>
+          <p:cNvPr id="3" name="Content Placeholder 2">
+            <a:extLst>
+              <a:ext uri="{FF2B5EF4-FFF2-40B4-BE49-F238E27FC236}">
+                <a16:creationId xmlns:a16="http://schemas.microsoft.com/office/drawing/2014/main" id="{993D464C-0AE0-4C54-8587-78B3885CD94D}"/>
+              </a:ext>
+            </a:extLst>
+          </p:cNvPr>
+          <p:cNvSpPr>
+            <a:spLocks noGrp="1"/>
+          </p:cNvSpPr>
+          <p:nvPr>
+            <p:ph idx="1"/>
+          </p:nvPr>
+        </p:nvSpPr>
+        <p:spPr/>
+        <p:txBody>
+          <a:bodyPr/>
+          <a:lstStyle/>
+          <a:p>
+            <a:r>
+              <a:rPr lang="en-US" dirty="0">
+                <a:latin typeface="Courier New" panose="02070309020205020404" pitchFamily="49" charset="0"/>
+              </a:rPr>
+              <a:t>Time of day </a:t>
+            </a:r>
+          </a:p>
+          <a:p>
+            <a:pPr lvl="1"/>
+            <a:r>
+              <a:rPr lang="en-US" dirty="0">
+                <a:latin typeface="Courier New" panose="02070309020205020404" pitchFamily="49" charset="0"/>
+              </a:rPr>
+              <a:t>sin/cos</a:t>
+            </a:r>
+          </a:p>
+          <a:p>
+            <a:r>
+              <a:rPr lang="en-US" strike="sngStrike" dirty="0"/>
+              <a:t>Meta data?</a:t>
+            </a:r>
+          </a:p>
+          <a:p>
+            <a:pPr lvl="1"/>
+            <a:r>
+              <a:rPr lang="en-US" strike="sngStrike" dirty="0"/>
+              <a:t>Mean steps / Activity</a:t>
+            </a:r>
+          </a:p>
+          <a:p>
+            <a:pPr lvl="1"/>
+            <a:r>
+              <a:rPr lang="en-US" strike="sngStrike" dirty="0"/>
+              <a:t>Resting HR</a:t>
+            </a:r>
+          </a:p>
+        </p:txBody>
+      </p:sp>
+    </p:spTree>
+    <p:extLst>
+      <p:ext uri="{BB962C8B-B14F-4D97-AF65-F5344CB8AC3E}">
+        <p14:creationId xmlns:p14="http://schemas.microsoft.com/office/powerpoint/2010/main" val="2510538215"/>
+      </p:ext>
+    </p:extLst>
+  </p:cSld>
+  <p:clrMapOvr>
+    <a:masterClrMapping/>
+  </p:clrMapOvr>
+</p:sld>
+</file>
+
+<file path=ppt/slides/slide12.xml><?xml version="1.0" encoding="utf-8"?>
+<p:sld xmlns:a="http://schemas.openxmlformats.org/drawingml/2006/main" xmlns:r="http://schemas.openxmlformats.org/officeDocument/2006/relationships" xmlns:p="http://schemas.openxmlformats.org/presentationml/2006/main">
+  <p:cSld>
+    <p:spTree>
+      <p:nvGrpSpPr>
+        <p:cNvPr id="1" name=""/>
+        <p:cNvGrpSpPr/>
+        <p:nvPr/>
+      </p:nvGrpSpPr>
+      <p:grpSpPr>
+        <a:xfrm>
+          <a:off x="0" y="0"/>
+          <a:ext cx="0" cy="0"/>
+          <a:chOff x="0" y="0"/>
+          <a:chExt cx="0" cy="0"/>
+        </a:xfrm>
+      </p:grpSpPr>
+      <p:sp>
+        <p:nvSpPr>
+          <p:cNvPr id="2" name="Title 1">
+            <a:extLst>
+              <a:ext uri="{FF2B5EF4-FFF2-40B4-BE49-F238E27FC236}">
                 <a16:creationId xmlns:a16="http://schemas.microsoft.com/office/drawing/2014/main" id="{754F9A16-D70B-9FBB-E131-1D4B270E6AF1}"/>
               </a:ext>
             </a:extLst>
@@ -5077,11 +5262,37 @@
           <a:p>
             <a:r>
               <a:rPr lang="en-US" dirty="0" err="1"/>
+              <a:t>Subset_A</a:t>
+            </a:r>
+            <a:r>
+              <a:rPr lang="en-US" dirty="0"/>
+              <a:t>: P</a:t>
+            </a:r>
+            <a:r>
+              <a:rPr lang="en-US" dirty="0">
+                <a:sym typeface="Wingdings" pitchFamily="2" charset="2"/>
+              </a:rPr>
+              <a:t>[1,2,3, 4, 5,10,14,16,17,19,20, 22, 23, 24, 25, 26, 28]</a:t>
+            </a:r>
+          </a:p>
+          <a:p>
+            <a:r>
+              <a:rPr lang="en-US" dirty="0" err="1"/>
+              <a:t>Subset_B</a:t>
+            </a:r>
+            <a:r>
+              <a:rPr lang="en-US" dirty="0"/>
+              <a:t>: P[6,7,11,15,18,21]</a:t>
+            </a:r>
+          </a:p>
+          <a:p>
+            <a:r>
+              <a:rPr lang="en-US" dirty="0" err="1"/>
               <a:t>Szenario</a:t>
             </a:r>
             <a:r>
               <a:rPr lang="en-US" dirty="0"/>
-              <a:t> 1: Train P27 </a:t>
+              <a:t> 1a: Train P27_1 </a:t>
             </a:r>
             <a:r>
               <a:rPr lang="en-US" dirty="0">
@@ -5091,7 +5302,7 @@
             </a:r>
             <a:r>
               <a:rPr lang="en-US" dirty="0"/>
-              <a:t> Test P27</a:t>
+              <a:t> Test P27_2 </a:t>
             </a:r>
           </a:p>
           <a:p>
@@ -5101,7 +5312,7 @@
             </a:r>
             <a:r>
               <a:rPr lang="en-US" dirty="0"/>
-              <a:t> 2: Train P27 </a:t>
+              <a:t> 1b: Train P27_1 </a:t>
             </a:r>
             <a:r>
               <a:rPr lang="en-US" dirty="0">
@@ -5111,7 +5322,7 @@
             </a:r>
             <a:r>
               <a:rPr lang="en-US" dirty="0"/>
-              <a:t>P1-P06</a:t>
+              <a:t>Subset B</a:t>
             </a:r>
             <a:endParaRPr lang="en-US" dirty="0">
               <a:sym typeface="Wingdings" pitchFamily="2" charset="2"/>
@@ -5128,43 +5339,62 @@
               <a:rPr lang="en-US" dirty="0">
                 <a:sym typeface="Wingdings" pitchFamily="2" charset="2"/>
               </a:rPr>
-              <a:t> 3: Train P07-P27  Test</a:t>
-            </a:r>
-            <a:r>
-              <a:rPr lang="en-US" dirty="0"/>
-              <a:t> P1-P06 / P27</a:t>
-            </a:r>
-          </a:p>
-          <a:p>
-            <a:r>
-              <a:rPr lang="en-US" strike="sngStrike" dirty="0" err="1"/>
-              <a:t>Szenario</a:t>
-            </a:r>
-            <a:r>
-              <a:rPr lang="en-US" strike="sngStrike" dirty="0"/>
-              <a:t> 4: Train all </a:t>
-            </a:r>
-            <a:r>
-              <a:rPr lang="en-US" strike="sngStrike" dirty="0">
+              <a:t> 2a: Train </a:t>
+            </a:r>
+            <a:r>
+              <a:rPr lang="en-US" dirty="0" err="1">
                 <a:sym typeface="Wingdings" pitchFamily="2" charset="2"/>
               </a:rPr>
-              <a:t> Test all</a:t>
-            </a:r>
-          </a:p>
-          <a:p>
-            <a:r>
-              <a:rPr lang="en-US" strike="sngStrike" dirty="0" err="1">
+              <a:t>Subset_A</a:t>
+            </a:r>
+            <a:r>
+              <a:rPr lang="en-US" dirty="0">
+                <a:sym typeface="Wingdings" pitchFamily="2" charset="2"/>
+              </a:rPr>
+              <a:t> + P27_1  Test</a:t>
+            </a:r>
+            <a:r>
+              <a:rPr lang="en-US" dirty="0"/>
+              <a:t> </a:t>
+            </a:r>
+            <a:r>
+              <a:rPr lang="en-US" dirty="0" err="1"/>
+              <a:t>Subset_B</a:t>
+            </a:r>
+            <a:r>
+              <a:rPr lang="en-US" dirty="0"/>
+              <a:t> </a:t>
+            </a:r>
+          </a:p>
+          <a:p>
+            <a:r>
+              <a:rPr lang="en-US" dirty="0" err="1">
                 <a:sym typeface="Wingdings" pitchFamily="2" charset="2"/>
               </a:rPr>
               <a:t>Szenario</a:t>
             </a:r>
             <a:r>
-              <a:rPr lang="en-US" strike="sngStrike" dirty="0">
+              <a:rPr lang="en-US" dirty="0">
                 <a:sym typeface="Wingdings" pitchFamily="2" charset="2"/>
               </a:rPr>
-              <a:t> 5: Balanced all</a:t>
-            </a:r>
-            <a:endParaRPr lang="en-US" strike="sngStrike" dirty="0"/>
+              <a:t> 2b: Train </a:t>
+            </a:r>
+            <a:r>
+              <a:rPr lang="en-US" dirty="0" err="1">
+                <a:sym typeface="Wingdings" pitchFamily="2" charset="2"/>
+              </a:rPr>
+              <a:t>Subset_A</a:t>
+            </a:r>
+            <a:r>
+              <a:rPr lang="en-US" dirty="0">
+                <a:sym typeface="Wingdings" pitchFamily="2" charset="2"/>
+              </a:rPr>
+              <a:t> + P27_1  Test</a:t>
+            </a:r>
+            <a:r>
+              <a:rPr lang="en-US" dirty="0"/>
+              <a:t> P27_2</a:t>
+            </a:r>
           </a:p>
         </p:txBody>
       </p:sp>
@@ -5212,7 +5442,7 @@
         </p:nvSpPr>
         <p:spPr>
           <a:xfrm>
-            <a:off x="2162629" y="4194629"/>
+            <a:off x="5145315" y="5151742"/>
             <a:ext cx="3672114" cy="323164"/>
           </a:xfrm>
           <a:prstGeom prst="rect">
@@ -5258,7 +5488,7 @@
         </p:nvSpPr>
         <p:spPr>
           <a:xfrm>
-            <a:off x="2917371" y="4610613"/>
+            <a:off x="5907313" y="5587677"/>
             <a:ext cx="134148" cy="323164"/>
           </a:xfrm>
           <a:prstGeom prst="rect">
@@ -5307,7 +5537,7 @@
         </p:nvSpPr>
         <p:spPr>
           <a:xfrm>
-            <a:off x="2162629" y="4610613"/>
+            <a:off x="5152571" y="5587677"/>
             <a:ext cx="754742" cy="323164"/>
           </a:xfrm>
           <a:prstGeom prst="rect">
@@ -5353,7 +5583,7 @@
         </p:nvSpPr>
         <p:spPr>
           <a:xfrm>
-            <a:off x="3280228" y="5050826"/>
+            <a:off x="6270170" y="6027890"/>
             <a:ext cx="134149" cy="323164"/>
           </a:xfrm>
           <a:prstGeom prst="rect">
@@ -5402,7 +5632,7 @@
         </p:nvSpPr>
         <p:spPr>
           <a:xfrm>
-            <a:off x="2155373" y="5050826"/>
+            <a:off x="5145315" y="6027890"/>
             <a:ext cx="1124855" cy="323164"/>
           </a:xfrm>
           <a:prstGeom prst="rect">
@@ -5448,7 +5678,7 @@
         </p:nvSpPr>
         <p:spPr>
           <a:xfrm>
-            <a:off x="4176374" y="4844708"/>
+            <a:off x="7529174" y="6024943"/>
             <a:ext cx="1204686" cy="646331"/>
           </a:xfrm>
           <a:prstGeom prst="rect">
@@ -5483,7 +5713,7 @@
         </p:nvSpPr>
         <p:spPr>
           <a:xfrm>
-            <a:off x="5830188" y="4194629"/>
+            <a:off x="8812874" y="5151742"/>
             <a:ext cx="795583" cy="323164"/>
           </a:xfrm>
           <a:prstGeom prst="rect">
@@ -5532,7 +5762,7 @@
         </p:nvSpPr>
         <p:spPr>
           <a:xfrm>
-            <a:off x="2162629" y="5491039"/>
+            <a:off x="5152571" y="6468103"/>
             <a:ext cx="1553028" cy="323164"/>
           </a:xfrm>
           <a:prstGeom prst="rect">
@@ -5578,7 +5808,7 @@
         </p:nvSpPr>
         <p:spPr>
           <a:xfrm>
-            <a:off x="3721723" y="5494743"/>
+            <a:off x="6711665" y="6471807"/>
             <a:ext cx="134149" cy="323164"/>
           </a:xfrm>
           <a:prstGeom prst="rect">
@@ -5626,7 +5856,7 @@
 </p:sld>
 </file>
 
-<file path=ppt/slides/slide11.xml><?xml version="1.0" encoding="utf-8"?>
+<file path=ppt/slides/slide13.xml><?xml version="1.0" encoding="utf-8"?>
 <p:sld xmlns:a="http://schemas.openxmlformats.org/drawingml/2006/main" xmlns:r="http://schemas.openxmlformats.org/officeDocument/2006/relationships" xmlns:p="http://schemas.openxmlformats.org/presentationml/2006/main">
   <p:cSld>
     <p:spTree>
@@ -5759,226 +5989,6 @@
 </p:sld>
 </file>
 
-<file path=ppt/slides/slide12.xml><?xml version="1.0" encoding="utf-8"?>
-<p:sld xmlns:a="http://schemas.openxmlformats.org/drawingml/2006/main" xmlns:r="http://schemas.openxmlformats.org/officeDocument/2006/relationships" xmlns:p="http://schemas.openxmlformats.org/presentationml/2006/main">
-  <p:cSld>
-    <p:spTree>
-      <p:nvGrpSpPr>
-        <p:cNvPr id="1" name=""/>
-        <p:cNvGrpSpPr/>
-        <p:nvPr/>
-      </p:nvGrpSpPr>
-      <p:grpSpPr>
-        <a:xfrm>
-          <a:off x="0" y="0"/>
-          <a:ext cx="0" cy="0"/>
-          <a:chOff x="0" y="0"/>
-          <a:chExt cx="0" cy="0"/>
-        </a:xfrm>
-      </p:grpSpPr>
-      <p:sp>
-        <p:nvSpPr>
-          <p:cNvPr id="2" name="Title 1">
-            <a:extLst>
-              <a:ext uri="{FF2B5EF4-FFF2-40B4-BE49-F238E27FC236}">
-                <a16:creationId xmlns:a16="http://schemas.microsoft.com/office/drawing/2014/main" id="{A0E233A6-4544-2017-9866-17DC38E844AB}"/>
-              </a:ext>
-            </a:extLst>
-          </p:cNvPr>
-          <p:cNvSpPr>
-            <a:spLocks noGrp="1"/>
-          </p:cNvSpPr>
-          <p:nvPr>
-            <p:ph type="title"/>
-          </p:nvPr>
-        </p:nvSpPr>
-        <p:spPr/>
-        <p:txBody>
-          <a:bodyPr/>
-          <a:lstStyle/>
-          <a:p>
-            <a:r>
-              <a:rPr lang="en-US" dirty="0"/>
-              <a:t>Model Definition and Evaluation</a:t>
-            </a:r>
-          </a:p>
-        </p:txBody>
-      </p:sp>
-      <p:sp>
-        <p:nvSpPr>
-          <p:cNvPr id="3" name="Content Placeholder 2">
-            <a:extLst>
-              <a:ext uri="{FF2B5EF4-FFF2-40B4-BE49-F238E27FC236}">
-                <a16:creationId xmlns:a16="http://schemas.microsoft.com/office/drawing/2014/main" id="{9DCFE856-917A-09CF-14F1-5B2C2CFCBE6B}"/>
-              </a:ext>
-            </a:extLst>
-          </p:cNvPr>
-          <p:cNvSpPr>
-            <a:spLocks noGrp="1"/>
-          </p:cNvSpPr>
-          <p:nvPr>
-            <p:ph idx="1"/>
-          </p:nvPr>
-        </p:nvSpPr>
-        <p:spPr/>
-        <p:txBody>
-          <a:bodyPr/>
-          <a:lstStyle/>
-          <a:p>
-            <a:r>
-              <a:rPr lang="en-US" dirty="0"/>
-              <a:t>Discuss the models you've implemented, the feature engineering steps you've taken, and how you evaluated their performance. Include a screenshot of the code you used to implement the model.</a:t>
-            </a:r>
-          </a:p>
-          <a:p>
-            <a:r>
-              <a:rPr lang="en-US" dirty="0"/>
-              <a:t>3-4 slides</a:t>
-            </a:r>
-          </a:p>
-          <a:p>
-            <a:r>
-              <a:rPr lang="en-US" dirty="0"/>
-              <a:t>RNNs: GRU/LSTM</a:t>
-            </a:r>
-          </a:p>
-          <a:p>
-            <a:r>
-              <a:rPr lang="en-US" dirty="0"/>
-              <a:t>Tree models: Random Forest &amp; Gradient boosting (</a:t>
-            </a:r>
-            <a:r>
-              <a:rPr lang="en-US" dirty="0" err="1"/>
-              <a:t>lightGBM</a:t>
-            </a:r>
-            <a:r>
-              <a:rPr lang="en-US" dirty="0"/>
-              <a:t>)</a:t>
-            </a:r>
-          </a:p>
-          <a:p>
-            <a:r>
-              <a:rPr lang="en-US" dirty="0" err="1"/>
-              <a:t>Tigramite</a:t>
-            </a:r>
-            <a:r>
-              <a:rPr lang="en-US" dirty="0"/>
-              <a:t>: Causal analysis</a:t>
-            </a:r>
-          </a:p>
-          <a:p>
-            <a:r>
-              <a:rPr lang="en-US" dirty="0"/>
-              <a:t>N-Beats / N-Hits</a:t>
-            </a:r>
-          </a:p>
-        </p:txBody>
-      </p:sp>
-    </p:spTree>
-    <p:extLst>
-      <p:ext uri="{BB962C8B-B14F-4D97-AF65-F5344CB8AC3E}">
-        <p14:creationId xmlns:p14="http://schemas.microsoft.com/office/powerpoint/2010/main" val="1354609624"/>
-      </p:ext>
-    </p:extLst>
-  </p:cSld>
-  <p:clrMapOvr>
-    <a:masterClrMapping/>
-  </p:clrMapOvr>
-</p:sld>
-</file>
-
-<file path=ppt/slides/slide13.xml><?xml version="1.0" encoding="utf-8"?>
-<p:sld xmlns:a="http://schemas.openxmlformats.org/drawingml/2006/main" xmlns:r="http://schemas.openxmlformats.org/officeDocument/2006/relationships" xmlns:p="http://schemas.openxmlformats.org/presentationml/2006/main">
-  <p:cSld>
-    <p:spTree>
-      <p:nvGrpSpPr>
-        <p:cNvPr id="1" name=""/>
-        <p:cNvGrpSpPr/>
-        <p:nvPr/>
-      </p:nvGrpSpPr>
-      <p:grpSpPr>
-        <a:xfrm>
-          <a:off x="0" y="0"/>
-          <a:ext cx="0" cy="0"/>
-          <a:chOff x="0" y="0"/>
-          <a:chExt cx="0" cy="0"/>
-        </a:xfrm>
-      </p:grpSpPr>
-      <p:sp>
-        <p:nvSpPr>
-          <p:cNvPr id="2" name="Title 1">
-            <a:extLst>
-              <a:ext uri="{FF2B5EF4-FFF2-40B4-BE49-F238E27FC236}">
-                <a16:creationId xmlns:a16="http://schemas.microsoft.com/office/drawing/2014/main" id="{5275BA05-6DC6-4514-549A-77F76278F7FC}"/>
-              </a:ext>
-            </a:extLst>
-          </p:cNvPr>
-          <p:cNvSpPr>
-            <a:spLocks noGrp="1"/>
-          </p:cNvSpPr>
-          <p:nvPr>
-            <p:ph type="title"/>
-          </p:nvPr>
-        </p:nvSpPr>
-        <p:spPr/>
-        <p:txBody>
-          <a:bodyPr/>
-          <a:lstStyle/>
-          <a:p>
-            <a:r>
-              <a:rPr lang="en-US" dirty="0"/>
-              <a:t>Recurrent Neural Networks</a:t>
-            </a:r>
-          </a:p>
-        </p:txBody>
-      </p:sp>
-      <p:sp>
-        <p:nvSpPr>
-          <p:cNvPr id="3" name="Content Placeholder 2">
-            <a:extLst>
-              <a:ext uri="{FF2B5EF4-FFF2-40B4-BE49-F238E27FC236}">
-                <a16:creationId xmlns:a16="http://schemas.microsoft.com/office/drawing/2014/main" id="{5ECD3F24-07AE-8EF9-749F-37436E0BF4C6}"/>
-              </a:ext>
-            </a:extLst>
-          </p:cNvPr>
-          <p:cNvSpPr>
-            <a:spLocks noGrp="1"/>
-          </p:cNvSpPr>
-          <p:nvPr>
-            <p:ph idx="1"/>
-          </p:nvPr>
-        </p:nvSpPr>
-        <p:spPr/>
-        <p:txBody>
-          <a:bodyPr/>
-          <a:lstStyle/>
-          <a:p>
-            <a:r>
-              <a:rPr lang="en-US" dirty="0"/>
-              <a:t>LSTM</a:t>
-            </a:r>
-          </a:p>
-          <a:p>
-            <a:r>
-              <a:rPr lang="en-US" dirty="0"/>
-              <a:t>GRU</a:t>
-            </a:r>
-          </a:p>
-        </p:txBody>
-      </p:sp>
-    </p:spTree>
-    <p:extLst>
-      <p:ext uri="{BB962C8B-B14F-4D97-AF65-F5344CB8AC3E}">
-        <p14:creationId xmlns:p14="http://schemas.microsoft.com/office/powerpoint/2010/main" val="3226728733"/>
-      </p:ext>
-    </p:extLst>
-  </p:cSld>
-  <p:clrMapOvr>
-    <a:masterClrMapping/>
-  </p:clrMapOvr>
-</p:sld>
-</file>
-
 <file path=ppt/slides/slide14.xml><?xml version="1.0" encoding="utf-8"?>
 <p:sld xmlns:a="http://schemas.openxmlformats.org/drawingml/2006/main" xmlns:r="http://schemas.openxmlformats.org/officeDocument/2006/relationships" xmlns:p="http://schemas.openxmlformats.org/presentationml/2006/main">
   <p:cSld>
@@ -6001,7 +6011,7 @@
           <p:cNvPr id="2" name="Title 1">
             <a:extLst>
               <a:ext uri="{FF2B5EF4-FFF2-40B4-BE49-F238E27FC236}">
-                <a16:creationId xmlns:a16="http://schemas.microsoft.com/office/drawing/2014/main" id="{46AF2F55-E1AF-C974-8BFC-A5D681FAA101}"/>
+                <a16:creationId xmlns:a16="http://schemas.microsoft.com/office/drawing/2014/main" id="{A0E233A6-4544-2017-9866-17DC38E844AB}"/>
               </a:ext>
             </a:extLst>
           </p:cNvPr>
@@ -6019,7 +6029,7 @@
           <a:p>
             <a:r>
               <a:rPr lang="en-US" dirty="0"/>
-              <a:t>Regression Trees</a:t>
+              <a:t>Model Definition and Evaluation</a:t>
             </a:r>
           </a:p>
         </p:txBody>
@@ -6029,7 +6039,7 @@
           <p:cNvPr id="3" name="Content Placeholder 2">
             <a:extLst>
               <a:ext uri="{FF2B5EF4-FFF2-40B4-BE49-F238E27FC236}">
-                <a16:creationId xmlns:a16="http://schemas.microsoft.com/office/drawing/2014/main" id="{30DCC5A0-0C16-47E8-DE5D-62D4762E7764}"/>
+                <a16:creationId xmlns:a16="http://schemas.microsoft.com/office/drawing/2014/main" id="{9DCFE856-917A-09CF-14F1-5B2C2CFCBE6B}"/>
               </a:ext>
             </a:extLst>
           </p:cNvPr>
@@ -6047,26 +6057,57 @@
           <a:p>
             <a:r>
               <a:rPr lang="en-US" dirty="0"/>
-              <a:t>Bagging: Random Forest</a:t>
+              <a:t>Discuss the models you've implemented, the feature engineering steps you've taken, and how you evaluated their performance. Include a screenshot of the code you used to implement the model.</a:t>
             </a:r>
           </a:p>
           <a:p>
             <a:r>
               <a:rPr lang="en-US" dirty="0"/>
-              <a:t>Boosting: </a:t>
+              <a:t>3-4 slides</a:t>
+            </a:r>
+          </a:p>
+          <a:p>
+            <a:r>
+              <a:rPr lang="en-US" dirty="0"/>
+              <a:t>RNNs: GRU/LSTM</a:t>
+            </a:r>
+          </a:p>
+          <a:p>
+            <a:r>
+              <a:rPr lang="en-US" dirty="0"/>
+              <a:t>Tree models: Random Forest &amp; Gradient boosting (</a:t>
             </a:r>
             <a:r>
               <a:rPr lang="en-US" dirty="0" err="1"/>
-              <a:t>LightGBM</a:t>
-            </a:r>
-            <a:endParaRPr lang="en-US" dirty="0"/>
+              <a:t>lightGBM</a:t>
+            </a:r>
+            <a:r>
+              <a:rPr lang="en-US" dirty="0"/>
+              <a:t>)</a:t>
+            </a:r>
+          </a:p>
+          <a:p>
+            <a:r>
+              <a:rPr lang="en-US" dirty="0" err="1"/>
+              <a:t>Tigramite</a:t>
+            </a:r>
+            <a:r>
+              <a:rPr lang="en-US" dirty="0"/>
+              <a:t>: Causal analysis</a:t>
+            </a:r>
+          </a:p>
+          <a:p>
+            <a:r>
+              <a:rPr lang="en-US" dirty="0"/>
+              <a:t>N-Beats / N-Hits</a:t>
+            </a:r>
           </a:p>
         </p:txBody>
       </p:sp>
     </p:spTree>
     <p:extLst>
       <p:ext uri="{BB962C8B-B14F-4D97-AF65-F5344CB8AC3E}">
-        <p14:creationId xmlns:p14="http://schemas.microsoft.com/office/powerpoint/2010/main" val="102788189"/>
+        <p14:creationId xmlns:p14="http://schemas.microsoft.com/office/powerpoint/2010/main" val="1354609624"/>
       </p:ext>
     </p:extLst>
   </p:cSld>
@@ -6098,7 +6139,7 @@
           <p:cNvPr id="2" name="Title 1">
             <a:extLst>
               <a:ext uri="{FF2B5EF4-FFF2-40B4-BE49-F238E27FC236}">
-                <a16:creationId xmlns:a16="http://schemas.microsoft.com/office/drawing/2014/main" id="{AA007FCC-F28F-0A97-BB65-17A7770D1EDE}"/>
+                <a16:creationId xmlns:a16="http://schemas.microsoft.com/office/drawing/2014/main" id="{5275BA05-6DC6-4514-549A-77F76278F7FC}"/>
               </a:ext>
             </a:extLst>
           </p:cNvPr>
@@ -6116,7 +6157,7 @@
           <a:p>
             <a:r>
               <a:rPr lang="en-US" dirty="0"/>
-              <a:t>Modern Deep Learning Architectures</a:t>
+              <a:t>Recurrent Neural Networks</a:t>
             </a:r>
           </a:p>
         </p:txBody>
@@ -6126,7 +6167,7 @@
           <p:cNvPr id="3" name="Content Placeholder 2">
             <a:extLst>
               <a:ext uri="{FF2B5EF4-FFF2-40B4-BE49-F238E27FC236}">
-                <a16:creationId xmlns:a16="http://schemas.microsoft.com/office/drawing/2014/main" id="{844C6CC3-D6F7-E69E-4503-1CF1D3F24F53}"/>
+                <a16:creationId xmlns:a16="http://schemas.microsoft.com/office/drawing/2014/main" id="{5ECD3F24-07AE-8EF9-749F-37436E0BF4C6}"/>
               </a:ext>
             </a:extLst>
           </p:cNvPr>
@@ -6144,7 +6185,13 @@
           <a:p>
             <a:r>
               <a:rPr lang="en-US" dirty="0"/>
-              <a:t>N-Beats / N-Hits</a:t>
+              <a:t>LSTM</a:t>
+            </a:r>
+          </a:p>
+          <a:p>
+            <a:r>
+              <a:rPr lang="en-US" dirty="0"/>
+              <a:t>GRU</a:t>
             </a:r>
           </a:p>
         </p:txBody>
@@ -6152,7 +6199,7 @@
     </p:spTree>
     <p:extLst>
       <p:ext uri="{BB962C8B-B14F-4D97-AF65-F5344CB8AC3E}">
-        <p14:creationId xmlns:p14="http://schemas.microsoft.com/office/powerpoint/2010/main" val="530752981"/>
+        <p14:creationId xmlns:p14="http://schemas.microsoft.com/office/powerpoint/2010/main" val="3226728733"/>
       </p:ext>
     </p:extLst>
   </p:cSld>
@@ -6184,6 +6231,189 @@
           <p:cNvPr id="2" name="Title 1">
             <a:extLst>
               <a:ext uri="{FF2B5EF4-FFF2-40B4-BE49-F238E27FC236}">
+                <a16:creationId xmlns:a16="http://schemas.microsoft.com/office/drawing/2014/main" id="{46AF2F55-E1AF-C974-8BFC-A5D681FAA101}"/>
+              </a:ext>
+            </a:extLst>
+          </p:cNvPr>
+          <p:cNvSpPr>
+            <a:spLocks noGrp="1"/>
+          </p:cNvSpPr>
+          <p:nvPr>
+            <p:ph type="title"/>
+          </p:nvPr>
+        </p:nvSpPr>
+        <p:spPr/>
+        <p:txBody>
+          <a:bodyPr/>
+          <a:lstStyle/>
+          <a:p>
+            <a:r>
+              <a:rPr lang="en-US" dirty="0"/>
+              <a:t>Regression Trees</a:t>
+            </a:r>
+          </a:p>
+        </p:txBody>
+      </p:sp>
+      <p:sp>
+        <p:nvSpPr>
+          <p:cNvPr id="3" name="Content Placeholder 2">
+            <a:extLst>
+              <a:ext uri="{FF2B5EF4-FFF2-40B4-BE49-F238E27FC236}">
+                <a16:creationId xmlns:a16="http://schemas.microsoft.com/office/drawing/2014/main" id="{30DCC5A0-0C16-47E8-DE5D-62D4762E7764}"/>
+              </a:ext>
+            </a:extLst>
+          </p:cNvPr>
+          <p:cNvSpPr>
+            <a:spLocks noGrp="1"/>
+          </p:cNvSpPr>
+          <p:nvPr>
+            <p:ph idx="1"/>
+          </p:nvPr>
+        </p:nvSpPr>
+        <p:spPr/>
+        <p:txBody>
+          <a:bodyPr/>
+          <a:lstStyle/>
+          <a:p>
+            <a:r>
+              <a:rPr lang="en-US" dirty="0"/>
+              <a:t>Bagging: Random Forest</a:t>
+            </a:r>
+          </a:p>
+          <a:p>
+            <a:r>
+              <a:rPr lang="en-US" dirty="0"/>
+              <a:t>Boosting: </a:t>
+            </a:r>
+            <a:r>
+              <a:rPr lang="en-US" dirty="0" err="1"/>
+              <a:t>LightGBM</a:t>
+            </a:r>
+            <a:endParaRPr lang="en-US" dirty="0"/>
+          </a:p>
+        </p:txBody>
+      </p:sp>
+    </p:spTree>
+    <p:extLst>
+      <p:ext uri="{BB962C8B-B14F-4D97-AF65-F5344CB8AC3E}">
+        <p14:creationId xmlns:p14="http://schemas.microsoft.com/office/powerpoint/2010/main" val="102788189"/>
+      </p:ext>
+    </p:extLst>
+  </p:cSld>
+  <p:clrMapOvr>
+    <a:masterClrMapping/>
+  </p:clrMapOvr>
+</p:sld>
+</file>
+
+<file path=ppt/slides/slide17.xml><?xml version="1.0" encoding="utf-8"?>
+<p:sld xmlns:a="http://schemas.openxmlformats.org/drawingml/2006/main" xmlns:r="http://schemas.openxmlformats.org/officeDocument/2006/relationships" xmlns:p="http://schemas.openxmlformats.org/presentationml/2006/main">
+  <p:cSld>
+    <p:spTree>
+      <p:nvGrpSpPr>
+        <p:cNvPr id="1" name=""/>
+        <p:cNvGrpSpPr/>
+        <p:nvPr/>
+      </p:nvGrpSpPr>
+      <p:grpSpPr>
+        <a:xfrm>
+          <a:off x="0" y="0"/>
+          <a:ext cx="0" cy="0"/>
+          <a:chOff x="0" y="0"/>
+          <a:chExt cx="0" cy="0"/>
+        </a:xfrm>
+      </p:grpSpPr>
+      <p:sp>
+        <p:nvSpPr>
+          <p:cNvPr id="2" name="Title 1">
+            <a:extLst>
+              <a:ext uri="{FF2B5EF4-FFF2-40B4-BE49-F238E27FC236}">
+                <a16:creationId xmlns:a16="http://schemas.microsoft.com/office/drawing/2014/main" id="{AA007FCC-F28F-0A97-BB65-17A7770D1EDE}"/>
+              </a:ext>
+            </a:extLst>
+          </p:cNvPr>
+          <p:cNvSpPr>
+            <a:spLocks noGrp="1"/>
+          </p:cNvSpPr>
+          <p:nvPr>
+            <p:ph type="title"/>
+          </p:nvPr>
+        </p:nvSpPr>
+        <p:spPr/>
+        <p:txBody>
+          <a:bodyPr/>
+          <a:lstStyle/>
+          <a:p>
+            <a:r>
+              <a:rPr lang="en-US" dirty="0"/>
+              <a:t>Modern Deep Learning Architectures</a:t>
+            </a:r>
+          </a:p>
+        </p:txBody>
+      </p:sp>
+      <p:sp>
+        <p:nvSpPr>
+          <p:cNvPr id="3" name="Content Placeholder 2">
+            <a:extLst>
+              <a:ext uri="{FF2B5EF4-FFF2-40B4-BE49-F238E27FC236}">
+                <a16:creationId xmlns:a16="http://schemas.microsoft.com/office/drawing/2014/main" id="{844C6CC3-D6F7-E69E-4503-1CF1D3F24F53}"/>
+              </a:ext>
+            </a:extLst>
+          </p:cNvPr>
+          <p:cNvSpPr>
+            <a:spLocks noGrp="1"/>
+          </p:cNvSpPr>
+          <p:nvPr>
+            <p:ph idx="1"/>
+          </p:nvPr>
+        </p:nvSpPr>
+        <p:spPr/>
+        <p:txBody>
+          <a:bodyPr/>
+          <a:lstStyle/>
+          <a:p>
+            <a:r>
+              <a:rPr lang="en-US" dirty="0"/>
+              <a:t>N-Beats / N-Hits</a:t>
+            </a:r>
+          </a:p>
+        </p:txBody>
+      </p:sp>
+    </p:spTree>
+    <p:extLst>
+      <p:ext uri="{BB962C8B-B14F-4D97-AF65-F5344CB8AC3E}">
+        <p14:creationId xmlns:p14="http://schemas.microsoft.com/office/powerpoint/2010/main" val="530752981"/>
+      </p:ext>
+    </p:extLst>
+  </p:cSld>
+  <p:clrMapOvr>
+    <a:masterClrMapping/>
+  </p:clrMapOvr>
+</p:sld>
+</file>
+
+<file path=ppt/slides/slide18.xml><?xml version="1.0" encoding="utf-8"?>
+<p:sld xmlns:a="http://schemas.openxmlformats.org/drawingml/2006/main" xmlns:r="http://schemas.openxmlformats.org/officeDocument/2006/relationships" xmlns:p="http://schemas.openxmlformats.org/presentationml/2006/main">
+  <p:cSld>
+    <p:spTree>
+      <p:nvGrpSpPr>
+        <p:cNvPr id="1" name=""/>
+        <p:cNvGrpSpPr/>
+        <p:nvPr/>
+      </p:nvGrpSpPr>
+      <p:grpSpPr>
+        <a:xfrm>
+          <a:off x="0" y="0"/>
+          <a:ext cx="0" cy="0"/>
+          <a:chOff x="0" y="0"/>
+          <a:chExt cx="0" cy="0"/>
+        </a:xfrm>
+      </p:grpSpPr>
+      <p:sp>
+        <p:nvSpPr>
+          <p:cNvPr id="2" name="Title 1">
+            <a:extLst>
+              <a:ext uri="{FF2B5EF4-FFF2-40B4-BE49-F238E27FC236}">
                 <a16:creationId xmlns:a16="http://schemas.microsoft.com/office/drawing/2014/main" id="{B4D73EE9-719A-803E-1101-FAAB7D842867}"/>
               </a:ext>
             </a:extLst>
@@ -6249,7 +6479,7 @@
 </p:sld>
 </file>
 
-<file path=ppt/slides/slide17.xml><?xml version="1.0" encoding="utf-8"?>
+<file path=ppt/slides/slide19.xml><?xml version="1.0" encoding="utf-8"?>
 <p:sld xmlns:a="http://schemas.openxmlformats.org/drawingml/2006/main" xmlns:r="http://schemas.openxmlformats.org/officeDocument/2006/relationships" xmlns:p="http://schemas.openxmlformats.org/presentationml/2006/main">
   <p:cSld>
     <p:spTree>
@@ -6394,202 +6624,6 @@
 </p:sld>
 </file>
 
-<file path=ppt/slides/slide18.xml><?xml version="1.0" encoding="utf-8"?>
-<p:sld xmlns:a="http://schemas.openxmlformats.org/drawingml/2006/main" xmlns:r="http://schemas.openxmlformats.org/officeDocument/2006/relationships" xmlns:p="http://schemas.openxmlformats.org/presentationml/2006/main">
-  <p:cSld>
-    <p:spTree>
-      <p:nvGrpSpPr>
-        <p:cNvPr id="1" name=""/>
-        <p:cNvGrpSpPr/>
-        <p:nvPr/>
-      </p:nvGrpSpPr>
-      <p:grpSpPr>
-        <a:xfrm>
-          <a:off x="0" y="0"/>
-          <a:ext cx="0" cy="0"/>
-          <a:chOff x="0" y="0"/>
-          <a:chExt cx="0" cy="0"/>
-        </a:xfrm>
-      </p:grpSpPr>
-      <p:sp>
-        <p:nvSpPr>
-          <p:cNvPr id="2" name="Title 1">
-            <a:extLst>
-              <a:ext uri="{FF2B5EF4-FFF2-40B4-BE49-F238E27FC236}">
-                <a16:creationId xmlns:a16="http://schemas.microsoft.com/office/drawing/2014/main" id="{0BBBAA32-884A-D594-809F-CE812417F52A}"/>
-              </a:ext>
-            </a:extLst>
-          </p:cNvPr>
-          <p:cNvSpPr>
-            <a:spLocks noGrp="1"/>
-          </p:cNvSpPr>
-          <p:nvPr>
-            <p:ph type="title"/>
-          </p:nvPr>
-        </p:nvSpPr>
-        <p:spPr/>
-        <p:txBody>
-          <a:bodyPr/>
-          <a:lstStyle/>
-          <a:p>
-            <a:r>
-              <a:rPr lang="en-US" dirty="0"/>
-              <a:t>Challenges and Errors</a:t>
-            </a:r>
-          </a:p>
-        </p:txBody>
-      </p:sp>
-      <p:sp>
-        <p:nvSpPr>
-          <p:cNvPr id="3" name="Content Placeholder 2">
-            <a:extLst>
-              <a:ext uri="{FF2B5EF4-FFF2-40B4-BE49-F238E27FC236}">
-                <a16:creationId xmlns:a16="http://schemas.microsoft.com/office/drawing/2014/main" id="{EB5228B9-51D1-6CA4-6DF8-C81CB4E1F3FE}"/>
-              </a:ext>
-            </a:extLst>
-          </p:cNvPr>
-          <p:cNvSpPr>
-            <a:spLocks noGrp="1"/>
-          </p:cNvSpPr>
-          <p:nvPr>
-            <p:ph idx="1"/>
-          </p:nvPr>
-        </p:nvSpPr>
-        <p:spPr/>
-        <p:txBody>
-          <a:bodyPr/>
-          <a:lstStyle/>
-          <a:p>
-            <a:r>
-              <a:rPr lang="en-US" dirty="0"/>
-              <a:t>Discuss the most challenging issue or error you encountered during the data preparation or modeling phase, and how you overcame it.</a:t>
-            </a:r>
-          </a:p>
-          <a:p>
-            <a:r>
-              <a:rPr lang="en-US" dirty="0"/>
-              <a:t>Missing data: Preprocessed data linearly interpolated all missing dates</a:t>
-            </a:r>
-          </a:p>
-          <a:p>
-            <a:pPr marL="457200" lvl="1" indent="0">
-              <a:buNone/>
-            </a:pPr>
-            <a:r>
-              <a:rPr lang="en-US" dirty="0">
-                <a:sym typeface="Wingdings" pitchFamily="2" charset="2"/>
-              </a:rPr>
-              <a:t> Mean interpolation</a:t>
-            </a:r>
-            <a:endParaRPr lang="en-US" dirty="0"/>
-          </a:p>
-        </p:txBody>
-      </p:sp>
-    </p:spTree>
-    <p:extLst>
-      <p:ext uri="{BB962C8B-B14F-4D97-AF65-F5344CB8AC3E}">
-        <p14:creationId xmlns:p14="http://schemas.microsoft.com/office/powerpoint/2010/main" val="241819360"/>
-      </p:ext>
-    </p:extLst>
-  </p:cSld>
-  <p:clrMapOvr>
-    <a:masterClrMapping/>
-  </p:clrMapOvr>
-</p:sld>
-</file>
-
-<file path=ppt/slides/slide19.xml><?xml version="1.0" encoding="utf-8"?>
-<p:sld xmlns:a="http://schemas.openxmlformats.org/drawingml/2006/main" xmlns:r="http://schemas.openxmlformats.org/officeDocument/2006/relationships" xmlns:p="http://schemas.openxmlformats.org/presentationml/2006/main">
-  <p:cSld>
-    <p:spTree>
-      <p:nvGrpSpPr>
-        <p:cNvPr id="1" name=""/>
-        <p:cNvGrpSpPr/>
-        <p:nvPr/>
-      </p:nvGrpSpPr>
-      <p:grpSpPr>
-        <a:xfrm>
-          <a:off x="0" y="0"/>
-          <a:ext cx="0" cy="0"/>
-          <a:chOff x="0" y="0"/>
-          <a:chExt cx="0" cy="0"/>
-        </a:xfrm>
-      </p:grpSpPr>
-      <p:sp>
-        <p:nvSpPr>
-          <p:cNvPr id="2" name="Title 1">
-            <a:extLst>
-              <a:ext uri="{FF2B5EF4-FFF2-40B4-BE49-F238E27FC236}">
-                <a16:creationId xmlns:a16="http://schemas.microsoft.com/office/drawing/2014/main" id="{83CDDF9E-7041-D926-50DB-4C06D8A246C9}"/>
-              </a:ext>
-            </a:extLst>
-          </p:cNvPr>
-          <p:cNvSpPr>
-            <a:spLocks noGrp="1"/>
-          </p:cNvSpPr>
-          <p:nvPr>
-            <p:ph type="title"/>
-          </p:nvPr>
-        </p:nvSpPr>
-        <p:spPr/>
-        <p:txBody>
-          <a:bodyPr/>
-          <a:lstStyle/>
-          <a:p>
-            <a:r>
-              <a:rPr lang="en-US" dirty="0"/>
-              <a:t>Discussion</a:t>
-            </a:r>
-          </a:p>
-        </p:txBody>
-      </p:sp>
-      <p:sp>
-        <p:nvSpPr>
-          <p:cNvPr id="3" name="Content Placeholder 2">
-            <a:extLst>
-              <a:ext uri="{FF2B5EF4-FFF2-40B4-BE49-F238E27FC236}">
-                <a16:creationId xmlns:a16="http://schemas.microsoft.com/office/drawing/2014/main" id="{A496CC16-5C9F-0936-7A07-24EFB83DFA37}"/>
-              </a:ext>
-            </a:extLst>
-          </p:cNvPr>
-          <p:cNvSpPr>
-            <a:spLocks noGrp="1"/>
-          </p:cNvSpPr>
-          <p:nvPr>
-            <p:ph idx="1"/>
-          </p:nvPr>
-        </p:nvSpPr>
-        <p:spPr/>
-        <p:txBody>
-          <a:bodyPr/>
-          <a:lstStyle/>
-          <a:p>
-            <a:r>
-              <a:rPr lang="en-US" dirty="0"/>
-              <a:t>Reflect on the performance of your models compared to the baseline, and discuss any limitations and future work.</a:t>
-            </a:r>
-          </a:p>
-          <a:p>
-            <a:r>
-              <a:rPr lang="en-US" dirty="0"/>
-              <a:t>1-2 slides</a:t>
-            </a:r>
-          </a:p>
-        </p:txBody>
-      </p:sp>
-    </p:spTree>
-    <p:extLst>
-      <p:ext uri="{BB962C8B-B14F-4D97-AF65-F5344CB8AC3E}">
-        <p14:creationId xmlns:p14="http://schemas.microsoft.com/office/powerpoint/2010/main" val="2330129412"/>
-      </p:ext>
-    </p:extLst>
-  </p:cSld>
-  <p:clrMapOvr>
-    <a:masterClrMapping/>
-  </p:clrMapOvr>
-</p:sld>
-</file>
-
 <file path=ppt/slides/slide2.xml><?xml version="1.0" encoding="utf-8"?>
 <p:sld xmlns:a="http://schemas.openxmlformats.org/drawingml/2006/main" xmlns:r="http://schemas.openxmlformats.org/officeDocument/2006/relationships" xmlns:p="http://schemas.openxmlformats.org/presentationml/2006/main">
   <p:cSld>
@@ -6716,29 +6750,7 @@
             <a:pPr lvl="1"/>
             <a:r>
               <a:rPr lang="en-US" dirty="0"/>
-              <a:t>Insulin dose administration</a:t>
-            </a:r>
-          </a:p>
-          <a:p>
-            <a:pPr lvl="1"/>
-            <a:r>
-              <a:rPr lang="en-US" dirty="0"/>
-              <a:t>Meal ingestion counted in servings (10 </a:t>
-            </a:r>
-            <a:r>
-              <a:rPr lang="en-US" dirty="0" err="1"/>
-              <a:t>cals</a:t>
-            </a:r>
-            <a:r>
-              <a:rPr lang="en-US" dirty="0"/>
-              <a:t>)</a:t>
-            </a:r>
-          </a:p>
-          <a:p>
-            <a:pPr lvl="1"/>
-            <a:r>
-              <a:rPr lang="en-US" dirty="0"/>
-              <a:t>Fitness tracker: steps, calories burned, heart rate, and sleep quality and quantity</a:t>
+              <a:t>Additional: Insulin dose administration, Carb input, Fitness tracker data</a:t>
             </a:r>
           </a:p>
         </p:txBody>
@@ -6778,7 +6790,7 @@
           <p:cNvPr id="2" name="Title 1">
             <a:extLst>
               <a:ext uri="{FF2B5EF4-FFF2-40B4-BE49-F238E27FC236}">
-                <a16:creationId xmlns:a16="http://schemas.microsoft.com/office/drawing/2014/main" id="{AF07BE8F-21CF-4586-425F-0349A4A42363}"/>
+                <a16:creationId xmlns:a16="http://schemas.microsoft.com/office/drawing/2014/main" id="{0BBBAA32-884A-D594-809F-CE812417F52A}"/>
               </a:ext>
             </a:extLst>
           </p:cNvPr>
@@ -6796,7 +6808,7 @@
           <a:p>
             <a:r>
               <a:rPr lang="en-US" dirty="0"/>
-              <a:t>Outlook</a:t>
+              <a:t>Challenges and Errors</a:t>
             </a:r>
           </a:p>
         </p:txBody>
@@ -6806,7 +6818,7 @@
           <p:cNvPr id="3" name="Content Placeholder 2">
             <a:extLst>
               <a:ext uri="{FF2B5EF4-FFF2-40B4-BE49-F238E27FC236}">
-                <a16:creationId xmlns:a16="http://schemas.microsoft.com/office/drawing/2014/main" id="{B3797788-AE32-7590-BE5A-1D9A7A989D7C}"/>
+                <a16:creationId xmlns:a16="http://schemas.microsoft.com/office/drawing/2014/main" id="{EB5228B9-51D1-6CA4-6DF8-C81CB4E1F3FE}"/>
               </a:ext>
             </a:extLst>
           </p:cNvPr>
@@ -6824,21 +6836,82 @@
           <a:p>
             <a:r>
               <a:rPr lang="en-US" dirty="0"/>
-              <a:t>Anthropometrics (age, gender, height, etc.)</a:t>
+              <a:t>Discuss the most challenging issue or error you encountered during the data preparation or modeling phase, and how you overcame it.</a:t>
             </a:r>
           </a:p>
           <a:p>
             <a:r>
               <a:rPr lang="en-US" dirty="0"/>
-              <a:t>Sleep?</a:t>
-            </a:r>
-          </a:p>
-        </p:txBody>
-      </p:sp>
+              <a:t>Missing data: Preprocessed data linearly interpolated for all missing dates</a:t>
+            </a:r>
+          </a:p>
+          <a:p>
+            <a:pPr marL="457200" lvl="1" indent="0">
+              <a:buNone/>
+            </a:pPr>
+            <a:endParaRPr lang="en-US" dirty="0">
+              <a:sym typeface="Wingdings" pitchFamily="2" charset="2"/>
+            </a:endParaRPr>
+          </a:p>
+          <a:p>
+            <a:r>
+              <a:rPr lang="en-US" dirty="0"/>
+              <a:t>Data leakage?</a:t>
+            </a:r>
+          </a:p>
+        </p:txBody>
+      </p:sp>
+      <p:pic>
+        <p:nvPicPr>
+          <p:cNvPr id="1026" name="Picture 2">
+            <a:extLst>
+              <a:ext uri="{FF2B5EF4-FFF2-40B4-BE49-F238E27FC236}">
+                <a16:creationId xmlns:a16="http://schemas.microsoft.com/office/drawing/2014/main" id="{E7CBB80B-DEA6-6696-A7A8-7D9C7C5C63A1}"/>
+              </a:ext>
+            </a:extLst>
+          </p:cNvPr>
+          <p:cNvPicPr>
+            <a:picLocks noChangeAspect="1" noChangeArrowheads="1"/>
+          </p:cNvPicPr>
+          <p:nvPr/>
+        </p:nvPicPr>
+        <p:blipFill>
+          <a:blip r:embed="rId2">
+            <a:extLst>
+              <a:ext uri="{28A0092B-C50C-407E-A947-70E740481C1C}">
+                <a14:useLocalDpi xmlns:a14="http://schemas.microsoft.com/office/drawing/2010/main" val="0"/>
+              </a:ext>
+            </a:extLst>
+          </a:blip>
+          <a:srcRect/>
+          <a:stretch>
+            <a:fillRect/>
+          </a:stretch>
+        </p:blipFill>
+        <p:spPr bwMode="auto">
+          <a:xfrm>
+            <a:off x="6492240" y="3156122"/>
+            <a:ext cx="5516381" cy="2915494"/>
+          </a:xfrm>
+          <a:prstGeom prst="rect">
+            <a:avLst/>
+          </a:prstGeom>
+          <a:noFill/>
+          <a:extLst>
+            <a:ext uri="{909E8E84-426E-40DD-AFC4-6F175D3DCCD1}">
+              <a14:hiddenFill xmlns:a14="http://schemas.microsoft.com/office/drawing/2010/main">
+                <a:solidFill>
+                  <a:srgbClr val="FFFFFF"/>
+                </a:solidFill>
+              </a14:hiddenFill>
+            </a:ext>
+          </a:extLst>
+        </p:spPr>
+      </p:pic>
     </p:spTree>
     <p:extLst>
       <p:ext uri="{BB962C8B-B14F-4D97-AF65-F5344CB8AC3E}">
-        <p14:creationId xmlns:p14="http://schemas.microsoft.com/office/powerpoint/2010/main" val="3095436808"/>
+        <p14:creationId xmlns:p14="http://schemas.microsoft.com/office/powerpoint/2010/main" val="241819360"/>
       </p:ext>
     </p:extLst>
   </p:cSld>
@@ -6870,6 +6943,190 @@
           <p:cNvPr id="2" name="Title 1">
             <a:extLst>
               <a:ext uri="{FF2B5EF4-FFF2-40B4-BE49-F238E27FC236}">
+                <a16:creationId xmlns:a16="http://schemas.microsoft.com/office/drawing/2014/main" id="{83CDDF9E-7041-D926-50DB-4C06D8A246C9}"/>
+              </a:ext>
+            </a:extLst>
+          </p:cNvPr>
+          <p:cNvSpPr>
+            <a:spLocks noGrp="1"/>
+          </p:cNvSpPr>
+          <p:nvPr>
+            <p:ph type="title"/>
+          </p:nvPr>
+        </p:nvSpPr>
+        <p:spPr/>
+        <p:txBody>
+          <a:bodyPr/>
+          <a:lstStyle/>
+          <a:p>
+            <a:r>
+              <a:rPr lang="en-US" dirty="0"/>
+              <a:t>Discussion</a:t>
+            </a:r>
+          </a:p>
+        </p:txBody>
+      </p:sp>
+      <p:sp>
+        <p:nvSpPr>
+          <p:cNvPr id="3" name="Content Placeholder 2">
+            <a:extLst>
+              <a:ext uri="{FF2B5EF4-FFF2-40B4-BE49-F238E27FC236}">
+                <a16:creationId xmlns:a16="http://schemas.microsoft.com/office/drawing/2014/main" id="{A496CC16-5C9F-0936-7A07-24EFB83DFA37}"/>
+              </a:ext>
+            </a:extLst>
+          </p:cNvPr>
+          <p:cNvSpPr>
+            <a:spLocks noGrp="1"/>
+          </p:cNvSpPr>
+          <p:nvPr>
+            <p:ph idx="1"/>
+          </p:nvPr>
+        </p:nvSpPr>
+        <p:spPr/>
+        <p:txBody>
+          <a:bodyPr/>
+          <a:lstStyle/>
+          <a:p>
+            <a:r>
+              <a:rPr lang="en-US" dirty="0"/>
+              <a:t>Reflect on the performance of your models compared to the baseline, and discuss any limitations and future work.</a:t>
+            </a:r>
+          </a:p>
+          <a:p>
+            <a:r>
+              <a:rPr lang="en-US" dirty="0"/>
+              <a:t>1-2 slides</a:t>
+            </a:r>
+          </a:p>
+        </p:txBody>
+      </p:sp>
+    </p:spTree>
+    <p:extLst>
+      <p:ext uri="{BB962C8B-B14F-4D97-AF65-F5344CB8AC3E}">
+        <p14:creationId xmlns:p14="http://schemas.microsoft.com/office/powerpoint/2010/main" val="2330129412"/>
+      </p:ext>
+    </p:extLst>
+  </p:cSld>
+  <p:clrMapOvr>
+    <a:masterClrMapping/>
+  </p:clrMapOvr>
+</p:sld>
+</file>
+
+<file path=ppt/slides/slide22.xml><?xml version="1.0" encoding="utf-8"?>
+<p:sld xmlns:a="http://schemas.openxmlformats.org/drawingml/2006/main" xmlns:r="http://schemas.openxmlformats.org/officeDocument/2006/relationships" xmlns:p="http://schemas.openxmlformats.org/presentationml/2006/main">
+  <p:cSld>
+    <p:spTree>
+      <p:nvGrpSpPr>
+        <p:cNvPr id="1" name=""/>
+        <p:cNvGrpSpPr/>
+        <p:nvPr/>
+      </p:nvGrpSpPr>
+      <p:grpSpPr>
+        <a:xfrm>
+          <a:off x="0" y="0"/>
+          <a:ext cx="0" cy="0"/>
+          <a:chOff x="0" y="0"/>
+          <a:chExt cx="0" cy="0"/>
+        </a:xfrm>
+      </p:grpSpPr>
+      <p:sp>
+        <p:nvSpPr>
+          <p:cNvPr id="2" name="Title 1">
+            <a:extLst>
+              <a:ext uri="{FF2B5EF4-FFF2-40B4-BE49-F238E27FC236}">
+                <a16:creationId xmlns:a16="http://schemas.microsoft.com/office/drawing/2014/main" id="{AF07BE8F-21CF-4586-425F-0349A4A42363}"/>
+              </a:ext>
+            </a:extLst>
+          </p:cNvPr>
+          <p:cNvSpPr>
+            <a:spLocks noGrp="1"/>
+          </p:cNvSpPr>
+          <p:nvPr>
+            <p:ph type="title"/>
+          </p:nvPr>
+        </p:nvSpPr>
+        <p:spPr/>
+        <p:txBody>
+          <a:bodyPr/>
+          <a:lstStyle/>
+          <a:p>
+            <a:r>
+              <a:rPr lang="en-US" dirty="0"/>
+              <a:t>Outlook</a:t>
+            </a:r>
+          </a:p>
+        </p:txBody>
+      </p:sp>
+      <p:sp>
+        <p:nvSpPr>
+          <p:cNvPr id="3" name="Content Placeholder 2">
+            <a:extLst>
+              <a:ext uri="{FF2B5EF4-FFF2-40B4-BE49-F238E27FC236}">
+                <a16:creationId xmlns:a16="http://schemas.microsoft.com/office/drawing/2014/main" id="{B3797788-AE32-7590-BE5A-1D9A7A989D7C}"/>
+              </a:ext>
+            </a:extLst>
+          </p:cNvPr>
+          <p:cNvSpPr>
+            <a:spLocks noGrp="1"/>
+          </p:cNvSpPr>
+          <p:nvPr>
+            <p:ph idx="1"/>
+          </p:nvPr>
+        </p:nvSpPr>
+        <p:spPr/>
+        <p:txBody>
+          <a:bodyPr/>
+          <a:lstStyle/>
+          <a:p>
+            <a:r>
+              <a:rPr lang="en-US" dirty="0"/>
+              <a:t>Anthropometrics (age, gender, height, etc.)</a:t>
+            </a:r>
+          </a:p>
+          <a:p>
+            <a:r>
+              <a:rPr lang="en-US" dirty="0"/>
+              <a:t>Sleep?</a:t>
+            </a:r>
+          </a:p>
+        </p:txBody>
+      </p:sp>
+    </p:spTree>
+    <p:extLst>
+      <p:ext uri="{BB962C8B-B14F-4D97-AF65-F5344CB8AC3E}">
+        <p14:creationId xmlns:p14="http://schemas.microsoft.com/office/powerpoint/2010/main" val="3095436808"/>
+      </p:ext>
+    </p:extLst>
+  </p:cSld>
+  <p:clrMapOvr>
+    <a:masterClrMapping/>
+  </p:clrMapOvr>
+</p:sld>
+</file>
+
+<file path=ppt/slides/slide23.xml><?xml version="1.0" encoding="utf-8"?>
+<p:sld xmlns:a="http://schemas.openxmlformats.org/drawingml/2006/main" xmlns:r="http://schemas.openxmlformats.org/officeDocument/2006/relationships" xmlns:p="http://schemas.openxmlformats.org/presentationml/2006/main">
+  <p:cSld>
+    <p:spTree>
+      <p:nvGrpSpPr>
+        <p:cNvPr id="1" name=""/>
+        <p:cNvGrpSpPr/>
+        <p:nvPr/>
+      </p:nvGrpSpPr>
+      <p:grpSpPr>
+        <a:xfrm>
+          <a:off x="0" y="0"/>
+          <a:ext cx="0" cy="0"/>
+          <a:chOff x="0" y="0"/>
+          <a:chExt cx="0" cy="0"/>
+        </a:xfrm>
+      </p:grpSpPr>
+      <p:sp>
+        <p:nvSpPr>
+          <p:cNvPr id="2" name="Title 1">
+            <a:extLst>
+              <a:ext uri="{FF2B5EF4-FFF2-40B4-BE49-F238E27FC236}">
                 <a16:creationId xmlns:a16="http://schemas.microsoft.com/office/drawing/2014/main" id="{6B387DF1-7EAE-4941-D7DF-31DCA43B810F}"/>
               </a:ext>
             </a:extLst>
@@ -6934,9 +7191,23 @@
 <file path=ppt/slides/slide3.xml><?xml version="1.0" encoding="utf-8"?>
 <p:sld xmlns:a="http://schemas.openxmlformats.org/drawingml/2006/main" xmlns:r="http://schemas.openxmlformats.org/officeDocument/2006/relationships" xmlns:p="http://schemas.openxmlformats.org/presentationml/2006/main">
   <p:cSld>
+    <p:bg>
+      <p:bgPr>
+        <a:solidFill>
+          <a:schemeClr val="bg1"/>
+        </a:solidFill>
+        <a:effectLst/>
+      </p:bgPr>
+    </p:bg>
     <p:spTree>
       <p:nvGrpSpPr>
-        <p:cNvPr id="1" name=""/>
+        <p:cNvPr id="1" name="">
+          <a:extLst>
+            <a:ext uri="{FF2B5EF4-FFF2-40B4-BE49-F238E27FC236}">
+              <a16:creationId xmlns:a16="http://schemas.microsoft.com/office/drawing/2014/main" id="{675F5172-7AAD-E9D8-0E79-75E8E37697EC}"/>
+            </a:ext>
+          </a:extLst>
+        </p:cNvPr>
         <p:cNvGrpSpPr/>
         <p:nvPr/>
       </p:nvGrpSpPr>
@@ -6948,12 +7219,312 @@
           <a:chExt cx="0" cy="0"/>
         </a:xfrm>
       </p:grpSpPr>
+      <p:sp useBgFill="1">
+        <p:nvSpPr>
+          <p:cNvPr id="18" name="Rectangle 17">
+            <a:extLst>
+              <a:ext uri="{FF2B5EF4-FFF2-40B4-BE49-F238E27FC236}">
+                <a16:creationId xmlns:a16="http://schemas.microsoft.com/office/drawing/2014/main" id="{6ACA6F80-D392-A64E-3CF8-F28F1CCEE67B}"/>
+              </a:ext>
+              <a:ext uri="{C183D7F6-B498-43B3-948B-1728B52AA6E4}">
+                <adec:decorative xmlns:adec="http://schemas.microsoft.com/office/drawing/2017/decorative" val="1"/>
+              </a:ext>
+            </a:extLst>
+          </p:cNvPr>
+          <p:cNvSpPr>
+            <a:spLocks noGrp="1" noRot="1" noChangeAspect="1" noMove="1" noResize="1" noEditPoints="1" noAdjustHandles="1" noChangeArrowheads="1" noChangeShapeType="1" noTextEdit="1"/>
+          </p:cNvSpPr>
+          <p:nvPr>
+            <p:extLst>
+              <p:ext uri="{386F3935-93C4-4BCD-93E2-E3B085C9AB24}">
+                <p16:designElem xmlns:p16="http://schemas.microsoft.com/office/powerpoint/2015/main" val="1"/>
+              </p:ext>
+            </p:extLst>
+          </p:nvPr>
+        </p:nvSpPr>
+        <p:spPr>
+          <a:xfrm>
+            <a:off x="0" y="0"/>
+            <a:ext cx="12192000" cy="6858000"/>
+          </a:xfrm>
+          <a:prstGeom prst="rect">
+            <a:avLst/>
+          </a:prstGeom>
+          <a:ln w="12700" cap="flat" cmpd="sng" algn="ctr">
+            <a:noFill/>
+            <a:prstDash val="solid"/>
+            <a:miter lim="800000"/>
+          </a:ln>
+          <a:effectLst/>
+          <a:extLst>
+            <a:ext uri="{91240B29-F687-4F45-9708-019B960494DF}">
+              <a14:hiddenLine xmlns:a14="http://schemas.microsoft.com/office/drawing/2010/main" w="12700" cap="flat" cmpd="sng" algn="ctr">
+                <a:solidFill>
+                  <a:schemeClr val="accent1">
+                    <a:shade val="15000"/>
+                  </a:schemeClr>
+                </a:solidFill>
+                <a:prstDash val="solid"/>
+                <a:miter lim="800000"/>
+              </a14:hiddenLine>
+            </a:ext>
+          </a:extLst>
+        </p:spPr>
+        <p:style>
+          <a:lnRef idx="2">
+            <a:schemeClr val="accent1">
+              <a:shade val="15000"/>
+            </a:schemeClr>
+          </a:lnRef>
+          <a:fillRef idx="1">
+            <a:schemeClr val="accent1"/>
+          </a:fillRef>
+          <a:effectRef idx="0">
+            <a:schemeClr val="accent1"/>
+          </a:effectRef>
+          <a:fontRef idx="minor">
+            <a:schemeClr val="lt1"/>
+          </a:fontRef>
+        </p:style>
+        <p:txBody>
+          <a:bodyPr rtlCol="0" anchor="ctr"/>
+          <a:lstStyle/>
+          <a:p>
+            <a:pPr marL="0" marR="0" lvl="0" indent="0" algn="ctr" defTabSz="914400" rtl="0" eaLnBrk="1" fontAlgn="auto" latinLnBrk="0" hangingPunct="1">
+              <a:lnSpc>
+                <a:spcPct val="100000"/>
+              </a:lnSpc>
+              <a:spcBef>
+                <a:spcPts val="0"/>
+              </a:spcBef>
+              <a:spcAft>
+                <a:spcPts val="0"/>
+              </a:spcAft>
+              <a:buClrTx/>
+              <a:buSzTx/>
+              <a:buFontTx/>
+              <a:buNone/>
+              <a:tabLst/>
+              <a:defRPr/>
+            </a:pPr>
+            <a:endParaRPr kumimoji="0" lang="en-US" sz="1800" b="0" i="0" u="none" strike="noStrike" kern="1200" cap="none" spc="0" normalizeH="0" baseline="0" noProof="0">
+              <a:ln>
+                <a:noFill/>
+              </a:ln>
+              <a:solidFill>
+                <a:prstClr val="white"/>
+              </a:solidFill>
+              <a:effectLst/>
+              <a:uLnTx/>
+              <a:uFillTx/>
+              <a:latin typeface="Neue Haas Grotesk Text Pro"/>
+              <a:ea typeface="+mn-ea"/>
+              <a:cs typeface="+mn-cs"/>
+            </a:endParaRPr>
+          </a:p>
+        </p:txBody>
+      </p:sp>
+      <p:sp>
+        <p:nvSpPr>
+          <p:cNvPr id="19" name="Rectangle 18">
+            <a:extLst>
+              <a:ext uri="{FF2B5EF4-FFF2-40B4-BE49-F238E27FC236}">
+                <a16:creationId xmlns:a16="http://schemas.microsoft.com/office/drawing/2014/main" id="{81097DDE-1D45-40A7-9F85-72AD9472A02D}"/>
+              </a:ext>
+              <a:ext uri="{C183D7F6-B498-43B3-948B-1728B52AA6E4}">
+                <adec:decorative xmlns:adec="http://schemas.microsoft.com/office/drawing/2017/decorative" val="1"/>
+              </a:ext>
+            </a:extLst>
+          </p:cNvPr>
+          <p:cNvSpPr>
+            <a:spLocks noGrp="1" noRot="1" noChangeAspect="1" noMove="1" noResize="1" noEditPoints="1" noAdjustHandles="1" noChangeArrowheads="1" noChangeShapeType="1" noTextEdit="1"/>
+          </p:cNvSpPr>
+          <p:nvPr>
+            <p:extLst>
+              <p:ext uri="{386F3935-93C4-4BCD-93E2-E3B085C9AB24}">
+                <p16:designElem xmlns:p16="http://schemas.microsoft.com/office/powerpoint/2015/main" val="1"/>
+              </p:ext>
+            </p:extLst>
+          </p:nvPr>
+        </p:nvSpPr>
+        <p:spPr>
+          <a:xfrm rot="10800000" flipH="1">
+            <a:off x="0" y="6400799"/>
+            <a:ext cx="12192000" cy="456773"/>
+          </a:xfrm>
+          <a:prstGeom prst="rect">
+            <a:avLst/>
+          </a:prstGeom>
+          <a:gradFill>
+            <a:gsLst>
+              <a:gs pos="14000">
+                <a:schemeClr val="accent4">
+                  <a:alpha val="28000"/>
+                </a:schemeClr>
+              </a:gs>
+              <a:gs pos="100000">
+                <a:schemeClr val="accent5">
+                  <a:alpha val="85000"/>
+                </a:schemeClr>
+              </a:gs>
+            </a:gsLst>
+            <a:lin ang="6000000" scaled="0"/>
+          </a:gradFill>
+          <a:ln>
+            <a:noFill/>
+          </a:ln>
+        </p:spPr>
+        <p:style>
+          <a:lnRef idx="2">
+            <a:schemeClr val="accent1">
+              <a:shade val="50000"/>
+            </a:schemeClr>
+          </a:lnRef>
+          <a:fillRef idx="1">
+            <a:schemeClr val="accent1"/>
+          </a:fillRef>
+          <a:effectRef idx="0">
+            <a:schemeClr val="accent1"/>
+          </a:effectRef>
+          <a:fontRef idx="minor">
+            <a:schemeClr val="lt1"/>
+          </a:fontRef>
+        </p:style>
+        <p:txBody>
+          <a:bodyPr rtlCol="0" anchor="ctr"/>
+          <a:lstStyle/>
+          <a:p>
+            <a:pPr algn="ctr"/>
+            <a:endParaRPr lang="en-US"/>
+          </a:p>
+        </p:txBody>
+      </p:sp>
+      <p:sp>
+        <p:nvSpPr>
+          <p:cNvPr id="20" name="Rectangle 19">
+            <a:extLst>
+              <a:ext uri="{FF2B5EF4-FFF2-40B4-BE49-F238E27FC236}">
+                <a16:creationId xmlns:a16="http://schemas.microsoft.com/office/drawing/2014/main" id="{415C4FE2-5362-FB30-4461-17307BE10C9C}"/>
+              </a:ext>
+              <a:ext uri="{C183D7F6-B498-43B3-948B-1728B52AA6E4}">
+                <adec:decorative xmlns:adec="http://schemas.microsoft.com/office/drawing/2017/decorative" val="1"/>
+              </a:ext>
+            </a:extLst>
+          </p:cNvPr>
+          <p:cNvSpPr>
+            <a:spLocks noGrp="1" noRot="1" noChangeAspect="1" noMove="1" noResize="1" noEditPoints="1" noAdjustHandles="1" noChangeArrowheads="1" noChangeShapeType="1" noTextEdit="1"/>
+          </p:cNvSpPr>
+          <p:nvPr>
+            <p:extLst>
+              <p:ext uri="{386F3935-93C4-4BCD-93E2-E3B085C9AB24}">
+                <p16:designElem xmlns:p16="http://schemas.microsoft.com/office/powerpoint/2015/main" val="1"/>
+              </p:ext>
+            </p:extLst>
+          </p:nvPr>
+        </p:nvSpPr>
+        <p:spPr>
+          <a:xfrm flipH="1">
+            <a:off x="4038600" y="6400799"/>
+            <a:ext cx="8153398" cy="456772"/>
+          </a:xfrm>
+          <a:prstGeom prst="rect">
+            <a:avLst/>
+          </a:prstGeom>
+          <a:gradFill>
+            <a:gsLst>
+              <a:gs pos="9000">
+                <a:schemeClr val="tx2">
+                  <a:lumMod val="50000"/>
+                  <a:lumOff val="50000"/>
+                  <a:alpha val="35000"/>
+                </a:schemeClr>
+              </a:gs>
+              <a:gs pos="99000">
+                <a:schemeClr val="accent2"/>
+              </a:gs>
+            </a:gsLst>
+            <a:lin ang="14400000" scaled="0"/>
+          </a:gradFill>
+          <a:ln>
+            <a:noFill/>
+          </a:ln>
+        </p:spPr>
+        <p:style>
+          <a:lnRef idx="2">
+            <a:schemeClr val="accent1">
+              <a:shade val="50000"/>
+            </a:schemeClr>
+          </a:lnRef>
+          <a:fillRef idx="1">
+            <a:schemeClr val="accent1"/>
+          </a:fillRef>
+          <a:effectRef idx="0">
+            <a:schemeClr val="accent1"/>
+          </a:effectRef>
+          <a:fontRef idx="minor">
+            <a:schemeClr val="lt1"/>
+          </a:fontRef>
+        </p:style>
+        <p:txBody>
+          <a:bodyPr rtlCol="0" anchor="ctr"/>
+          <a:lstStyle/>
+          <a:p>
+            <a:pPr algn="ctr"/>
+            <a:endParaRPr lang="en-US"/>
+          </a:p>
+        </p:txBody>
+      </p:sp>
+      <p:pic>
+        <p:nvPicPr>
+          <p:cNvPr id="7" name="Picture 2" descr="Normal Blood Sugar Levels">
+            <a:extLst>
+              <a:ext uri="{FF2B5EF4-FFF2-40B4-BE49-F238E27FC236}">
+                <a16:creationId xmlns:a16="http://schemas.microsoft.com/office/drawing/2014/main" id="{5A5E852D-6BC4-A5A6-34EF-F9BB5746A2E1}"/>
+              </a:ext>
+            </a:extLst>
+          </p:cNvPr>
+          <p:cNvPicPr>
+            <a:picLocks noChangeAspect="1" noChangeArrowheads="1"/>
+          </p:cNvPicPr>
+          <p:nvPr/>
+        </p:nvPicPr>
+        <p:blipFill>
+          <a:blip r:embed="rId2">
+            <a:extLst>
+              <a:ext uri="{28A0092B-C50C-407E-A947-70E740481C1C}">
+                <a14:useLocalDpi xmlns:a14="http://schemas.microsoft.com/office/drawing/2010/main" val="0"/>
+              </a:ext>
+            </a:extLst>
+          </a:blip>
+          <a:srcRect t="264"/>
+          <a:stretch/>
+        </p:blipFill>
+        <p:spPr bwMode="auto">
+          <a:xfrm>
+            <a:off x="614679" y="1901952"/>
+            <a:ext cx="4801194" cy="4297680"/>
+          </a:xfrm>
+          <a:prstGeom prst="rect">
+            <a:avLst/>
+          </a:prstGeom>
+          <a:noFill/>
+          <a:extLst>
+            <a:ext uri="{909E8E84-426E-40DD-AFC4-6F175D3DCCD1}">
+              <a14:hiddenFill xmlns:a14="http://schemas.microsoft.com/office/drawing/2010/main">
+                <a:solidFill>
+                  <a:srgbClr val="FFFFFF"/>
+                </a:solidFill>
+              </a14:hiddenFill>
+            </a:ext>
+          </a:extLst>
+        </p:spPr>
+      </p:pic>
       <p:sp>
         <p:nvSpPr>
           <p:cNvPr id="2" name="Title 1">
             <a:extLst>
               <a:ext uri="{FF2B5EF4-FFF2-40B4-BE49-F238E27FC236}">
-                <a16:creationId xmlns:a16="http://schemas.microsoft.com/office/drawing/2014/main" id="{B8D9092D-B679-650B-EA1D-CDBBE4691211}"/>
+                <a16:creationId xmlns:a16="http://schemas.microsoft.com/office/drawing/2014/main" id="{348627AD-EE71-E08F-D7C1-077070F1906A}"/>
               </a:ext>
             </a:extLst>
           </p:cNvPr>
@@ -6964,26 +7535,34 @@
             <p:ph type="title"/>
           </p:nvPr>
         </p:nvSpPr>
-        <p:spPr/>
-        <p:txBody>
-          <a:bodyPr/>
-          <a:lstStyle/>
-          <a:p>
-            <a:r>
-              <a:rPr lang="en-US" dirty="0"/>
+        <p:spPr>
+          <a:xfrm>
+            <a:off x="614679" y="457200"/>
+            <a:ext cx="4779572" cy="1298448"/>
+          </a:xfrm>
+        </p:spPr>
+        <p:txBody>
+          <a:bodyPr anchor="t">
+            <a:normAutofit/>
+          </a:bodyPr>
+          <a:lstStyle/>
+          <a:p>
+            <a:r>
+              <a:rPr lang="en-US"/>
               <a:t>Basic Domain Knowledge</a:t>
             </a:r>
-          </a:p>
-        </p:txBody>
-      </p:sp>
-      <mc:AlternateContent xmlns:mc="http://schemas.openxmlformats.org/markup-compatibility/2006">
-        <mc:Choice xmlns:a14="http://schemas.microsoft.com/office/drawing/2010/main" Requires="a14">
+            <a:endParaRPr lang="en-US" dirty="0"/>
+          </a:p>
+        </p:txBody>
+      </p:sp>
+      <mc:AlternateContent xmlns:mc="http://schemas.openxmlformats.org/markup-compatibility/2006" xmlns:a14="http://schemas.microsoft.com/office/drawing/2010/main">
+        <mc:Choice Requires="a14">
           <p:sp>
             <p:nvSpPr>
               <p:cNvPr id="3" name="Content Placeholder 2">
                 <a:extLst>
                   <a:ext uri="{FF2B5EF4-FFF2-40B4-BE49-F238E27FC236}">
-                    <a16:creationId xmlns:a16="http://schemas.microsoft.com/office/drawing/2014/main" id="{3A7C6DBF-5FFF-C311-C4B0-18183B50C005}"/>
+                    <a16:creationId xmlns:a16="http://schemas.microsoft.com/office/drawing/2014/main" id="{05E618E0-648F-4694-FF57-BCA5C90D873B}"/>
                   </a:ext>
                 </a:extLst>
               </p:cNvPr>
@@ -6994,46 +7573,51 @@
                 <p:ph idx="1"/>
               </p:nvPr>
             </p:nvSpPr>
-            <p:spPr/>
+            <p:spPr>
+              <a:xfrm>
+                <a:off x="6030550" y="457201"/>
+                <a:ext cx="5639127" cy="5760720"/>
+              </a:xfrm>
+            </p:spPr>
             <p:txBody>
-              <a:bodyPr>
+              <a:bodyPr anchor="t">
                 <a:normAutofit/>
               </a:bodyPr>
               <a:lstStyle/>
               <a:p>
                 <a:r>
-                  <a:rPr lang="en-US" sz="1200" b="1" dirty="0"/>
+                  <a:rPr lang="en-US" sz="1800" b="1"/>
                   <a:t>Blood Glucose </a:t>
                 </a:r>
                 <a:r>
-                  <a:rPr lang="en-US" sz="1200" dirty="0"/>
+                  <a:rPr lang="en-US" sz="1800"/>
                   <a:t>(BG):</a:t>
                 </a:r>
               </a:p>
               <a:p>
                 <a:pPr lvl="1"/>
                 <a:r>
-                  <a:rPr lang="en-US" sz="1200" dirty="0"/>
+                  <a:rPr lang="en-US" sz="1800"/>
                   <a:t>Glucose (C₆H₁₂O₆.) is a simple sugar (monosaccharide) that serves as a primary source of energy for the body's cells.</a:t>
                 </a:r>
               </a:p>
               <a:p>
                 <a:pPr lvl="1"/>
                 <a:r>
-                  <a:rPr lang="en-US" sz="1200" dirty="0"/>
+                  <a:rPr lang="en-US" sz="1800"/>
                   <a:t>Levels of glucose in the bloodstream is regulated by the two hormones Insulin (BG</a:t>
                 </a:r>
                 <a14:m>
                   <m:oMath xmlns:m="http://schemas.openxmlformats.org/officeDocument/2006/math">
                     <m:r>
-                      <a:rPr lang="en-US" sz="1200" i="1" smtClean="0">
+                      <a:rPr lang="en-US" sz="1800" i="1">
                         <a:latin typeface="Cambria Math" panose="02040503050406030204" pitchFamily="18" charset="0"/>
                         <a:ea typeface="Cambria Math" panose="02040503050406030204" pitchFamily="18" charset="0"/>
                       </a:rPr>
                       <m:t>↓</m:t>
                     </m:r>
                     <m:r>
-                      <a:rPr lang="de-DE" sz="1200" b="0" i="1" smtClean="0">
+                      <a:rPr lang="de-DE" sz="1800" b="0" i="1">
                         <a:latin typeface="Cambria Math" panose="02040503050406030204" pitchFamily="18" charset="0"/>
                         <a:ea typeface="Cambria Math" panose="02040503050406030204" pitchFamily="18" charset="0"/>
                       </a:rPr>
@@ -7042,11 +7626,11 @@
                   </m:oMath>
                 </a14:m>
                 <a:r>
-                  <a:rPr lang="en-US" sz="1200" dirty="0"/>
+                  <a:rPr lang="en-US" sz="1800"/>
                   <a:t> and Glucagon (BG</a:t>
                 </a:r>
                 <a:r>
-                  <a:rPr lang="en-US" sz="1200" dirty="0">
+                  <a:rPr lang="en-US" sz="1800">
                     <a:ea typeface="Cambria Math" panose="02040503050406030204" pitchFamily="18" charset="0"/>
                   </a:rPr>
                   <a:t> </a:t>
@@ -7054,7 +7638,7 @@
                 <a14:m>
                   <m:oMath xmlns:m="http://schemas.openxmlformats.org/officeDocument/2006/math">
                     <m:r>
-                      <a:rPr lang="en-US" sz="1200" i="1">
+                      <a:rPr lang="en-US" sz="1800" i="1">
                         <a:latin typeface="Cambria Math" panose="02040503050406030204" pitchFamily="18" charset="0"/>
                         <a:ea typeface="Cambria Math" panose="02040503050406030204" pitchFamily="18" charset="0"/>
                       </a:rPr>
@@ -7063,125 +7647,72 @@
                   </m:oMath>
                 </a14:m>
                 <a:r>
-                  <a:rPr lang="en-US" sz="1200" dirty="0"/>
+                  <a:rPr lang="en-US" sz="1800"/>
                   <a:t>) released in the pancreas</a:t>
                 </a:r>
               </a:p>
               <a:p>
                 <a:r>
-                  <a:rPr lang="en-US" sz="1200" b="1" dirty="0"/>
-                  <a:t>Type 1 Diabetes Mellitus </a:t>
-                </a:r>
-                <a:r>
-                  <a:rPr lang="en-US" sz="1200" dirty="0"/>
-                  <a:t>(T1DM):</a:t>
-                </a:r>
-              </a:p>
-              <a:p>
-                <a:pPr lvl="1"/>
-                <a:r>
-                  <a:rPr lang="en-US" sz="1200" dirty="0"/>
-                  <a:t>A chronic autoimmune condition where the body’s immune system destroys the insulin-producing beta cells in the pancreas</a:t>
-                </a:r>
-              </a:p>
-              <a:p>
-                <a:pPr lvl="1"/>
-                <a:r>
-                  <a:rPr lang="en-US" sz="1200" dirty="0"/>
-                  <a:t>Without insulin, the body cannot regulate blood glucose levels effectively </a:t>
-                </a:r>
-                <a:r>
-                  <a:rPr lang="en-US" sz="1200" dirty="0">
-                    <a:sym typeface="Wingdings" pitchFamily="2" charset="2"/>
-                  </a:rPr>
-                  <a:t> External management necessary!</a:t>
-                </a:r>
-                <a:endParaRPr lang="en-US" sz="1200" dirty="0"/>
-              </a:p>
-              <a:p>
-                <a:pPr lvl="1"/>
-                <a:r>
-                  <a:rPr lang="en-US" sz="1200" dirty="0"/>
-                  <a:t>Management to prevent levels from becoming too high (hyperglycemia) or too low (hypoglycemia).</a:t>
-                </a:r>
-              </a:p>
-              <a:p>
-                <a:pPr lvl="2"/>
-                <a:r>
-                  <a:rPr lang="en-US" sz="1100" dirty="0"/>
-                  <a:t>Monitoring blood glucose levels</a:t>
-                </a:r>
-              </a:p>
-              <a:p>
-                <a:pPr lvl="2"/>
-                <a:r>
-                  <a:rPr lang="en-US" sz="1100" dirty="0"/>
-                  <a:t>Administering insulin (via injections or pumps): Basal insulin: </a:t>
-                </a:r>
-                <a:r>
-                  <a:rPr lang="en-US" sz="1100" dirty="0" err="1"/>
-                  <a:t>longterm</a:t>
-                </a:r>
-                <a:r>
-                  <a:rPr lang="en-US" sz="1100" dirty="0"/>
-                  <a:t> basis | Bolus insulin: short term before meals</a:t>
-                </a:r>
-              </a:p>
-              <a:p>
-                <a:pPr lvl="2"/>
-                <a:r>
-                  <a:rPr lang="en-US" sz="1100" dirty="0"/>
-                  <a:t>Balancing carbohydrate intake, physical activity, and medication</a:t>
-                </a:r>
-              </a:p>
-              <a:p>
-                <a:pPr lvl="1"/>
-                <a:r>
-                  <a:rPr lang="en-US" sz="1200" dirty="0"/>
-                  <a:t>Regular monitoring helps prevent complications like heart disease, nerve damage, and kidney problems.</a:t>
-                </a:r>
-              </a:p>
-              <a:p>
-                <a:r>
-                  <a:rPr lang="en-US" sz="1200" b="1" dirty="0"/>
+                  <a:rPr lang="en-US" sz="1800" b="1"/>
                   <a:t>Blood Glucose Levels in T1D</a:t>
                 </a:r>
                 <a:r>
-                  <a:rPr lang="en-US" sz="1200" dirty="0"/>
+                  <a:rPr lang="en-US" sz="1800"/>
                   <a:t>:</a:t>
                 </a:r>
               </a:p>
               <a:p>
                 <a:pPr lvl="1"/>
                 <a:r>
-                  <a:rPr lang="en-US" sz="1200" dirty="0"/>
-                  <a:t>Normal fasting blood glucose: 70–100 mg/dL (3.9–5.6 mmol/L).</a:t>
+                  <a:rPr lang="en-US" sz="1800"/>
+                  <a:t>Normal fasting blood glucose: </a:t>
+                </a:r>
+              </a:p>
+              <a:p>
+                <a:pPr lvl="2"/>
+                <a:r>
+                  <a:rPr lang="en-US"/>
+                  <a:t>70–100 mg/dL (3.9–5.6 mmol/L).</a:t>
                 </a:r>
               </a:p>
               <a:p>
                 <a:pPr lvl="1"/>
                 <a:r>
-                  <a:rPr lang="en-US" sz="1200" dirty="0"/>
-                  <a:t>Hyperglycemia (high blood sugar): Blood glucose &gt;180 mg/dL (10 mmol/L).</a:t>
+                  <a:rPr lang="en-US" sz="1800"/>
+                  <a:t>Hyperglycemia (high blood sugar): </a:t>
+                </a:r>
+              </a:p>
+              <a:p>
+                <a:pPr lvl="2"/>
+                <a:r>
+                  <a:rPr lang="en-US"/>
+                  <a:t>&gt;180 mg/dL (10 mmol/L).</a:t>
                 </a:r>
               </a:p>
               <a:p>
                 <a:pPr lvl="1"/>
                 <a:r>
-                  <a:rPr lang="en-US" sz="1200" dirty="0"/>
-                  <a:t>Hypoglycemia (low blood sugar): Blood glucose &lt;70 mg/dL (3.9 mmol/L).</a:t>
+                  <a:rPr lang="en-US" sz="1800"/>
+                  <a:t>Hypoglycemia (low blood sugar): </a:t>
+                </a:r>
+              </a:p>
+              <a:p>
+                <a:pPr lvl="2"/>
+                <a:r>
+                  <a:rPr lang="en-US"/>
+                  <a:t>&lt;70 mg/dL (3.9 mmol/L).</a:t>
                 </a:r>
               </a:p>
             </p:txBody>
           </p:sp>
         </mc:Choice>
-        <mc:Fallback>
+        <mc:Fallback xmlns="">
           <p:sp>
             <p:nvSpPr>
               <p:cNvPr id="3" name="Content Placeholder 2">
                 <a:extLst>
                   <a:ext uri="{FF2B5EF4-FFF2-40B4-BE49-F238E27FC236}">
-                    <a16:creationId xmlns:a16="http://schemas.microsoft.com/office/drawing/2014/main" id="{3A7C6DBF-5FFF-C311-C4B0-18183B50C005}"/>
+                    <a16:creationId xmlns:a16="http://schemas.microsoft.com/office/drawing/2014/main" id="{05E618E0-648F-4694-FF57-BCA5C90D873B}"/>
                   </a:ext>
                 </a:extLst>
               </p:cNvPr>
@@ -7193,10 +7724,14 @@
               </p:nvPr>
             </p:nvSpPr>
             <p:spPr>
+              <a:xfrm>
+                <a:off x="6030550" y="457201"/>
+                <a:ext cx="5639127" cy="5760720"/>
+              </a:xfrm>
               <a:blipFill>
-                <a:blip r:embed="rId2"/>
+                <a:blip r:embed="rId3"/>
                 <a:stretch>
-                  <a:fillRect l="-867" t="-592" b="-1183"/>
+                  <a:fillRect l="-2247" t="-881"/>
                 </a:stretch>
               </a:blipFill>
             </p:spPr>
@@ -7218,6 +7753,440 @@
     </p:spTree>
     <p:extLst>
       <p:ext uri="{BB962C8B-B14F-4D97-AF65-F5344CB8AC3E}">
+        <p14:creationId xmlns:p14="http://schemas.microsoft.com/office/powerpoint/2010/main" val="187533112"/>
+      </p:ext>
+    </p:extLst>
+  </p:cSld>
+  <p:clrMapOvr>
+    <a:masterClrMapping/>
+  </p:clrMapOvr>
+</p:sld>
+</file>
+
+<file path=ppt/slides/slide4.xml><?xml version="1.0" encoding="utf-8"?>
+<p:sld xmlns:a="http://schemas.openxmlformats.org/drawingml/2006/main" xmlns:r="http://schemas.openxmlformats.org/officeDocument/2006/relationships" xmlns:p="http://schemas.openxmlformats.org/presentationml/2006/main">
+  <p:cSld>
+    <p:spTree>
+      <p:nvGrpSpPr>
+        <p:cNvPr id="1" name=""/>
+        <p:cNvGrpSpPr/>
+        <p:nvPr/>
+      </p:nvGrpSpPr>
+      <p:grpSpPr>
+        <a:xfrm>
+          <a:off x="0" y="0"/>
+          <a:ext cx="0" cy="0"/>
+          <a:chOff x="0" y="0"/>
+          <a:chExt cx="0" cy="0"/>
+        </a:xfrm>
+      </p:grpSpPr>
+      <p:sp>
+        <p:nvSpPr>
+          <p:cNvPr id="2" name="Title 1">
+            <a:extLst>
+              <a:ext uri="{FF2B5EF4-FFF2-40B4-BE49-F238E27FC236}">
+                <a16:creationId xmlns:a16="http://schemas.microsoft.com/office/drawing/2014/main" id="{B8D9092D-B679-650B-EA1D-CDBBE4691211}"/>
+              </a:ext>
+            </a:extLst>
+          </p:cNvPr>
+          <p:cNvSpPr>
+            <a:spLocks noGrp="1"/>
+          </p:cNvSpPr>
+          <p:nvPr>
+            <p:ph type="title"/>
+          </p:nvPr>
+        </p:nvSpPr>
+        <p:spPr/>
+        <p:txBody>
+          <a:bodyPr/>
+          <a:lstStyle/>
+          <a:p>
+            <a:r>
+              <a:rPr lang="en-US" dirty="0"/>
+              <a:t>Basic Domain Knowledge</a:t>
+            </a:r>
+          </a:p>
+        </p:txBody>
+      </p:sp>
+      <p:sp>
+        <p:nvSpPr>
+          <p:cNvPr id="3" name="Content Placeholder 2">
+            <a:extLst>
+              <a:ext uri="{FF2B5EF4-FFF2-40B4-BE49-F238E27FC236}">
+                <a16:creationId xmlns:a16="http://schemas.microsoft.com/office/drawing/2014/main" id="{3A7C6DBF-5FFF-C311-C4B0-18183B50C005}"/>
+              </a:ext>
+            </a:extLst>
+          </p:cNvPr>
+          <p:cNvSpPr>
+            <a:spLocks noGrp="1"/>
+          </p:cNvSpPr>
+          <p:nvPr>
+            <p:ph idx="1"/>
+          </p:nvPr>
+        </p:nvSpPr>
+        <p:spPr>
+          <a:xfrm>
+            <a:off x="1371600" y="1791370"/>
+            <a:ext cx="8848165" cy="4280246"/>
+          </a:xfrm>
+        </p:spPr>
+        <p:txBody>
+          <a:bodyPr>
+            <a:normAutofit fontScale="92500" lnSpcReduction="20000"/>
+          </a:bodyPr>
+          <a:lstStyle/>
+          <a:p>
+            <a:r>
+              <a:rPr lang="en-US" sz="1800" b="1" dirty="0"/>
+              <a:t>Type 1 Diabetes Mellitus </a:t>
+            </a:r>
+            <a:r>
+              <a:rPr lang="en-US" sz="1800" dirty="0"/>
+              <a:t>(T1DM):</a:t>
+            </a:r>
+          </a:p>
+          <a:p>
+            <a:pPr lvl="1"/>
+            <a:r>
+              <a:rPr lang="en-US" sz="1800" dirty="0"/>
+              <a:t>A chronic autoimmune condition where the body’s immune system destroys the insulin-producing beta cells in the pancreas</a:t>
+            </a:r>
+          </a:p>
+          <a:p>
+            <a:pPr lvl="1"/>
+            <a:r>
+              <a:rPr lang="en-US" sz="1800" dirty="0"/>
+              <a:t>Without insulin, the body cannot regulate blood glucose levels effectively </a:t>
+            </a:r>
+            <a:r>
+              <a:rPr lang="en-US" sz="1800" dirty="0">
+                <a:sym typeface="Wingdings" pitchFamily="2" charset="2"/>
+              </a:rPr>
+              <a:t> External management necessary!</a:t>
+            </a:r>
+            <a:endParaRPr lang="en-US" sz="1800" dirty="0"/>
+          </a:p>
+          <a:p>
+            <a:pPr lvl="1"/>
+            <a:r>
+              <a:rPr lang="en-US" sz="1800" dirty="0"/>
+              <a:t>Management to prevent levels from becoming too high (hyperglycemia) or too low (hypoglycemia).</a:t>
+            </a:r>
+          </a:p>
+          <a:p>
+            <a:pPr lvl="2"/>
+            <a:r>
+              <a:rPr lang="en-US" sz="1600" dirty="0"/>
+              <a:t>Monitoring blood glucose levels</a:t>
+            </a:r>
+          </a:p>
+          <a:p>
+            <a:pPr lvl="2"/>
+            <a:r>
+              <a:rPr lang="en-US" sz="1600" dirty="0"/>
+              <a:t>Administering insulin (via injections or pumps): </a:t>
+            </a:r>
+          </a:p>
+          <a:p>
+            <a:pPr lvl="3"/>
+            <a:r>
+              <a:rPr lang="en-US" sz="1400" dirty="0"/>
+              <a:t>Basal insulin: </a:t>
+            </a:r>
+            <a:r>
+              <a:rPr lang="en-US" sz="1400" dirty="0" err="1"/>
+              <a:t>longterm</a:t>
+            </a:r>
+            <a:r>
+              <a:rPr lang="en-US" sz="1400" dirty="0"/>
+              <a:t> basis</a:t>
+            </a:r>
+          </a:p>
+          <a:p>
+            <a:pPr lvl="3"/>
+            <a:r>
+              <a:rPr lang="en-US" sz="1400" dirty="0"/>
+              <a:t>Bolus insulin: short term before meals</a:t>
+            </a:r>
+          </a:p>
+          <a:p>
+            <a:pPr lvl="2"/>
+            <a:r>
+              <a:rPr lang="en-US" sz="1600" dirty="0"/>
+              <a:t>Balancing carbohydrate intake, physical activity, and medication</a:t>
+            </a:r>
+          </a:p>
+          <a:p>
+            <a:pPr lvl="1"/>
+            <a:r>
+              <a:rPr lang="en-US" sz="1800" dirty="0"/>
+              <a:t>Regular monitoring helps prevent complications like heart disease, nerve damage, and kidney problems.</a:t>
+            </a:r>
+          </a:p>
+        </p:txBody>
+      </p:sp>
+      <p:grpSp>
+        <p:nvGrpSpPr>
+          <p:cNvPr id="14" name="Group 13">
+            <a:extLst>
+              <a:ext uri="{FF2B5EF4-FFF2-40B4-BE49-F238E27FC236}">
+                <a16:creationId xmlns:a16="http://schemas.microsoft.com/office/drawing/2014/main" id="{ED4C6C1C-C106-681A-24C9-F73CABE05F3F}"/>
+              </a:ext>
+            </a:extLst>
+          </p:cNvPr>
+          <p:cNvGrpSpPr/>
+          <p:nvPr/>
+        </p:nvGrpSpPr>
+        <p:grpSpPr>
+          <a:xfrm>
+            <a:off x="8861196" y="311085"/>
+            <a:ext cx="2751684" cy="2790334"/>
+            <a:chOff x="9863452" y="394175"/>
+            <a:chExt cx="860840" cy="862140"/>
+          </a:xfrm>
+        </p:grpSpPr>
+        <p:sp>
+          <p:nvSpPr>
+            <p:cNvPr id="9" name="Block Arc 8">
+              <a:extLst>
+                <a:ext uri="{FF2B5EF4-FFF2-40B4-BE49-F238E27FC236}">
+                  <a16:creationId xmlns:a16="http://schemas.microsoft.com/office/drawing/2014/main" id="{C80D39B5-05E3-1BA3-8981-21E19352BF76}"/>
+                </a:ext>
+              </a:extLst>
+            </p:cNvPr>
+            <p:cNvSpPr/>
+            <p:nvPr/>
+          </p:nvSpPr>
+          <p:spPr>
+            <a:xfrm>
+              <a:off x="9866790" y="394175"/>
+              <a:ext cx="847493" cy="854927"/>
+            </a:xfrm>
+            <a:prstGeom prst="blockArc">
+              <a:avLst>
+                <a:gd name="adj1" fmla="val 13820055"/>
+                <a:gd name="adj2" fmla="val 18814507"/>
+                <a:gd name="adj3" fmla="val 15258"/>
+              </a:avLst>
+            </a:prstGeom>
+            <a:solidFill>
+              <a:srgbClr val="92D050"/>
+            </a:solidFill>
+            <a:ln>
+              <a:noFill/>
+            </a:ln>
+          </p:spPr>
+          <p:style>
+            <a:lnRef idx="2">
+              <a:schemeClr val="accent1">
+                <a:shade val="15000"/>
+              </a:schemeClr>
+            </a:lnRef>
+            <a:fillRef idx="1">
+              <a:schemeClr val="accent1"/>
+            </a:fillRef>
+            <a:effectRef idx="0">
+              <a:schemeClr val="accent1"/>
+            </a:effectRef>
+            <a:fontRef idx="minor">
+              <a:schemeClr val="lt1"/>
+            </a:fontRef>
+          </p:style>
+          <p:txBody>
+            <a:bodyPr rtlCol="0" anchor="ctr"/>
+            <a:lstStyle/>
+            <a:p>
+              <a:pPr algn="ctr"/>
+              <a:r>
+                <a:rPr lang="en-US" sz="1200" b="1" dirty="0">
+                  <a:solidFill>
+                    <a:schemeClr val="tx1"/>
+                  </a:solidFill>
+                </a:rPr>
+                <a:t>70-120</a:t>
+              </a:r>
+            </a:p>
+          </p:txBody>
+        </p:sp>
+        <p:sp>
+          <p:nvSpPr>
+            <p:cNvPr id="11" name="Block Arc 10">
+              <a:extLst>
+                <a:ext uri="{FF2B5EF4-FFF2-40B4-BE49-F238E27FC236}">
+                  <a16:creationId xmlns:a16="http://schemas.microsoft.com/office/drawing/2014/main" id="{9230A6D0-0DE6-1824-568A-6C77EB99B4A4}"/>
+                </a:ext>
+              </a:extLst>
+            </p:cNvPr>
+            <p:cNvSpPr/>
+            <p:nvPr/>
+          </p:nvSpPr>
+          <p:spPr>
+            <a:xfrm>
+              <a:off x="9863452" y="399450"/>
+              <a:ext cx="847493" cy="854927"/>
+            </a:xfrm>
+            <a:prstGeom prst="blockArc">
+              <a:avLst>
+                <a:gd name="adj1" fmla="val 10800000"/>
+                <a:gd name="adj2" fmla="val 13808799"/>
+                <a:gd name="adj3" fmla="val 15257"/>
+              </a:avLst>
+            </a:prstGeom>
+            <a:solidFill>
+              <a:srgbClr val="0070C0"/>
+            </a:solidFill>
+            <a:ln>
+              <a:noFill/>
+            </a:ln>
+          </p:spPr>
+          <p:style>
+            <a:lnRef idx="2">
+              <a:schemeClr val="accent1">
+                <a:shade val="15000"/>
+              </a:schemeClr>
+            </a:lnRef>
+            <a:fillRef idx="1">
+              <a:schemeClr val="accent1"/>
+            </a:fillRef>
+            <a:effectRef idx="0">
+              <a:schemeClr val="accent1"/>
+            </a:effectRef>
+            <a:fontRef idx="minor">
+              <a:schemeClr val="lt1"/>
+            </a:fontRef>
+          </p:style>
+          <p:txBody>
+            <a:bodyPr rtlCol="0" anchor="ctr"/>
+            <a:lstStyle/>
+            <a:p>
+              <a:pPr algn="ctr"/>
+              <a:r>
+                <a:rPr lang="en-US" sz="1400" b="1" dirty="0">
+                  <a:solidFill>
+                    <a:schemeClr val="tx1"/>
+                  </a:solidFill>
+                </a:rPr>
+                <a:t>&lt;70</a:t>
+              </a:r>
+            </a:p>
+          </p:txBody>
+        </p:sp>
+        <p:sp>
+          <p:nvSpPr>
+            <p:cNvPr id="12" name="Block Arc 11">
+              <a:extLst>
+                <a:ext uri="{FF2B5EF4-FFF2-40B4-BE49-F238E27FC236}">
+                  <a16:creationId xmlns:a16="http://schemas.microsoft.com/office/drawing/2014/main" id="{CA5F72DE-EDF8-B91B-00CA-24EE15196B6D}"/>
+                </a:ext>
+              </a:extLst>
+            </p:cNvPr>
+            <p:cNvSpPr/>
+            <p:nvPr/>
+          </p:nvSpPr>
+          <p:spPr>
+            <a:xfrm>
+              <a:off x="9876799" y="401388"/>
+              <a:ext cx="847493" cy="854927"/>
+            </a:xfrm>
+            <a:prstGeom prst="blockArc">
+              <a:avLst>
+                <a:gd name="adj1" fmla="val 18780810"/>
+                <a:gd name="adj2" fmla="val 21596155"/>
+                <a:gd name="adj3" fmla="val 15959"/>
+              </a:avLst>
+            </a:prstGeom>
+            <a:solidFill>
+              <a:srgbClr val="C00000"/>
+            </a:solidFill>
+            <a:ln>
+              <a:noFill/>
+            </a:ln>
+          </p:spPr>
+          <p:style>
+            <a:lnRef idx="2">
+              <a:schemeClr val="accent1">
+                <a:shade val="15000"/>
+              </a:schemeClr>
+            </a:lnRef>
+            <a:fillRef idx="1">
+              <a:schemeClr val="accent1"/>
+            </a:fillRef>
+            <a:effectRef idx="0">
+              <a:schemeClr val="accent1"/>
+            </a:effectRef>
+            <a:fontRef idx="minor">
+              <a:schemeClr val="lt1"/>
+            </a:fontRef>
+          </p:style>
+          <p:txBody>
+            <a:bodyPr rtlCol="0" anchor="ctr"/>
+            <a:lstStyle/>
+            <a:p>
+              <a:pPr algn="ctr"/>
+              <a:r>
+                <a:rPr lang="en-US" sz="1400" b="1" dirty="0">
+                  <a:solidFill>
+                    <a:schemeClr val="tx1"/>
+                  </a:solidFill>
+                </a:rPr>
+                <a:t>&gt;180</a:t>
+              </a:r>
+            </a:p>
+          </p:txBody>
+        </p:sp>
+        <p:sp>
+          <p:nvSpPr>
+            <p:cNvPr id="13" name="Up Arrow 12">
+              <a:extLst>
+                <a:ext uri="{FF2B5EF4-FFF2-40B4-BE49-F238E27FC236}">
+                  <a16:creationId xmlns:a16="http://schemas.microsoft.com/office/drawing/2014/main" id="{33AC76C8-5A55-BE95-206B-DE245C4FAF7D}"/>
+                </a:ext>
+              </a:extLst>
+            </p:cNvPr>
+            <p:cNvSpPr/>
+            <p:nvPr/>
+          </p:nvSpPr>
+          <p:spPr>
+            <a:xfrm rot="2999247">
+              <a:off x="10366739" y="591375"/>
+              <a:ext cx="59505" cy="261075"/>
+            </a:xfrm>
+            <a:prstGeom prst="upArrow">
+              <a:avLst/>
+            </a:prstGeom>
+            <a:ln>
+              <a:noFill/>
+            </a:ln>
+          </p:spPr>
+          <p:style>
+            <a:lnRef idx="2">
+              <a:schemeClr val="accent1">
+                <a:shade val="15000"/>
+              </a:schemeClr>
+            </a:lnRef>
+            <a:fillRef idx="1">
+              <a:schemeClr val="accent1"/>
+            </a:fillRef>
+            <a:effectRef idx="0">
+              <a:schemeClr val="accent1"/>
+            </a:effectRef>
+            <a:fontRef idx="minor">
+              <a:schemeClr val="lt1"/>
+            </a:fontRef>
+          </p:style>
+          <p:txBody>
+            <a:bodyPr rtlCol="0" anchor="ctr"/>
+            <a:lstStyle/>
+            <a:p>
+              <a:pPr algn="ctr"/>
+              <a:endParaRPr lang="en-US"/>
+            </a:p>
+          </p:txBody>
+        </p:sp>
+      </p:grpSp>
+    </p:spTree>
+    <p:extLst>
+      <p:ext uri="{BB962C8B-B14F-4D97-AF65-F5344CB8AC3E}">
         <p14:creationId xmlns:p14="http://schemas.microsoft.com/office/powerpoint/2010/main" val="2786504355"/>
       </p:ext>
     </p:extLst>
@@ -7228,7 +8197,7 @@
 </p:sld>
 </file>
 
-<file path=ppt/slides/slide4.xml><?xml version="1.0" encoding="utf-8"?>
+<file path=ppt/slides/slide5.xml><?xml version="1.0" encoding="utf-8"?>
 <p:sld xmlns:a="http://schemas.openxmlformats.org/drawingml/2006/main" xmlns:r="http://schemas.openxmlformats.org/officeDocument/2006/relationships" xmlns:p="http://schemas.openxmlformats.org/presentationml/2006/main">
   <p:cSld>
     <p:spTree>
@@ -7470,104 +8439,6 @@
 </p:sld>
 </file>
 
-<file path=ppt/slides/slide5.xml><?xml version="1.0" encoding="utf-8"?>
-<p:sld xmlns:a="http://schemas.openxmlformats.org/drawingml/2006/main" xmlns:r="http://schemas.openxmlformats.org/officeDocument/2006/relationships" xmlns:p="http://schemas.openxmlformats.org/presentationml/2006/main">
-  <p:cSld>
-    <p:spTree>
-      <p:nvGrpSpPr>
-        <p:cNvPr id="1" name=""/>
-        <p:cNvGrpSpPr/>
-        <p:nvPr/>
-      </p:nvGrpSpPr>
-      <p:grpSpPr>
-        <a:xfrm>
-          <a:off x="0" y="0"/>
-          <a:ext cx="0" cy="0"/>
-          <a:chOff x="0" y="0"/>
-          <a:chExt cx="0" cy="0"/>
-        </a:xfrm>
-      </p:grpSpPr>
-      <p:sp>
-        <p:nvSpPr>
-          <p:cNvPr id="2" name="Title 1">
-            <a:extLst>
-              <a:ext uri="{FF2B5EF4-FFF2-40B4-BE49-F238E27FC236}">
-                <a16:creationId xmlns:a16="http://schemas.microsoft.com/office/drawing/2014/main" id="{162CA8CA-AAFB-BB05-28D5-9FF42BEB4791}"/>
-              </a:ext>
-            </a:extLst>
-          </p:cNvPr>
-          <p:cNvSpPr>
-            <a:spLocks noGrp="1"/>
-          </p:cNvSpPr>
-          <p:nvPr>
-            <p:ph type="title"/>
-          </p:nvPr>
-        </p:nvSpPr>
-        <p:spPr/>
-        <p:txBody>
-          <a:bodyPr/>
-          <a:lstStyle/>
-          <a:p>
-            <a:r>
-              <a:rPr lang="en-US" dirty="0"/>
-              <a:t>Literature</a:t>
-            </a:r>
-          </a:p>
-        </p:txBody>
-      </p:sp>
-      <p:sp>
-        <p:nvSpPr>
-          <p:cNvPr id="3" name="Content Placeholder 2">
-            <a:extLst>
-              <a:ext uri="{FF2B5EF4-FFF2-40B4-BE49-F238E27FC236}">
-                <a16:creationId xmlns:a16="http://schemas.microsoft.com/office/drawing/2014/main" id="{B70BACD6-C820-3095-FA48-A622827FF014}"/>
-              </a:ext>
-            </a:extLst>
-          </p:cNvPr>
-          <p:cNvSpPr>
-            <a:spLocks noGrp="1"/>
-          </p:cNvSpPr>
-          <p:nvPr>
-            <p:ph idx="1"/>
-          </p:nvPr>
-        </p:nvSpPr>
-        <p:spPr/>
-        <p:txBody>
-          <a:bodyPr/>
-          <a:lstStyle/>
-          <a:p>
-            <a:r>
-              <a:rPr lang="en-US" dirty="0">
-                <a:hlinkClick r:id="rId2"/>
-              </a:rPr>
-              <a:t>Hidalgo et al., 2024</a:t>
-            </a:r>
-            <a:r>
-              <a:rPr lang="en-US" dirty="0"/>
-              <a:t>: Dataset description</a:t>
-            </a:r>
-          </a:p>
-          <a:p>
-            <a:endParaRPr lang="en-US" dirty="0"/>
-          </a:p>
-          <a:p>
-            <a:endParaRPr lang="en-US" dirty="0"/>
-          </a:p>
-        </p:txBody>
-      </p:sp>
-    </p:spTree>
-    <p:extLst>
-      <p:ext uri="{BB962C8B-B14F-4D97-AF65-F5344CB8AC3E}">
-        <p14:creationId xmlns:p14="http://schemas.microsoft.com/office/powerpoint/2010/main" val="422325155"/>
-      </p:ext>
-    </p:extLst>
-  </p:cSld>
-  <p:clrMapOvr>
-    <a:masterClrMapping/>
-  </p:clrMapOvr>
-</p:sld>
-</file>
-
 <file path=ppt/slides/slide6.xml><?xml version="1.0" encoding="utf-8"?>
 <p:sld xmlns:a="http://schemas.openxmlformats.org/drawingml/2006/main" xmlns:r="http://schemas.openxmlformats.org/officeDocument/2006/relationships" xmlns:p="http://schemas.openxmlformats.org/presentationml/2006/main">
   <p:cSld>
@@ -7590,7 +8461,7 @@
           <p:cNvPr id="2" name="Title 1">
             <a:extLst>
               <a:ext uri="{FF2B5EF4-FFF2-40B4-BE49-F238E27FC236}">
-                <a16:creationId xmlns:a16="http://schemas.microsoft.com/office/drawing/2014/main" id="{53E57A3A-EAFA-966F-36D0-424B176313E7}"/>
+                <a16:creationId xmlns:a16="http://schemas.microsoft.com/office/drawing/2014/main" id="{162CA8CA-AAFB-BB05-28D5-9FF42BEB4791}"/>
               </a:ext>
             </a:extLst>
           </p:cNvPr>
@@ -7608,7 +8479,7 @@
           <a:p>
             <a:r>
               <a:rPr lang="en-US" dirty="0"/>
-              <a:t>Dataset Characteristics</a:t>
+              <a:t>Literature</a:t>
             </a:r>
           </a:p>
         </p:txBody>
@@ -7618,7 +8489,7 @@
           <p:cNvPr id="3" name="Content Placeholder 2">
             <a:extLst>
               <a:ext uri="{FF2B5EF4-FFF2-40B4-BE49-F238E27FC236}">
-                <a16:creationId xmlns:a16="http://schemas.microsoft.com/office/drawing/2014/main" id="{C3A0FCF6-A643-C3B2-A312-E2EC2C7B46F5}"/>
+                <a16:creationId xmlns:a16="http://schemas.microsoft.com/office/drawing/2014/main" id="{B70BACD6-C820-3095-FA48-A622827FF014}"/>
               </a:ext>
             </a:extLst>
           </p:cNvPr>
@@ -7629,110 +8500,34 @@
             <p:ph idx="1"/>
           </p:nvPr>
         </p:nvSpPr>
-        <p:spPr>
-          <a:xfrm>
-            <a:off x="1371600" y="1791370"/>
-            <a:ext cx="9064171" cy="4280246"/>
-          </a:xfrm>
-        </p:spPr>
+        <p:spPr/>
         <p:txBody>
           <a:bodyPr/>
           <a:lstStyle/>
           <a:p>
             <a:r>
+              <a:rPr lang="en-US" dirty="0">
+                <a:hlinkClick r:id="rId2"/>
+              </a:rPr>
+              <a:t>Hidalgo et al., 2024</a:t>
+            </a:r>
+            <a:r>
               <a:rPr lang="en-US" dirty="0"/>
-              <a:t>Provide an overview of your dataset, including any preprocessing and feature engineering steps.</a:t>
-            </a:r>
-          </a:p>
-          <a:p>
-            <a:r>
-              <a:rPr lang="en-US" dirty="0"/>
-              <a:t>Preprocessed 5-min data for BG, insulin, carb &amp; metabolic markers</a:t>
-            </a:r>
-          </a:p>
-        </p:txBody>
-      </p:sp>
-      <p:pic>
-        <p:nvPicPr>
-          <p:cNvPr id="4" name="Picture 4">
-            <a:extLst>
-              <a:ext uri="{FF2B5EF4-FFF2-40B4-BE49-F238E27FC236}">
-                <a16:creationId xmlns:a16="http://schemas.microsoft.com/office/drawing/2014/main" id="{ACDADFFC-6A5B-9448-B39C-8AC3F0F518B0}"/>
-              </a:ext>
-            </a:extLst>
-          </p:cNvPr>
-          <p:cNvPicPr>
-            <a:picLocks noChangeAspect="1" noChangeArrowheads="1"/>
-          </p:cNvPicPr>
-          <p:nvPr/>
-        </p:nvPicPr>
-        <p:blipFill>
-          <a:blip r:embed="rId2">
-            <a:extLst>
-              <a:ext uri="{28A0092B-C50C-407E-A947-70E740481C1C}">
-                <a14:useLocalDpi xmlns:a14="http://schemas.microsoft.com/office/drawing/2010/main" val="0"/>
-              </a:ext>
-            </a:extLst>
-          </a:blip>
-          <a:srcRect/>
-          <a:stretch>
-            <a:fillRect/>
-          </a:stretch>
-        </p:blipFill>
-        <p:spPr bwMode="auto">
-          <a:xfrm>
-            <a:off x="3314208" y="3192700"/>
-            <a:ext cx="7121564" cy="3543163"/>
-          </a:xfrm>
-          <a:prstGeom prst="rect">
-            <a:avLst/>
-          </a:prstGeom>
-          <a:noFill/>
-          <a:extLst>
-            <a:ext uri="{909E8E84-426E-40DD-AFC4-6F175D3DCCD1}">
-              <a14:hiddenFill xmlns:a14="http://schemas.microsoft.com/office/drawing/2010/main">
-                <a:solidFill>
-                  <a:srgbClr val="FFFFFF"/>
-                </a:solidFill>
-              </a14:hiddenFill>
-            </a:ext>
-          </a:extLst>
-        </p:spPr>
-      </p:pic>
-      <p:pic>
-        <p:nvPicPr>
-          <p:cNvPr id="6" name="Picture 5">
-            <a:extLst>
-              <a:ext uri="{FF2B5EF4-FFF2-40B4-BE49-F238E27FC236}">
-                <a16:creationId xmlns:a16="http://schemas.microsoft.com/office/drawing/2014/main" id="{DFD03E96-0CE7-2DC8-D6CF-00BC6F2E47D8}"/>
-              </a:ext>
-            </a:extLst>
-          </p:cNvPr>
-          <p:cNvPicPr>
-            <a:picLocks noChangeAspect="1"/>
-          </p:cNvPicPr>
-          <p:nvPr/>
-        </p:nvPicPr>
-        <p:blipFill>
-          <a:blip r:embed="rId3"/>
-          <a:stretch>
-            <a:fillRect/>
-          </a:stretch>
-        </p:blipFill>
-        <p:spPr>
-          <a:xfrm>
-            <a:off x="10671519" y="473528"/>
-            <a:ext cx="1404365" cy="5041900"/>
-          </a:xfrm>
-          <a:prstGeom prst="rect">
-            <a:avLst/>
-          </a:prstGeom>
-        </p:spPr>
-      </p:pic>
+              <a:t>: Dataset description</a:t>
+            </a:r>
+          </a:p>
+          <a:p>
+            <a:endParaRPr lang="en-US" dirty="0"/>
+          </a:p>
+          <a:p>
+            <a:endParaRPr lang="en-US" dirty="0"/>
+          </a:p>
+        </p:txBody>
+      </p:sp>
     </p:spTree>
     <p:extLst>
       <p:ext uri="{BB962C8B-B14F-4D97-AF65-F5344CB8AC3E}">
-        <p14:creationId xmlns:p14="http://schemas.microsoft.com/office/powerpoint/2010/main" val="459413540"/>
+        <p14:creationId xmlns:p14="http://schemas.microsoft.com/office/powerpoint/2010/main" val="422325155"/>
       </p:ext>
     </p:extLst>
   </p:cSld>
@@ -7764,7 +8559,7 @@
           <p:cNvPr id="2" name="Title 1">
             <a:extLst>
               <a:ext uri="{FF2B5EF4-FFF2-40B4-BE49-F238E27FC236}">
-                <a16:creationId xmlns:a16="http://schemas.microsoft.com/office/drawing/2014/main" id="{FB06AD14-9745-38A5-4C87-179761FE8447}"/>
+                <a16:creationId xmlns:a16="http://schemas.microsoft.com/office/drawing/2014/main" id="{53E57A3A-EAFA-966F-36D0-424B176313E7}"/>
               </a:ext>
             </a:extLst>
           </p:cNvPr>
@@ -7782,7 +8577,7 @@
           <a:p>
             <a:r>
               <a:rPr lang="en-US" dirty="0"/>
-              <a:t>Feature selection</a:t>
+              <a:t>Dataset Characteristics</a:t>
             </a:r>
           </a:p>
         </p:txBody>
@@ -7792,7 +8587,7 @@
           <p:cNvPr id="3" name="Content Placeholder 2">
             <a:extLst>
               <a:ext uri="{FF2B5EF4-FFF2-40B4-BE49-F238E27FC236}">
-                <a16:creationId xmlns:a16="http://schemas.microsoft.com/office/drawing/2014/main" id="{65146AE5-D03F-9442-518F-67D537EAAA36}"/>
+                <a16:creationId xmlns:a16="http://schemas.microsoft.com/office/drawing/2014/main" id="{C3A0FCF6-A643-C3B2-A312-E2EC2C7B46F5}"/>
               </a:ext>
             </a:extLst>
           </p:cNvPr>
@@ -7806,170 +8601,50 @@
         <p:spPr>
           <a:xfrm>
             <a:off x="1371600" y="1791370"/>
-            <a:ext cx="5783943" cy="4280246"/>
+            <a:ext cx="9064171" cy="4280246"/>
           </a:xfrm>
         </p:spPr>
         <p:txBody>
-          <a:bodyPr>
-            <a:normAutofit/>
-          </a:bodyPr>
+          <a:bodyPr/>
           <a:lstStyle/>
           <a:p>
             <a:r>
               <a:rPr lang="en-US" dirty="0"/>
-              <a:t>Target: </a:t>
-            </a:r>
-            <a:r>
-              <a:rPr lang="en-US" b="0" dirty="0">
-                <a:effectLst/>
-                <a:latin typeface="Courier New" panose="02070309020205020404" pitchFamily="49" charset="0"/>
-              </a:rPr>
-              <a:t>'glucose'</a:t>
-            </a:r>
-            <a:endParaRPr lang="en-US" dirty="0"/>
+              <a:t>Provide an overview of your dataset, including any preprocessing and feature engineering steps.</a:t>
+            </a:r>
           </a:p>
           <a:p>
             <a:r>
               <a:rPr lang="en-US" dirty="0"/>
-              <a:t>Selected features: </a:t>
-            </a:r>
-            <a:r>
-              <a:rPr lang="en-US" b="0" dirty="0">
-                <a:effectLst/>
-                <a:latin typeface="Courier New" panose="02070309020205020404" pitchFamily="49" charset="0"/>
-              </a:rPr>
-              <a:t>'</a:t>
-            </a:r>
-            <a:r>
-              <a:rPr lang="en-US" b="0" dirty="0" err="1">
-                <a:effectLst/>
-                <a:latin typeface="Courier New" panose="02070309020205020404" pitchFamily="49" charset="0"/>
-              </a:rPr>
-              <a:t>bolus_volume_delivered</a:t>
-            </a:r>
-            <a:r>
-              <a:rPr lang="en-US" b="0" dirty="0">
-                <a:effectLst/>
-                <a:latin typeface="Courier New" panose="02070309020205020404" pitchFamily="49" charset="0"/>
-              </a:rPr>
-              <a:t>', '</a:t>
-            </a:r>
-            <a:r>
-              <a:rPr lang="en-US" b="0" dirty="0" err="1">
-                <a:effectLst/>
-                <a:latin typeface="Courier New" panose="02070309020205020404" pitchFamily="49" charset="0"/>
-              </a:rPr>
-              <a:t>basal_rate</a:t>
-            </a:r>
-            <a:r>
-              <a:rPr lang="en-US" b="0" dirty="0">
-                <a:effectLst/>
-                <a:latin typeface="Courier New" panose="02070309020205020404" pitchFamily="49" charset="0"/>
-              </a:rPr>
-              <a:t>', '</a:t>
-            </a:r>
-            <a:r>
-              <a:rPr lang="en-US" b="0" dirty="0" err="1">
-                <a:effectLst/>
-                <a:latin typeface="Courier New" panose="02070309020205020404" pitchFamily="49" charset="0"/>
-              </a:rPr>
-              <a:t>heart_rate</a:t>
-            </a:r>
-            <a:r>
-              <a:rPr lang="en-US" b="0" dirty="0">
-                <a:effectLst/>
-                <a:latin typeface="Courier New" panose="02070309020205020404" pitchFamily="49" charset="0"/>
-              </a:rPr>
-              <a:t>’</a:t>
-            </a:r>
-          </a:p>
-          <a:p>
-            <a:r>
-              <a:rPr lang="en-US" b="0" dirty="0" err="1">
-                <a:effectLst/>
-                <a:latin typeface="Courier New" panose="02070309020205020404" pitchFamily="49" charset="0"/>
-              </a:rPr>
-              <a:t>Carb_input</a:t>
-            </a:r>
-            <a:r>
-              <a:rPr lang="en-US" b="0" dirty="0">
-                <a:effectLst/>
-                <a:latin typeface="Courier New" panose="02070309020205020404" pitchFamily="49" charset="0"/>
-              </a:rPr>
-              <a:t> too badly tracked :(</a:t>
-            </a:r>
-          </a:p>
-          <a:p>
-            <a:endParaRPr lang="en-US" b="0" dirty="0">
-              <a:effectLst/>
-              <a:latin typeface="Courier New" panose="02070309020205020404" pitchFamily="49" charset="0"/>
-            </a:endParaRPr>
+              <a:t>Preprocessed 5-min data for BG, insulin, carb &amp; metabolic markers</a:t>
+            </a:r>
+          </a:p>
+          <a:p>
+            <a:r>
+              <a:rPr lang="en-US" dirty="0"/>
+              <a:t>- Over 50% of the dataset is just one subject (P27)</a:t>
+            </a:r>
+          </a:p>
+          <a:p>
+            <a:r>
+              <a:rPr lang="en-US" dirty="0"/>
+              <a:t>- ~75% is from P26, P27 or P28</a:t>
+            </a:r>
+          </a:p>
+          <a:p>
+            <a:r>
+              <a:rPr lang="en-US" dirty="0"/>
+              <a:t>- all other just contribute ~1% each</a:t>
+            </a:r>
           </a:p>
         </p:txBody>
       </p:sp>
       <p:pic>
         <p:nvPicPr>
-          <p:cNvPr id="4" name="Picture 2">
-            <a:extLst>
-              <a:ext uri="{FF2B5EF4-FFF2-40B4-BE49-F238E27FC236}">
-                <a16:creationId xmlns:a16="http://schemas.microsoft.com/office/drawing/2014/main" id="{10F74F8B-3AD9-288F-951D-0FD58A907063}"/>
-              </a:ext>
-            </a:extLst>
-          </p:cNvPr>
-          <p:cNvPicPr>
-            <a:picLocks noChangeAspect="1" noChangeArrowheads="1"/>
-          </p:cNvPicPr>
-          <p:nvPr/>
-        </p:nvPicPr>
-        <p:blipFill>
-          <a:blip r:embed="rId2">
-            <a:clrChange>
-              <a:clrFrom>
-                <a:srgbClr val="FFFFFF"/>
-              </a:clrFrom>
-              <a:clrTo>
-                <a:srgbClr val="FFFFFF">
-                  <a:alpha val="0"/>
-                </a:srgbClr>
-              </a:clrTo>
-            </a:clrChange>
-            <a:extLst>
-              <a:ext uri="{28A0092B-C50C-407E-A947-70E740481C1C}">
-                <a14:useLocalDpi xmlns:a14="http://schemas.microsoft.com/office/drawing/2010/main" val="0"/>
-              </a:ext>
-            </a:extLst>
-          </a:blip>
-          <a:srcRect/>
-          <a:stretch>
-            <a:fillRect/>
-          </a:stretch>
-        </p:blipFill>
-        <p:spPr bwMode="auto">
-          <a:xfrm>
-            <a:off x="6366461" y="288073"/>
-            <a:ext cx="5618817" cy="5111242"/>
-          </a:xfrm>
-          <a:prstGeom prst="rect">
-            <a:avLst/>
-          </a:prstGeom>
-          <a:noFill/>
-          <a:extLst>
-            <a:ext uri="{909E8E84-426E-40DD-AFC4-6F175D3DCCD1}">
-              <a14:hiddenFill xmlns:a14="http://schemas.microsoft.com/office/drawing/2010/main">
-                <a:solidFill>
-                  <a:srgbClr val="FFFFFF"/>
-                </a:solidFill>
-              </a14:hiddenFill>
-            </a:ext>
-          </a:extLst>
-        </p:spPr>
-      </p:pic>
-      <p:pic>
-        <p:nvPicPr>
-          <p:cNvPr id="7" name="Picture 6">
-            <a:extLst>
-              <a:ext uri="{FF2B5EF4-FFF2-40B4-BE49-F238E27FC236}">
-                <a16:creationId xmlns:a16="http://schemas.microsoft.com/office/drawing/2014/main" id="{8A063863-CC0A-171A-E526-C1CA1980963E}"/>
+          <p:cNvPr id="4" name="Picture 3">
+            <a:extLst>
+              <a:ext uri="{FF2B5EF4-FFF2-40B4-BE49-F238E27FC236}">
+                <a16:creationId xmlns:a16="http://schemas.microsoft.com/office/drawing/2014/main" id="{909823DA-7DA5-22C8-2DE3-FBAFFF6C58CE}"/>
               </a:ext>
             </a:extLst>
           </p:cNvPr>
@@ -7979,15 +8654,15 @@
           <p:nvPr/>
         </p:nvPicPr>
         <p:blipFill>
-          <a:blip r:embed="rId3"/>
+          <a:blip r:embed="rId2"/>
           <a:stretch>
             <a:fillRect/>
           </a:stretch>
         </p:blipFill>
         <p:spPr>
           <a:xfrm>
-            <a:off x="1371600" y="4206415"/>
-            <a:ext cx="2405552" cy="2596788"/>
+            <a:off x="9874146" y="1106878"/>
+            <a:ext cx="2201560" cy="4644244"/>
           </a:xfrm>
           <a:prstGeom prst="rect">
             <a:avLst/>
@@ -7997,7 +8672,7 @@
     </p:spTree>
     <p:extLst>
       <p:ext uri="{BB962C8B-B14F-4D97-AF65-F5344CB8AC3E}">
-        <p14:creationId xmlns:p14="http://schemas.microsoft.com/office/powerpoint/2010/main" val="1866412288"/>
+        <p14:creationId xmlns:p14="http://schemas.microsoft.com/office/powerpoint/2010/main" val="459413540"/>
       </p:ext>
     </p:extLst>
   </p:cSld>
@@ -8024,117 +8699,12 @@
           <a:chExt cx="0" cy="0"/>
         </a:xfrm>
       </p:grpSpPr>
-      <p:sp>
-        <p:nvSpPr>
-          <p:cNvPr id="2" name="Title 1">
-            <a:extLst>
-              <a:ext uri="{FF2B5EF4-FFF2-40B4-BE49-F238E27FC236}">
-                <a16:creationId xmlns:a16="http://schemas.microsoft.com/office/drawing/2014/main" id="{3F9C2E97-061F-D631-D16E-AC4EE1EFD7F3}"/>
-              </a:ext>
-            </a:extLst>
-          </p:cNvPr>
-          <p:cNvSpPr>
-            <a:spLocks noGrp="1"/>
-          </p:cNvSpPr>
-          <p:nvPr>
-            <p:ph type="title"/>
-          </p:nvPr>
-        </p:nvSpPr>
-        <p:spPr/>
-        <p:txBody>
-          <a:bodyPr/>
-          <a:lstStyle/>
-          <a:p>
-            <a:r>
-              <a:rPr lang="en-US" dirty="0"/>
-              <a:t>Normalization</a:t>
-            </a:r>
-          </a:p>
-        </p:txBody>
-      </p:sp>
-      <p:sp>
-        <p:nvSpPr>
-          <p:cNvPr id="3" name="Content Placeholder 2">
-            <a:extLst>
-              <a:ext uri="{FF2B5EF4-FFF2-40B4-BE49-F238E27FC236}">
-                <a16:creationId xmlns:a16="http://schemas.microsoft.com/office/drawing/2014/main" id="{D9A8F389-78CE-5281-4F32-E157E20AE28D}"/>
-              </a:ext>
-            </a:extLst>
-          </p:cNvPr>
-          <p:cNvSpPr>
-            <a:spLocks noGrp="1"/>
-          </p:cNvSpPr>
-          <p:nvPr>
-            <p:ph idx="1"/>
-          </p:nvPr>
-        </p:nvSpPr>
-        <p:spPr>
-          <a:xfrm>
-            <a:off x="1371600" y="1791370"/>
-            <a:ext cx="6291943" cy="4280246"/>
-          </a:xfrm>
-        </p:spPr>
-        <p:txBody>
-          <a:bodyPr/>
-          <a:lstStyle/>
-          <a:p>
-            <a:pPr lvl="1"/>
-            <a:r>
-              <a:rPr lang="en-US" b="0" dirty="0">
-                <a:effectLst/>
-                <a:latin typeface="Courier New" panose="02070309020205020404" pitchFamily="49" charset="0"/>
-              </a:rPr>
-              <a:t>HR -&gt; Z-Norm</a:t>
-            </a:r>
-          </a:p>
-          <a:p>
-            <a:pPr lvl="1"/>
-            <a:r>
-              <a:rPr lang="en-US" dirty="0">
-                <a:latin typeface="Courier New" panose="02070309020205020404" pitchFamily="49" charset="0"/>
-              </a:rPr>
-              <a:t>Glucose: relative to normal range?</a:t>
-            </a:r>
-            <a:br>
-              <a:rPr lang="en-US" dirty="0">
-                <a:latin typeface="Courier New" panose="02070309020205020404" pitchFamily="49" charset="0"/>
-              </a:rPr>
-            </a:br>
-            <a:r>
-              <a:rPr lang="en-US" dirty="0">
-                <a:latin typeface="Courier New" panose="02070309020205020404" pitchFamily="49" charset="0"/>
-              </a:rPr>
-              <a:t>[80-200] or relative to extremes [40,300]</a:t>
-            </a:r>
-          </a:p>
-          <a:p>
-            <a:pPr lvl="1"/>
-            <a:r>
-              <a:rPr lang="en-US" b="0" dirty="0">
-                <a:effectLst/>
-                <a:latin typeface="Courier New" panose="02070309020205020404" pitchFamily="49" charset="0"/>
-              </a:rPr>
-              <a:t>Bolus-insulin: Max-Norm</a:t>
-            </a:r>
-          </a:p>
-          <a:p>
-            <a:pPr lvl="1"/>
-            <a:r>
-              <a:rPr lang="en-US" dirty="0">
-                <a:latin typeface="Courier New" panose="02070309020205020404" pitchFamily="49" charset="0"/>
-              </a:rPr>
-              <a:t>Basal-insulin: Z-Norm / Max-Norm</a:t>
-            </a:r>
-            <a:endParaRPr lang="en-US" dirty="0"/>
-          </a:p>
-        </p:txBody>
-      </p:sp>
       <p:pic>
         <p:nvPicPr>
-          <p:cNvPr id="3074" name="Picture 2">
-            <a:extLst>
-              <a:ext uri="{FF2B5EF4-FFF2-40B4-BE49-F238E27FC236}">
-                <a16:creationId xmlns:a16="http://schemas.microsoft.com/office/drawing/2014/main" id="{4BC78176-FAE6-1223-EF60-2C6A24A326B4}"/>
+          <p:cNvPr id="4" name="Picture 4">
+            <a:extLst>
+              <a:ext uri="{FF2B5EF4-FFF2-40B4-BE49-F238E27FC236}">
+                <a16:creationId xmlns:a16="http://schemas.microsoft.com/office/drawing/2014/main" id="{6B6D26A5-C87E-25CC-F2E4-003E8D53B1FA}"/>
               </a:ext>
             </a:extLst>
           </p:cNvPr>
@@ -8144,7 +8714,7 @@
           <p:nvPr/>
         </p:nvPicPr>
         <p:blipFill>
-          <a:blip r:embed="rId3">
+          <a:blip r:embed="rId2">
             <a:extLst>
               <a:ext uri="{28A0092B-C50C-407E-A947-70E740481C1C}">
                 <a14:useLocalDpi xmlns:a14="http://schemas.microsoft.com/office/drawing/2010/main" val="0"/>
@@ -8158,8 +8728,8 @@
         </p:blipFill>
         <p:spPr bwMode="auto">
           <a:xfrm>
-            <a:off x="7663542" y="403226"/>
-            <a:ext cx="4528457" cy="2247129"/>
+            <a:off x="0" y="32143"/>
+            <a:ext cx="12192000" cy="6065836"/>
           </a:xfrm>
           <a:prstGeom prst="rect">
             <a:avLst/>
@@ -8176,10 +8746,98 @@
           </a:extLst>
         </p:spPr>
       </p:pic>
+      <p:sp>
+        <p:nvSpPr>
+          <p:cNvPr id="3" name="Content Placeholder 2">
+            <a:extLst>
+              <a:ext uri="{FF2B5EF4-FFF2-40B4-BE49-F238E27FC236}">
+                <a16:creationId xmlns:a16="http://schemas.microsoft.com/office/drawing/2014/main" id="{F696F105-8D78-0C64-1AC7-B328F2EE28F3}"/>
+              </a:ext>
+            </a:extLst>
+          </p:cNvPr>
+          <p:cNvSpPr>
+            <a:spLocks noGrp="1"/>
+          </p:cNvSpPr>
+          <p:nvPr>
+            <p:ph idx="1"/>
+          </p:nvPr>
+        </p:nvSpPr>
+        <p:spPr>
+          <a:xfrm>
+            <a:off x="4226119" y="4730814"/>
+            <a:ext cx="7906245" cy="1380346"/>
+          </a:xfrm>
+        </p:spPr>
+        <p:txBody>
+          <a:bodyPr>
+            <a:normAutofit fontScale="85000" lnSpcReduction="10000"/>
+          </a:bodyPr>
+          <a:lstStyle/>
+          <a:p>
+            <a:r>
+              <a:rPr lang="en-US" sz="1800" dirty="0"/>
+              <a:t>Preprocessed 5-min data for BG, insulin, carb &amp; metabolic markers</a:t>
+            </a:r>
+          </a:p>
+          <a:p>
+            <a:r>
+              <a:rPr lang="en-US" sz="1800" dirty="0"/>
+              <a:t>Some obvious correlations</a:t>
+            </a:r>
+          </a:p>
+          <a:p>
+            <a:r>
+              <a:rPr lang="en-US" sz="1800" dirty="0"/>
+              <a:t>Different scales</a:t>
+            </a:r>
+          </a:p>
+          <a:p>
+            <a:r>
+              <a:rPr lang="en-US" sz="1800" dirty="0"/>
+              <a:t>Noise &amp; missing values</a:t>
+            </a:r>
+          </a:p>
+        </p:txBody>
+      </p:sp>
+      <p:sp>
+        <p:nvSpPr>
+          <p:cNvPr id="6" name="Title 5">
+            <a:extLst>
+              <a:ext uri="{FF2B5EF4-FFF2-40B4-BE49-F238E27FC236}">
+                <a16:creationId xmlns:a16="http://schemas.microsoft.com/office/drawing/2014/main" id="{913E6BD1-1E43-128C-DAC7-63D851DC1829}"/>
+              </a:ext>
+            </a:extLst>
+          </p:cNvPr>
+          <p:cNvSpPr>
+            <a:spLocks noGrp="1"/>
+          </p:cNvSpPr>
+          <p:nvPr>
+            <p:ph type="title"/>
+          </p:nvPr>
+        </p:nvSpPr>
+        <p:spPr>
+          <a:xfrm>
+            <a:off x="4524956" y="4189911"/>
+            <a:ext cx="4532243" cy="501359"/>
+          </a:xfrm>
+        </p:spPr>
+        <p:txBody>
+          <a:bodyPr>
+            <a:normAutofit/>
+          </a:bodyPr>
+          <a:lstStyle/>
+          <a:p>
+            <a:r>
+              <a:rPr lang="en-US" sz="2400" dirty="0"/>
+              <a:t>One day visualized</a:t>
+            </a:r>
+          </a:p>
+        </p:txBody>
+      </p:sp>
     </p:spTree>
     <p:extLst>
       <p:ext uri="{BB962C8B-B14F-4D97-AF65-F5344CB8AC3E}">
-        <p14:creationId xmlns:p14="http://schemas.microsoft.com/office/powerpoint/2010/main" val="3049535366"/>
+        <p14:creationId xmlns:p14="http://schemas.microsoft.com/office/powerpoint/2010/main" val="3369227685"/>
       </p:ext>
     </p:extLst>
   </p:cSld>
@@ -8211,7 +8869,7 @@
           <p:cNvPr id="2" name="Title 1">
             <a:extLst>
               <a:ext uri="{FF2B5EF4-FFF2-40B4-BE49-F238E27FC236}">
-                <a16:creationId xmlns:a16="http://schemas.microsoft.com/office/drawing/2014/main" id="{15D400DD-8458-34D2-E80D-B3CC536EE4D3}"/>
+                <a16:creationId xmlns:a16="http://schemas.microsoft.com/office/drawing/2014/main" id="{FB06AD14-9745-38A5-4C87-179761FE8447}"/>
               </a:ext>
             </a:extLst>
           </p:cNvPr>
@@ -8229,7 +8887,7 @@
           <a:p>
             <a:r>
               <a:rPr lang="en-US" dirty="0"/>
-              <a:t>Calculated Features</a:t>
+              <a:t>Feature selection</a:t>
             </a:r>
           </a:p>
         </p:txBody>
@@ -8239,7 +8897,7 @@
           <p:cNvPr id="3" name="Content Placeholder 2">
             <a:extLst>
               <a:ext uri="{FF2B5EF4-FFF2-40B4-BE49-F238E27FC236}">
-                <a16:creationId xmlns:a16="http://schemas.microsoft.com/office/drawing/2014/main" id="{993D464C-0AE0-4C54-8587-78B3885CD94D}"/>
+                <a16:creationId xmlns:a16="http://schemas.microsoft.com/office/drawing/2014/main" id="{65146AE5-D03F-9442-518F-67D537EAAA36}"/>
               </a:ext>
             </a:extLst>
           </p:cNvPr>
@@ -8250,44 +8908,171 @@
             <p:ph idx="1"/>
           </p:nvPr>
         </p:nvSpPr>
-        <p:spPr/>
-        <p:txBody>
-          <a:bodyPr/>
-          <a:lstStyle/>
-          <a:p>
-            <a:r>
-              <a:rPr lang="en-US" dirty="0">
+        <p:spPr>
+          <a:xfrm>
+            <a:off x="1371600" y="1791370"/>
+            <a:ext cx="5783943" cy="4280246"/>
+          </a:xfrm>
+        </p:spPr>
+        <p:txBody>
+          <a:bodyPr>
+            <a:normAutofit/>
+          </a:bodyPr>
+          <a:lstStyle/>
+          <a:p>
+            <a:r>
+              <a:rPr lang="en-US" dirty="0"/>
+              <a:t>Target: </a:t>
+            </a:r>
+            <a:r>
+              <a:rPr lang="en-US" b="0" dirty="0">
+                <a:effectLst/>
                 <a:latin typeface="Courier New" panose="02070309020205020404" pitchFamily="49" charset="0"/>
               </a:rPr>
-              <a:t>Time of day? (sin/cos)</a:t>
-            </a:r>
+              <a:t>'glucose'</a:t>
+            </a:r>
+            <a:endParaRPr lang="en-US" dirty="0"/>
           </a:p>
           <a:p>
             <a:r>
               <a:rPr lang="en-US" dirty="0"/>
-              <a:t>Meta data?</a:t>
-            </a:r>
-          </a:p>
-          <a:p>
-            <a:pPr lvl="1"/>
-            <a:r>
-              <a:rPr lang="en-US" dirty="0"/>
-              <a:t>Mean steps / Activity</a:t>
-            </a:r>
-          </a:p>
-          <a:p>
-            <a:pPr lvl="1"/>
-            <a:r>
-              <a:rPr lang="en-US" dirty="0"/>
-              <a:t>Resting HR</a:t>
-            </a:r>
-          </a:p>
-        </p:txBody>
-      </p:sp>
+              <a:t>Selected features: </a:t>
+            </a:r>
+            <a:r>
+              <a:rPr lang="en-US" b="0" dirty="0">
+                <a:effectLst/>
+                <a:latin typeface="Courier New" panose="02070309020205020404" pitchFamily="49" charset="0"/>
+              </a:rPr>
+              <a:t>'</a:t>
+            </a:r>
+            <a:r>
+              <a:rPr lang="en-US" b="0" dirty="0" err="1">
+                <a:effectLst/>
+                <a:latin typeface="Courier New" panose="02070309020205020404" pitchFamily="49" charset="0"/>
+              </a:rPr>
+              <a:t>bolus_volume_delivered</a:t>
+            </a:r>
+            <a:r>
+              <a:rPr lang="en-US" b="0" dirty="0">
+                <a:effectLst/>
+                <a:latin typeface="Courier New" panose="02070309020205020404" pitchFamily="49" charset="0"/>
+              </a:rPr>
+              <a:t>', '</a:t>
+            </a:r>
+            <a:r>
+              <a:rPr lang="en-US" b="0" dirty="0" err="1">
+                <a:effectLst/>
+                <a:latin typeface="Courier New" panose="02070309020205020404" pitchFamily="49" charset="0"/>
+              </a:rPr>
+              <a:t>basal_rate</a:t>
+            </a:r>
+            <a:r>
+              <a:rPr lang="en-US" b="0" dirty="0">
+                <a:effectLst/>
+                <a:latin typeface="Courier New" panose="02070309020205020404" pitchFamily="49" charset="0"/>
+              </a:rPr>
+              <a:t>', '</a:t>
+            </a:r>
+            <a:r>
+              <a:rPr lang="en-US" b="0" dirty="0" err="1">
+                <a:effectLst/>
+                <a:latin typeface="Courier New" panose="02070309020205020404" pitchFamily="49" charset="0"/>
+              </a:rPr>
+              <a:t>heart_rate</a:t>
+            </a:r>
+            <a:r>
+              <a:rPr lang="en-US" b="0" dirty="0">
+                <a:effectLst/>
+                <a:latin typeface="Courier New" panose="02070309020205020404" pitchFamily="49" charset="0"/>
+              </a:rPr>
+              <a:t>’</a:t>
+            </a:r>
+          </a:p>
+          <a:p>
+            <a:r>
+              <a:rPr lang="en-US" b="0" dirty="0" err="1">
+                <a:effectLst/>
+                <a:latin typeface="Courier New" panose="02070309020205020404" pitchFamily="49" charset="0"/>
+              </a:rPr>
+              <a:t>Carb_input</a:t>
+            </a:r>
+            <a:r>
+              <a:rPr lang="en-US" b="0" dirty="0">
+                <a:effectLst/>
+                <a:latin typeface="Courier New" panose="02070309020205020404" pitchFamily="49" charset="0"/>
+              </a:rPr>
+              <a:t> too badly tracked :(</a:t>
+            </a:r>
+          </a:p>
+          <a:p>
+            <a:endParaRPr lang="en-US" b="0" dirty="0">
+              <a:effectLst/>
+              <a:latin typeface="Courier New" panose="02070309020205020404" pitchFamily="49" charset="0"/>
+            </a:endParaRPr>
+          </a:p>
+        </p:txBody>
+      </p:sp>
+      <p:pic>
+        <p:nvPicPr>
+          <p:cNvPr id="4" name="Picture 2">
+            <a:extLst>
+              <a:ext uri="{FF2B5EF4-FFF2-40B4-BE49-F238E27FC236}">
+                <a16:creationId xmlns:a16="http://schemas.microsoft.com/office/drawing/2014/main" id="{10F74F8B-3AD9-288F-951D-0FD58A907063}"/>
+              </a:ext>
+            </a:extLst>
+          </p:cNvPr>
+          <p:cNvPicPr>
+            <a:picLocks noChangeAspect="1" noChangeArrowheads="1"/>
+          </p:cNvPicPr>
+          <p:nvPr/>
+        </p:nvPicPr>
+        <p:blipFill>
+          <a:blip r:embed="rId2">
+            <a:clrChange>
+              <a:clrFrom>
+                <a:srgbClr val="FFFFFF"/>
+              </a:clrFrom>
+              <a:clrTo>
+                <a:srgbClr val="FFFFFF">
+                  <a:alpha val="0"/>
+                </a:srgbClr>
+              </a:clrTo>
+            </a:clrChange>
+            <a:extLst>
+              <a:ext uri="{28A0092B-C50C-407E-A947-70E740481C1C}">
+                <a14:useLocalDpi xmlns:a14="http://schemas.microsoft.com/office/drawing/2010/main" val="0"/>
+              </a:ext>
+            </a:extLst>
+          </a:blip>
+          <a:srcRect/>
+          <a:stretch>
+            <a:fillRect/>
+          </a:stretch>
+        </p:blipFill>
+        <p:spPr bwMode="auto">
+          <a:xfrm>
+            <a:off x="5724508" y="590635"/>
+            <a:ext cx="6240461" cy="5676730"/>
+          </a:xfrm>
+          <a:prstGeom prst="rect">
+            <a:avLst/>
+          </a:prstGeom>
+          <a:noFill/>
+          <a:extLst>
+            <a:ext uri="{909E8E84-426E-40DD-AFC4-6F175D3DCCD1}">
+              <a14:hiddenFill xmlns:a14="http://schemas.microsoft.com/office/drawing/2010/main">
+                <a:solidFill>
+                  <a:srgbClr val="FFFFFF"/>
+                </a:solidFill>
+              </a14:hiddenFill>
+            </a:ext>
+          </a:extLst>
+        </p:spPr>
+      </p:pic>
     </p:spTree>
     <p:extLst>
       <p:ext uri="{BB962C8B-B14F-4D97-AF65-F5344CB8AC3E}">
-        <p14:creationId xmlns:p14="http://schemas.microsoft.com/office/powerpoint/2010/main" val="2510538215"/>
+        <p14:creationId xmlns:p14="http://schemas.microsoft.com/office/powerpoint/2010/main" val="1866412288"/>
       </p:ext>
     </p:extLst>
   </p:cSld>
